--- a/guides/setup_development_environment.pptx
+++ b/guides/setup_development_environment.pptx
@@ -5,7 +5,7 @@
     <p:sldMasterId id="2147483648" r:id="rId1"/>
   </p:sldMasterIdLst>
   <p:notesMasterIdLst>
-    <p:notesMasterId r:id="rId12"/>
+    <p:notesMasterId r:id="rId13"/>
   </p:notesMasterIdLst>
   <p:sldIdLst>
     <p:sldId id="259" r:id="rId2"/>
@@ -18,6 +18,7 @@
     <p:sldId id="321" r:id="rId9"/>
     <p:sldId id="262" r:id="rId10"/>
     <p:sldId id="322" r:id="rId11"/>
+    <p:sldId id="323" r:id="rId12"/>
   </p:sldIdLst>
   <p:sldSz cx="12192000" cy="6858000"/>
   <p:notesSz cx="6858000" cy="9144000"/>
@@ -120,6 +121,9 @@
     <p:ext uri="{EFAFB233-063F-42B5-8137-9DF3F51BA10A}">
       <p15:sldGuideLst xmlns:p15="http://schemas.microsoft.com/office/powerpoint/2012/main"/>
     </p:ext>
+    <p:ext uri="{2D200454-40CA-4A62-9FC3-DE9A4176ACB9}">
+      <p15:notesGuideLst xmlns:p15="http://schemas.microsoft.com/office/powerpoint/2012/main"/>
+    </p:ext>
   </p:extLst>
 </p:presentation>
 </file>
@@ -206,7 +210,7 @@
           <a:p>
             <a:fld id="{81C4B3FE-0320-8142-8396-5C3025C019EC}" type="datetimeFigureOut">
               <a:rPr lang="en-IT" smtClean="0"/>
-              <a:t>19/02/22</a:t>
+              <a:t>01/03/22</a:t>
             </a:fld>
             <a:endParaRPr lang="en-IT"/>
           </a:p>
@@ -2465,6 +2469,7 @@
     <p:sldLayoutId id="2147483649" r:id="rId3"/>
     <p:sldLayoutId id="2147483654" r:id="rId4"/>
   </p:sldLayoutIdLst>
+  <p:hf hdr="0" ftr="0" dt="0"/>
   <p:txStyles>
     <p:titleStyle>
       <a:lvl1pPr algn="ctr" defTabSz="914400" rtl="0" eaLnBrk="1" latinLnBrk="0" hangingPunct="1">
@@ -2836,6 +2841,35 @@
           </a:p>
         </p:txBody>
       </p:sp>
+      <p:sp>
+        <p:nvSpPr>
+          <p:cNvPr id="4" name="Slide Number Placeholder 3">
+            <a:extLst>
+              <a:ext uri="{FF2B5EF4-FFF2-40B4-BE49-F238E27FC236}">
+                <a16:creationId xmlns:a16="http://schemas.microsoft.com/office/drawing/2014/main" id="{92A312FC-1060-5642-9249-E2A5FCDA6EAE}"/>
+              </a:ext>
+            </a:extLst>
+          </p:cNvPr>
+          <p:cNvSpPr>
+            <a:spLocks noGrp="1"/>
+          </p:cNvSpPr>
+          <p:nvPr>
+            <p:ph type="sldNum" sz="quarter" idx="10"/>
+          </p:nvPr>
+        </p:nvSpPr>
+        <p:spPr/>
+        <p:txBody>
+          <a:bodyPr/>
+          <a:lstStyle/>
+          <a:p>
+            <a:fld id="{31DE2C5B-556E-47B8-A792-024C2FCA4ACC}" type="slidenum">
+              <a:rPr lang="en-GB" smtClean="0"/>
+              <a:t>1</a:t>
+            </a:fld>
+            <a:endParaRPr lang="en-GB"/>
+          </a:p>
+        </p:txBody>
+      </p:sp>
     </p:spTree>
     <p:extLst>
       <p:ext uri="{BB962C8B-B14F-4D97-AF65-F5344CB8AC3E}">
@@ -2888,10 +2922,17 @@
           <a:lstStyle/>
           <a:p>
             <a:r>
-              <a:rPr lang="en-IT"/>
-              <a:t>Install everything</a:t>
-            </a:r>
-            <a:endParaRPr lang="en-IT" dirty="0"/>
+              <a:rPr lang="en-IT" dirty="0"/>
+              <a:t>Install everything (P</a:t>
+            </a:r>
+            <a:r>
+              <a:rPr lang="en-GB" dirty="0"/>
+              <a:t>a</a:t>
+            </a:r>
+            <a:r>
+              <a:rPr lang="en-IT" dirty="0"/>
+              <a:t>rt 1)</a:t>
+            </a:r>
           </a:p>
         </p:txBody>
       </p:sp>
@@ -2919,7 +2960,7 @@
         </p:spPr>
         <p:txBody>
           <a:bodyPr>
-            <a:normAutofit lnSpcReduction="10000"/>
+            <a:normAutofit/>
           </a:bodyPr>
           <a:lstStyle/>
           <a:p>
@@ -3048,94 +3089,34 @@
               <a:t>Follow the instructions…</a:t>
             </a:r>
           </a:p>
-          <a:p>
-            <a:pPr lvl="1"/>
-            <a:r>
-              <a:rPr lang="en-GB" b="1" dirty="0">
-                <a:ea typeface="Palatino" pitchFamily="2" charset="77"/>
-              </a:rPr>
-              <a:t>Step 4</a:t>
-            </a:r>
-            <a:r>
-              <a:rPr lang="en-GB" dirty="0">
-                <a:ea typeface="Palatino" pitchFamily="2" charset="77"/>
-              </a:rPr>
-              <a:t>: Install GIT </a:t>
-            </a:r>
-          </a:p>
-          <a:p>
-            <a:pPr lvl="2"/>
-            <a:r>
-              <a:rPr lang="en-IT" dirty="0">
-                <a:ea typeface="Palatino" pitchFamily="2" charset="77"/>
-              </a:rPr>
-              <a:t>Go to &gt; </a:t>
-            </a:r>
-            <a:r>
-              <a:rPr lang="en-GB" dirty="0">
-                <a:ea typeface="Palatino" pitchFamily="2" charset="77"/>
-                <a:hlinkClick r:id="rId4"/>
-              </a:rPr>
-              <a:t>https://git-scm.com/book/en/v2/Getting-Started-Installing-Git</a:t>
-            </a:r>
-            <a:endParaRPr lang="en-GB" dirty="0">
-              <a:ea typeface="Palatino" pitchFamily="2" charset="77"/>
-            </a:endParaRPr>
-          </a:p>
-          <a:p>
-            <a:pPr lvl="2"/>
-            <a:r>
-              <a:rPr lang="en-GB" dirty="0">
-                <a:ea typeface="Palatino" pitchFamily="2" charset="77"/>
-              </a:rPr>
-              <a:t>Follow the instructions…</a:t>
-            </a:r>
-          </a:p>
-          <a:p>
-            <a:pPr lvl="1"/>
-            <a:r>
-              <a:rPr lang="en-GB" b="1" dirty="0">
-                <a:ea typeface="Palatino" pitchFamily="2" charset="77"/>
-              </a:rPr>
-              <a:t>Step 5</a:t>
-            </a:r>
-            <a:r>
-              <a:rPr lang="en-GB" dirty="0">
-                <a:ea typeface="Palatino" pitchFamily="2" charset="77"/>
-              </a:rPr>
-              <a:t>: Test that everything is working</a:t>
-            </a:r>
-          </a:p>
-          <a:p>
-            <a:pPr lvl="2"/>
-            <a:r>
-              <a:rPr lang="en-GB" dirty="0">
-                <a:ea typeface="Palatino" pitchFamily="2" charset="77"/>
-              </a:rPr>
-              <a:t>Go to &gt; </a:t>
-            </a:r>
-            <a:r>
-              <a:rPr lang="en-GB" dirty="0">
-                <a:ea typeface="Palatino" pitchFamily="2" charset="77"/>
-                <a:hlinkClick r:id="rId5"/>
-              </a:rPr>
-              <a:t>https://docs.flutter.dev/get-started/test-drive?tab=vscode</a:t>
-            </a:r>
-            <a:r>
-              <a:rPr lang="en-GB" dirty="0">
-                <a:ea typeface="Palatino" pitchFamily="2" charset="77"/>
-              </a:rPr>
-              <a:t> </a:t>
-            </a:r>
-          </a:p>
-          <a:p>
-            <a:pPr lvl="2"/>
-            <a:r>
-              <a:rPr lang="en-GB" dirty="0">
-                <a:ea typeface="Palatino" pitchFamily="2" charset="77"/>
-              </a:rPr>
-              <a:t>Follow the instructions…</a:t>
-            </a:r>
+        </p:txBody>
+      </p:sp>
+      <p:sp>
+        <p:nvSpPr>
+          <p:cNvPr id="4" name="Slide Number Placeholder 3">
+            <a:extLst>
+              <a:ext uri="{FF2B5EF4-FFF2-40B4-BE49-F238E27FC236}">
+                <a16:creationId xmlns:a16="http://schemas.microsoft.com/office/drawing/2014/main" id="{ED05C487-70B4-174B-A325-CCA9C11792FF}"/>
+              </a:ext>
+            </a:extLst>
+          </p:cNvPr>
+          <p:cNvSpPr>
+            <a:spLocks noGrp="1"/>
+          </p:cNvSpPr>
+          <p:nvPr>
+            <p:ph type="sldNum" sz="quarter" idx="12"/>
+          </p:nvPr>
+        </p:nvSpPr>
+        <p:spPr/>
+        <p:txBody>
+          <a:bodyPr/>
+          <a:lstStyle/>
+          <a:p>
+            <a:fld id="{31DE2C5B-556E-47B8-A792-024C2FCA4ACC}" type="slidenum">
+              <a:rPr lang="en-GB" smtClean="0"/>
+              <a:t>10</a:t>
+            </a:fld>
+            <a:endParaRPr lang="en-GB"/>
           </a:p>
         </p:txBody>
       </p:sp>
@@ -3143,6 +3124,364 @@
     <p:extLst>
       <p:ext uri="{BB962C8B-B14F-4D97-AF65-F5344CB8AC3E}">
         <p14:creationId xmlns:p14="http://schemas.microsoft.com/office/powerpoint/2010/main" val="3147511355"/>
+      </p:ext>
+    </p:extLst>
+  </p:cSld>
+  <p:clrMapOvr>
+    <a:masterClrMapping/>
+  </p:clrMapOvr>
+</p:sld>
+</file>
+
+<file path=ppt/slides/slide11.xml><?xml version="1.0" encoding="utf-8"?>
+<p:sld xmlns:a="http://schemas.openxmlformats.org/drawingml/2006/main" xmlns:r="http://schemas.openxmlformats.org/officeDocument/2006/relationships" xmlns:p="http://schemas.openxmlformats.org/presentationml/2006/main">
+  <p:cSld>
+    <p:spTree>
+      <p:nvGrpSpPr>
+        <p:cNvPr id="1" name=""/>
+        <p:cNvGrpSpPr/>
+        <p:nvPr/>
+      </p:nvGrpSpPr>
+      <p:grpSpPr>
+        <a:xfrm>
+          <a:off x="0" y="0"/>
+          <a:ext cx="0" cy="0"/>
+          <a:chOff x="0" y="0"/>
+          <a:chExt cx="0" cy="0"/>
+        </a:xfrm>
+      </p:grpSpPr>
+      <p:sp>
+        <p:nvSpPr>
+          <p:cNvPr id="2" name="Title 1">
+            <a:extLst>
+              <a:ext uri="{FF2B5EF4-FFF2-40B4-BE49-F238E27FC236}">
+                <a16:creationId xmlns:a16="http://schemas.microsoft.com/office/drawing/2014/main" id="{DCEB9E4F-F82C-A64F-809D-B943BB0A7B79}"/>
+              </a:ext>
+            </a:extLst>
+          </p:cNvPr>
+          <p:cNvSpPr>
+            <a:spLocks noGrp="1"/>
+          </p:cNvSpPr>
+          <p:nvPr>
+            <p:ph type="title"/>
+          </p:nvPr>
+        </p:nvSpPr>
+        <p:spPr/>
+        <p:txBody>
+          <a:bodyPr/>
+          <a:lstStyle/>
+          <a:p>
+            <a:r>
+              <a:rPr lang="en-IT" dirty="0"/>
+              <a:t>Install everything (Part 2)</a:t>
+            </a:r>
+          </a:p>
+        </p:txBody>
+      </p:sp>
+      <p:sp>
+        <p:nvSpPr>
+          <p:cNvPr id="3" name="Content Placeholder 2">
+            <a:extLst>
+              <a:ext uri="{FF2B5EF4-FFF2-40B4-BE49-F238E27FC236}">
+                <a16:creationId xmlns:a16="http://schemas.microsoft.com/office/drawing/2014/main" id="{07EEA99A-73A7-F949-9D8F-EEED9045B6FA}"/>
+              </a:ext>
+            </a:extLst>
+          </p:cNvPr>
+          <p:cNvSpPr>
+            <a:spLocks noGrp="1"/>
+          </p:cNvSpPr>
+          <p:nvPr>
+            <p:ph sz="half" idx="1"/>
+          </p:nvPr>
+        </p:nvSpPr>
+        <p:spPr>
+          <a:xfrm>
+            <a:off x="428171" y="1364342"/>
+            <a:ext cx="11368313" cy="5331731"/>
+          </a:xfrm>
+        </p:spPr>
+        <p:txBody>
+          <a:bodyPr>
+            <a:normAutofit/>
+          </a:bodyPr>
+          <a:lstStyle/>
+          <a:p>
+            <a:r>
+              <a:rPr lang="en-GB" dirty="0">
+                <a:ea typeface="Palatino" pitchFamily="2" charset="77"/>
+              </a:rPr>
+              <a:t>Do the following steps, in this order:</a:t>
+            </a:r>
+          </a:p>
+          <a:p>
+            <a:endParaRPr lang="en-GB" dirty="0">
+              <a:ea typeface="Palatino" pitchFamily="2" charset="77"/>
+            </a:endParaRPr>
+          </a:p>
+          <a:p>
+            <a:pPr lvl="1"/>
+            <a:r>
+              <a:rPr lang="en-GB" b="1" dirty="0">
+                <a:ea typeface="Palatino" pitchFamily="2" charset="77"/>
+              </a:rPr>
+              <a:t>Step 4</a:t>
+            </a:r>
+            <a:r>
+              <a:rPr lang="en-GB" dirty="0">
+                <a:ea typeface="Palatino" pitchFamily="2" charset="77"/>
+              </a:rPr>
+              <a:t>: Install GIT </a:t>
+            </a:r>
+          </a:p>
+          <a:p>
+            <a:pPr lvl="2"/>
+            <a:r>
+              <a:rPr lang="en-IT" dirty="0">
+                <a:ea typeface="Palatino" pitchFamily="2" charset="77"/>
+              </a:rPr>
+              <a:t>Go to &gt; </a:t>
+            </a:r>
+            <a:r>
+              <a:rPr lang="en-GB" dirty="0">
+                <a:ea typeface="Palatino" pitchFamily="2" charset="77"/>
+                <a:hlinkClick r:id="rId2"/>
+              </a:rPr>
+              <a:t>https://git-scm.com/book/en/v2/Getting-Started-Installing-Git</a:t>
+            </a:r>
+            <a:endParaRPr lang="en-GB" dirty="0">
+              <a:ea typeface="Palatino" pitchFamily="2" charset="77"/>
+            </a:endParaRPr>
+          </a:p>
+          <a:p>
+            <a:pPr lvl="2"/>
+            <a:r>
+              <a:rPr lang="en-GB" dirty="0">
+                <a:ea typeface="Palatino" pitchFamily="2" charset="77"/>
+              </a:rPr>
+              <a:t>Follow the instructions…</a:t>
+            </a:r>
+          </a:p>
+          <a:p>
+            <a:pPr lvl="2"/>
+            <a:r>
+              <a:rPr lang="en-GB" dirty="0">
+                <a:ea typeface="Palatino" pitchFamily="2" charset="77"/>
+              </a:rPr>
+              <a:t>After the installation, open the terminal and run the two following commands:</a:t>
+            </a:r>
+            <a:br>
+              <a:rPr lang="en-GB" dirty="0">
+                <a:ea typeface="Palatino" pitchFamily="2" charset="77"/>
+              </a:rPr>
+            </a:br>
+            <a:r>
+              <a:rPr lang="en-GB" dirty="0">
+                <a:latin typeface="Courier" pitchFamily="2" charset="0"/>
+                <a:ea typeface="Palatino" pitchFamily="2" charset="77"/>
+              </a:rPr>
+              <a:t>git config --global </a:t>
+            </a:r>
+            <a:r>
+              <a:rPr lang="en-GB" dirty="0" err="1">
+                <a:latin typeface="Courier" pitchFamily="2" charset="0"/>
+                <a:ea typeface="Palatino" pitchFamily="2" charset="77"/>
+              </a:rPr>
+              <a:t>user.name</a:t>
+            </a:r>
+            <a:r>
+              <a:rPr lang="en-GB" dirty="0">
+                <a:latin typeface="Courier" pitchFamily="2" charset="0"/>
+                <a:ea typeface="Palatino" pitchFamily="2" charset="77"/>
+              </a:rPr>
+              <a:t> ”FirstName </a:t>
+            </a:r>
+            <a:r>
+              <a:rPr lang="en-GB" dirty="0" err="1">
+                <a:latin typeface="Courier" pitchFamily="2" charset="0"/>
+                <a:ea typeface="Palatino" pitchFamily="2" charset="77"/>
+              </a:rPr>
+              <a:t>LastName</a:t>
+            </a:r>
+            <a:r>
+              <a:rPr lang="en-GB" dirty="0">
+                <a:latin typeface="Courier" pitchFamily="2" charset="0"/>
+                <a:ea typeface="Palatino" pitchFamily="2" charset="77"/>
+              </a:rPr>
+              <a:t>” </a:t>
+            </a:r>
+            <a:r>
+              <a:rPr lang="en-GB" dirty="0">
+                <a:ea typeface="Palatino" pitchFamily="2" charset="77"/>
+              </a:rPr>
+              <a:t>(where FirstName and </a:t>
+            </a:r>
+            <a:r>
+              <a:rPr lang="en-GB" dirty="0" err="1">
+                <a:ea typeface="Palatino" pitchFamily="2" charset="77"/>
+              </a:rPr>
+              <a:t>LastName</a:t>
+            </a:r>
+            <a:r>
+              <a:rPr lang="en-GB" dirty="0">
+                <a:ea typeface="Palatino" pitchFamily="2" charset="77"/>
+              </a:rPr>
+              <a:t> are your actual first name and last name, e.g., Giacomo Cappon)</a:t>
+            </a:r>
+            <a:br>
+              <a:rPr lang="en-GB" dirty="0">
+                <a:ea typeface="Palatino" pitchFamily="2" charset="77"/>
+              </a:rPr>
+            </a:br>
+            <a:r>
+              <a:rPr lang="en-GB" dirty="0">
+                <a:latin typeface="Courier" pitchFamily="2" charset="0"/>
+                <a:ea typeface="Palatino" pitchFamily="2" charset="77"/>
+              </a:rPr>
+              <a:t>git config --global </a:t>
+            </a:r>
+            <a:r>
+              <a:rPr lang="en-GB" dirty="0" err="1">
+                <a:latin typeface="Courier" pitchFamily="2" charset="0"/>
+                <a:ea typeface="Palatino" pitchFamily="2" charset="77"/>
+              </a:rPr>
+              <a:t>user.email</a:t>
+            </a:r>
+            <a:r>
+              <a:rPr lang="en-GB" dirty="0">
+                <a:latin typeface="Courier" pitchFamily="2" charset="0"/>
+                <a:ea typeface="Palatino" pitchFamily="2" charset="77"/>
+              </a:rPr>
+              <a:t> ”</a:t>
+            </a:r>
+            <a:r>
+              <a:rPr lang="en-GB" dirty="0" err="1">
+                <a:latin typeface="Courier" pitchFamily="2" charset="0"/>
+                <a:ea typeface="Palatino" pitchFamily="2" charset="77"/>
+              </a:rPr>
+              <a:t>email@domain.com</a:t>
+            </a:r>
+            <a:r>
+              <a:rPr lang="en-GB" dirty="0">
+                <a:latin typeface="Courier" pitchFamily="2" charset="0"/>
+                <a:ea typeface="Palatino" pitchFamily="2" charset="77"/>
+              </a:rPr>
+              <a:t>” </a:t>
+            </a:r>
+            <a:r>
+              <a:rPr lang="en-GB" dirty="0">
+                <a:ea typeface="Palatino" pitchFamily="2" charset="77"/>
+              </a:rPr>
+              <a:t>(where </a:t>
+            </a:r>
+            <a:r>
+              <a:rPr lang="en-GB" dirty="0">
+                <a:latin typeface="Courier" pitchFamily="2" charset="0"/>
+                <a:ea typeface="Palatino" pitchFamily="2" charset="77"/>
+                <a:hlinkClick r:id="rId3"/>
+              </a:rPr>
+              <a:t>email@domain.com</a:t>
+            </a:r>
+            <a:r>
+              <a:rPr lang="en-GB" dirty="0">
+                <a:latin typeface="Courier" pitchFamily="2" charset="0"/>
+                <a:ea typeface="Palatino" pitchFamily="2" charset="77"/>
+              </a:rPr>
+              <a:t> </a:t>
+            </a:r>
+            <a:r>
+              <a:rPr lang="en-GB" dirty="0">
+                <a:ea typeface="Palatino" pitchFamily="2" charset="77"/>
+              </a:rPr>
+              <a:t>is the email you want to use as identifier. For simplicity, use the same email you will use to create the GitHub account)</a:t>
+            </a:r>
+          </a:p>
+          <a:p>
+            <a:pPr lvl="2"/>
+            <a:endParaRPr lang="en-GB" dirty="0">
+              <a:ea typeface="Palatino" pitchFamily="2" charset="77"/>
+            </a:endParaRPr>
+          </a:p>
+          <a:p>
+            <a:pPr lvl="1"/>
+            <a:r>
+              <a:rPr lang="en-GB" b="1" dirty="0">
+                <a:ea typeface="Palatino" pitchFamily="2" charset="77"/>
+              </a:rPr>
+              <a:t>Step 5</a:t>
+            </a:r>
+            <a:r>
+              <a:rPr lang="en-GB" dirty="0">
+                <a:ea typeface="Palatino" pitchFamily="2" charset="77"/>
+              </a:rPr>
+              <a:t>: Test that everything is working</a:t>
+            </a:r>
+          </a:p>
+          <a:p>
+            <a:pPr lvl="2"/>
+            <a:r>
+              <a:rPr lang="en-GB" dirty="0">
+                <a:ea typeface="Palatino" pitchFamily="2" charset="77"/>
+              </a:rPr>
+              <a:t>Go to &gt; </a:t>
+            </a:r>
+            <a:r>
+              <a:rPr lang="en-GB" dirty="0">
+                <a:ea typeface="Palatino" pitchFamily="2" charset="77"/>
+                <a:hlinkClick r:id="rId4"/>
+              </a:rPr>
+              <a:t>https://docs.flutter.dev/get-started/test-drive?tab=vscode</a:t>
+            </a:r>
+            <a:r>
+              <a:rPr lang="en-GB" dirty="0">
+                <a:ea typeface="Palatino" pitchFamily="2" charset="77"/>
+              </a:rPr>
+              <a:t> </a:t>
+            </a:r>
+          </a:p>
+          <a:p>
+            <a:pPr lvl="2"/>
+            <a:r>
+              <a:rPr lang="en-GB" dirty="0">
+                <a:ea typeface="Palatino" pitchFamily="2" charset="77"/>
+              </a:rPr>
+              <a:t>Follow the instructions…</a:t>
+            </a:r>
+          </a:p>
+        </p:txBody>
+      </p:sp>
+      <p:sp>
+        <p:nvSpPr>
+          <p:cNvPr id="4" name="Slide Number Placeholder 3">
+            <a:extLst>
+              <a:ext uri="{FF2B5EF4-FFF2-40B4-BE49-F238E27FC236}">
+                <a16:creationId xmlns:a16="http://schemas.microsoft.com/office/drawing/2014/main" id="{ED05C487-70B4-174B-A325-CCA9C11792FF}"/>
+              </a:ext>
+            </a:extLst>
+          </p:cNvPr>
+          <p:cNvSpPr>
+            <a:spLocks noGrp="1"/>
+          </p:cNvSpPr>
+          <p:nvPr>
+            <p:ph type="sldNum" sz="quarter" idx="12"/>
+          </p:nvPr>
+        </p:nvSpPr>
+        <p:spPr/>
+        <p:txBody>
+          <a:bodyPr/>
+          <a:lstStyle/>
+          <a:p>
+            <a:fld id="{31DE2C5B-556E-47B8-A792-024C2FCA4ACC}" type="slidenum">
+              <a:rPr lang="en-GB" smtClean="0"/>
+              <a:t>11</a:t>
+            </a:fld>
+            <a:endParaRPr lang="en-GB"/>
+          </a:p>
+        </p:txBody>
+      </p:sp>
+    </p:spTree>
+    <p:extLst>
+      <p:ext uri="{BB962C8B-B14F-4D97-AF65-F5344CB8AC3E}">
+        <p14:creationId xmlns:p14="http://schemas.microsoft.com/office/powerpoint/2010/main" val="2935002764"/>
       </p:ext>
     </p:extLst>
   </p:cSld>
@@ -3331,6 +3670,35 @@
               </a:rPr>
               <a:t>This document will give an overview of the development environment we are going to use during this course and will tell what to do to prepare it.</a:t>
             </a:r>
+          </a:p>
+        </p:txBody>
+      </p:sp>
+      <p:sp>
+        <p:nvSpPr>
+          <p:cNvPr id="4" name="Slide Number Placeholder 3">
+            <a:extLst>
+              <a:ext uri="{FF2B5EF4-FFF2-40B4-BE49-F238E27FC236}">
+                <a16:creationId xmlns:a16="http://schemas.microsoft.com/office/drawing/2014/main" id="{0B5E6889-29AD-4846-866A-18905E298D38}"/>
+              </a:ext>
+            </a:extLst>
+          </p:cNvPr>
+          <p:cNvSpPr>
+            <a:spLocks noGrp="1"/>
+          </p:cNvSpPr>
+          <p:nvPr>
+            <p:ph type="sldNum" sz="quarter" idx="12"/>
+          </p:nvPr>
+        </p:nvSpPr>
+        <p:spPr/>
+        <p:txBody>
+          <a:bodyPr/>
+          <a:lstStyle/>
+          <a:p>
+            <a:fld id="{31DE2C5B-556E-47B8-A792-024C2FCA4ACC}" type="slidenum">
+              <a:rPr lang="en-GB" smtClean="0"/>
+              <a:t>2</a:t>
+            </a:fld>
+            <a:endParaRPr lang="en-GB"/>
           </a:p>
         </p:txBody>
       </p:sp>
@@ -4550,6 +4918,35 @@
           </a:p>
         </p:txBody>
       </p:sp>
+      <p:sp>
+        <p:nvSpPr>
+          <p:cNvPr id="4" name="Slide Number Placeholder 3">
+            <a:extLst>
+              <a:ext uri="{FF2B5EF4-FFF2-40B4-BE49-F238E27FC236}">
+                <a16:creationId xmlns:a16="http://schemas.microsoft.com/office/drawing/2014/main" id="{251FAB8D-0B5A-1D45-8F26-93EEFDABA4E9}"/>
+              </a:ext>
+            </a:extLst>
+          </p:cNvPr>
+          <p:cNvSpPr>
+            <a:spLocks noGrp="1"/>
+          </p:cNvSpPr>
+          <p:nvPr>
+            <p:ph type="sldNum" sz="quarter" idx="12"/>
+          </p:nvPr>
+        </p:nvSpPr>
+        <p:spPr/>
+        <p:txBody>
+          <a:bodyPr/>
+          <a:lstStyle/>
+          <a:p>
+            <a:fld id="{31DE2C5B-556E-47B8-A792-024C2FCA4ACC}" type="slidenum">
+              <a:rPr lang="en-GB" smtClean="0"/>
+              <a:t>3</a:t>
+            </a:fld>
+            <a:endParaRPr lang="en-GB"/>
+          </a:p>
+        </p:txBody>
+      </p:sp>
     </p:spTree>
     <p:extLst>
       <p:ext uri="{BB962C8B-B14F-4D97-AF65-F5344CB8AC3E}">
@@ -4701,6 +5098,35 @@
           </a:prstGeom>
         </p:spPr>
       </p:pic>
+      <p:sp>
+        <p:nvSpPr>
+          <p:cNvPr id="4" name="Slide Number Placeholder 3">
+            <a:extLst>
+              <a:ext uri="{FF2B5EF4-FFF2-40B4-BE49-F238E27FC236}">
+                <a16:creationId xmlns:a16="http://schemas.microsoft.com/office/drawing/2014/main" id="{F4AA26A7-3348-BA4E-A78A-E1E6F275E9B5}"/>
+              </a:ext>
+            </a:extLst>
+          </p:cNvPr>
+          <p:cNvSpPr>
+            <a:spLocks noGrp="1"/>
+          </p:cNvSpPr>
+          <p:nvPr>
+            <p:ph type="sldNum" sz="quarter" idx="12"/>
+          </p:nvPr>
+        </p:nvSpPr>
+        <p:spPr/>
+        <p:txBody>
+          <a:bodyPr/>
+          <a:lstStyle/>
+          <a:p>
+            <a:fld id="{31DE2C5B-556E-47B8-A792-024C2FCA4ACC}" type="slidenum">
+              <a:rPr lang="en-GB" smtClean="0"/>
+              <a:t>4</a:t>
+            </a:fld>
+            <a:endParaRPr lang="en-GB"/>
+          </a:p>
+        </p:txBody>
+      </p:sp>
     </p:spTree>
     <p:extLst>
       <p:ext uri="{BB962C8B-B14F-4D97-AF65-F5344CB8AC3E}">
@@ -4943,6 +5369,35 @@
           </a:prstGeom>
         </p:spPr>
       </p:pic>
+      <p:sp>
+        <p:nvSpPr>
+          <p:cNvPr id="4" name="Slide Number Placeholder 3">
+            <a:extLst>
+              <a:ext uri="{FF2B5EF4-FFF2-40B4-BE49-F238E27FC236}">
+                <a16:creationId xmlns:a16="http://schemas.microsoft.com/office/drawing/2014/main" id="{6B0CFD40-6C26-A54D-8034-6B693F0839EB}"/>
+              </a:ext>
+            </a:extLst>
+          </p:cNvPr>
+          <p:cNvSpPr>
+            <a:spLocks noGrp="1"/>
+          </p:cNvSpPr>
+          <p:nvPr>
+            <p:ph type="sldNum" sz="quarter" idx="12"/>
+          </p:nvPr>
+        </p:nvSpPr>
+        <p:spPr/>
+        <p:txBody>
+          <a:bodyPr/>
+          <a:lstStyle/>
+          <a:p>
+            <a:fld id="{31DE2C5B-556E-47B8-A792-024C2FCA4ACC}" type="slidenum">
+              <a:rPr lang="en-GB" smtClean="0"/>
+              <a:t>5</a:t>
+            </a:fld>
+            <a:endParaRPr lang="en-GB"/>
+          </a:p>
+        </p:txBody>
+      </p:sp>
     </p:spTree>
     <p:extLst>
       <p:ext uri="{BB962C8B-B14F-4D97-AF65-F5344CB8AC3E}">
@@ -5178,6 +5633,35 @@
           </a:prstGeom>
         </p:spPr>
       </p:pic>
+      <p:sp>
+        <p:nvSpPr>
+          <p:cNvPr id="6" name="Slide Number Placeholder 5">
+            <a:extLst>
+              <a:ext uri="{FF2B5EF4-FFF2-40B4-BE49-F238E27FC236}">
+                <a16:creationId xmlns:a16="http://schemas.microsoft.com/office/drawing/2014/main" id="{65EA4F5B-0387-8C4D-8A9F-6993B9201F79}"/>
+              </a:ext>
+            </a:extLst>
+          </p:cNvPr>
+          <p:cNvSpPr>
+            <a:spLocks noGrp="1"/>
+          </p:cNvSpPr>
+          <p:nvPr>
+            <p:ph type="sldNum" sz="quarter" idx="12"/>
+          </p:nvPr>
+        </p:nvSpPr>
+        <p:spPr/>
+        <p:txBody>
+          <a:bodyPr/>
+          <a:lstStyle/>
+          <a:p>
+            <a:fld id="{31DE2C5B-556E-47B8-A792-024C2FCA4ACC}" type="slidenum">
+              <a:rPr lang="en-GB" smtClean="0"/>
+              <a:t>6</a:t>
+            </a:fld>
+            <a:endParaRPr lang="en-GB"/>
+          </a:p>
+        </p:txBody>
+      </p:sp>
     </p:spTree>
     <p:extLst>
       <p:ext uri="{BB962C8B-B14F-4D97-AF65-F5344CB8AC3E}">
@@ -5756,6 +6240,35 @@
           </a:fontRef>
         </p:style>
       </p:cxnSp>
+      <p:sp>
+        <p:nvSpPr>
+          <p:cNvPr id="3" name="Slide Number Placeholder 2">
+            <a:extLst>
+              <a:ext uri="{FF2B5EF4-FFF2-40B4-BE49-F238E27FC236}">
+                <a16:creationId xmlns:a16="http://schemas.microsoft.com/office/drawing/2014/main" id="{DBB44AC5-3D10-FE4E-B91F-F07DBE9B58DD}"/>
+              </a:ext>
+            </a:extLst>
+          </p:cNvPr>
+          <p:cNvSpPr>
+            <a:spLocks noGrp="1"/>
+          </p:cNvSpPr>
+          <p:nvPr>
+            <p:ph type="sldNum" sz="quarter" idx="12"/>
+          </p:nvPr>
+        </p:nvSpPr>
+        <p:spPr/>
+        <p:txBody>
+          <a:bodyPr/>
+          <a:lstStyle/>
+          <a:p>
+            <a:fld id="{31DE2C5B-556E-47B8-A792-024C2FCA4ACC}" type="slidenum">
+              <a:rPr lang="en-GB" smtClean="0"/>
+              <a:t>7</a:t>
+            </a:fld>
+            <a:endParaRPr lang="en-GB"/>
+          </a:p>
+        </p:txBody>
+      </p:sp>
     </p:spTree>
     <p:extLst>
       <p:ext uri="{BB962C8B-B14F-4D97-AF65-F5344CB8AC3E}">
@@ -5915,6 +6428,35 @@
           </a:prstGeom>
         </p:spPr>
       </p:pic>
+      <p:sp>
+        <p:nvSpPr>
+          <p:cNvPr id="4" name="Slide Number Placeholder 3">
+            <a:extLst>
+              <a:ext uri="{FF2B5EF4-FFF2-40B4-BE49-F238E27FC236}">
+                <a16:creationId xmlns:a16="http://schemas.microsoft.com/office/drawing/2014/main" id="{01545332-2D31-9D4F-B4BB-B8BF57928CC2}"/>
+              </a:ext>
+            </a:extLst>
+          </p:cNvPr>
+          <p:cNvSpPr>
+            <a:spLocks noGrp="1"/>
+          </p:cNvSpPr>
+          <p:nvPr>
+            <p:ph type="sldNum" sz="quarter" idx="12"/>
+          </p:nvPr>
+        </p:nvSpPr>
+        <p:spPr/>
+        <p:txBody>
+          <a:bodyPr/>
+          <a:lstStyle/>
+          <a:p>
+            <a:fld id="{31DE2C5B-556E-47B8-A792-024C2FCA4ACC}" type="slidenum">
+              <a:rPr lang="en-GB" smtClean="0"/>
+              <a:t>8</a:t>
+            </a:fld>
+            <a:endParaRPr lang="en-GB"/>
+          </a:p>
+        </p:txBody>
+      </p:sp>
     </p:spTree>
     <p:extLst>
       <p:ext uri="{BB962C8B-B14F-4D97-AF65-F5344CB8AC3E}">
@@ -6060,7 +6602,7 @@
               <a:rPr lang="en-IT" dirty="0">
                 <a:ea typeface="Palatino" pitchFamily="2" charset="77"/>
               </a:rPr>
-              <a:t>If an error appears you will need to install it (step 4 of slide 10).</a:t>
+              <a:t>If an error appears you will need to install it (step 4 of slide 11). Otherwise, if you see the git version printed out, you can skip step 4 of slide 11.</a:t>
             </a:r>
           </a:p>
         </p:txBody>
@@ -6101,6 +6643,35 @@
           </a:prstGeom>
         </p:spPr>
       </p:pic>
+      <p:sp>
+        <p:nvSpPr>
+          <p:cNvPr id="4" name="Slide Number Placeholder 3">
+            <a:extLst>
+              <a:ext uri="{FF2B5EF4-FFF2-40B4-BE49-F238E27FC236}">
+                <a16:creationId xmlns:a16="http://schemas.microsoft.com/office/drawing/2014/main" id="{FE01D888-710A-A44E-9C8F-17860AB7053F}"/>
+              </a:ext>
+            </a:extLst>
+          </p:cNvPr>
+          <p:cNvSpPr>
+            <a:spLocks noGrp="1"/>
+          </p:cNvSpPr>
+          <p:nvPr>
+            <p:ph type="sldNum" sz="quarter" idx="12"/>
+          </p:nvPr>
+        </p:nvSpPr>
+        <p:spPr/>
+        <p:txBody>
+          <a:bodyPr/>
+          <a:lstStyle/>
+          <a:p>
+            <a:fld id="{31DE2C5B-556E-47B8-A792-024C2FCA4ACC}" type="slidenum">
+              <a:rPr lang="en-GB" smtClean="0"/>
+              <a:t>9</a:t>
+            </a:fld>
+            <a:endParaRPr lang="en-GB" dirty="0"/>
+          </a:p>
+        </p:txBody>
+      </p:sp>
     </p:spTree>
     <p:extLst>
       <p:ext uri="{BB962C8B-B14F-4D97-AF65-F5344CB8AC3E}">

--- a/guides/setup_development_environment.pptx
+++ b/guides/setup_development_environment.pptx
@@ -5,7 +5,7 @@
     <p:sldMasterId id="2147483648" r:id="rId1"/>
   </p:sldMasterIdLst>
   <p:notesMasterIdLst>
-    <p:notesMasterId r:id="rId13"/>
+    <p:notesMasterId r:id="rId14"/>
   </p:notesMasterIdLst>
   <p:sldIdLst>
     <p:sldId id="259" r:id="rId2"/>
@@ -16,9 +16,10 @@
     <p:sldId id="319" r:id="rId7"/>
     <p:sldId id="316" r:id="rId8"/>
     <p:sldId id="321" r:id="rId9"/>
-    <p:sldId id="262" r:id="rId10"/>
-    <p:sldId id="322" r:id="rId11"/>
-    <p:sldId id="323" r:id="rId12"/>
+    <p:sldId id="324" r:id="rId10"/>
+    <p:sldId id="262" r:id="rId11"/>
+    <p:sldId id="322" r:id="rId12"/>
+    <p:sldId id="323" r:id="rId13"/>
   </p:sldIdLst>
   <p:sldSz cx="12192000" cy="6858000"/>
   <p:notesSz cx="6858000" cy="9144000"/>
@@ -210,7 +211,7 @@
           <a:p>
             <a:fld id="{81C4B3FE-0320-8142-8396-5C3025C019EC}" type="datetimeFigureOut">
               <a:rPr lang="en-IT" smtClean="0"/>
-              <a:t>01/03/22</a:t>
+              <a:t>02/03/22</a:t>
             </a:fld>
             <a:endParaRPr lang="en-IT"/>
           </a:p>
@@ -796,6 +797,90 @@
             <a:fld id="{CC0F43FB-3F33-3F4B-9768-2FBED988F992}" type="slidenum">
               <a:rPr lang="en-IT" smtClean="0"/>
               <a:t>9</a:t>
+            </a:fld>
+            <a:endParaRPr lang="en-IT"/>
+          </a:p>
+        </p:txBody>
+      </p:sp>
+    </p:spTree>
+    <p:extLst>
+      <p:ext uri="{BB962C8B-B14F-4D97-AF65-F5344CB8AC3E}">
+        <p14:creationId xmlns:p14="http://schemas.microsoft.com/office/powerpoint/2010/main" val="3862677488"/>
+      </p:ext>
+    </p:extLst>
+  </p:cSld>
+  <p:clrMapOvr>
+    <a:masterClrMapping/>
+  </p:clrMapOvr>
+</p:notes>
+</file>
+
+<file path=ppt/notesSlides/notesSlide5.xml><?xml version="1.0" encoding="utf-8"?>
+<p:notes xmlns:a="http://schemas.openxmlformats.org/drawingml/2006/main" xmlns:r="http://schemas.openxmlformats.org/officeDocument/2006/relationships" xmlns:p="http://schemas.openxmlformats.org/presentationml/2006/main">
+  <p:cSld>
+    <p:spTree>
+      <p:nvGrpSpPr>
+        <p:cNvPr id="1" name=""/>
+        <p:cNvGrpSpPr/>
+        <p:nvPr/>
+      </p:nvGrpSpPr>
+      <p:grpSpPr>
+        <a:xfrm>
+          <a:off x="0" y="0"/>
+          <a:ext cx="0" cy="0"/>
+          <a:chOff x="0" y="0"/>
+          <a:chExt cx="0" cy="0"/>
+        </a:xfrm>
+      </p:grpSpPr>
+      <p:sp>
+        <p:nvSpPr>
+          <p:cNvPr id="2" name="Slide Image Placeholder 1"/>
+          <p:cNvSpPr>
+            <a:spLocks noGrp="1" noRot="1" noChangeAspect="1"/>
+          </p:cNvSpPr>
+          <p:nvPr>
+            <p:ph type="sldImg"/>
+          </p:nvPr>
+        </p:nvSpPr>
+        <p:spPr/>
+      </p:sp>
+      <p:sp>
+        <p:nvSpPr>
+          <p:cNvPr id="3" name="Notes Placeholder 2"/>
+          <p:cNvSpPr>
+            <a:spLocks noGrp="1"/>
+          </p:cNvSpPr>
+          <p:nvPr>
+            <p:ph type="body" idx="1"/>
+          </p:nvPr>
+        </p:nvSpPr>
+        <p:spPr/>
+        <p:txBody>
+          <a:bodyPr/>
+          <a:lstStyle/>
+          <a:p>
+            <a:endParaRPr lang="en-IT" dirty="0"/>
+          </a:p>
+        </p:txBody>
+      </p:sp>
+      <p:sp>
+        <p:nvSpPr>
+          <p:cNvPr id="4" name="Slide Number Placeholder 3"/>
+          <p:cNvSpPr>
+            <a:spLocks noGrp="1"/>
+          </p:cNvSpPr>
+          <p:nvPr>
+            <p:ph type="sldNum" sz="quarter" idx="5"/>
+          </p:nvPr>
+        </p:nvSpPr>
+        <p:spPr/>
+        <p:txBody>
+          <a:bodyPr/>
+          <a:lstStyle/>
+          <a:p>
+            <a:fld id="{CC0F43FB-3F33-3F4B-9768-2FBED988F992}" type="slidenum">
+              <a:rPr lang="en-IT" smtClean="0"/>
+              <a:t>10</a:t>
             </a:fld>
             <a:endParaRPr lang="en-IT"/>
           </a:p>
@@ -2905,7 +2990,7 @@
           <p:cNvPr id="2" name="Title 1">
             <a:extLst>
               <a:ext uri="{FF2B5EF4-FFF2-40B4-BE49-F238E27FC236}">
-                <a16:creationId xmlns:a16="http://schemas.microsoft.com/office/drawing/2014/main" id="{DCEB9E4F-F82C-A64F-809D-B943BB0A7B79}"/>
+                <a16:creationId xmlns:a16="http://schemas.microsoft.com/office/drawing/2014/main" id="{80BE60FB-C861-1E44-92E6-8F9396441CB2}"/>
               </a:ext>
             </a:extLst>
           </p:cNvPr>
@@ -2923,15 +3008,7 @@
           <a:p>
             <a:r>
               <a:rPr lang="en-IT" dirty="0"/>
-              <a:t>Install everything (P</a:t>
-            </a:r>
-            <a:r>
-              <a:rPr lang="en-GB" dirty="0"/>
-              <a:t>a</a:t>
-            </a:r>
-            <a:r>
-              <a:rPr lang="en-IT" dirty="0"/>
-              <a:t>rt 1)</a:t>
+              <a:t>The environment: VCS</a:t>
             </a:r>
           </a:p>
         </p:txBody>
@@ -2941,7 +3018,7 @@
           <p:cNvPr id="3" name="Content Placeholder 2">
             <a:extLst>
               <a:ext uri="{FF2B5EF4-FFF2-40B4-BE49-F238E27FC236}">
-                <a16:creationId xmlns:a16="http://schemas.microsoft.com/office/drawing/2014/main" id="{07EEA99A-73A7-F949-9D8F-EEED9045B6FA}"/>
+                <a16:creationId xmlns:a16="http://schemas.microsoft.com/office/drawing/2014/main" id="{ECD4BA52-23DB-D94D-9195-7777C71CD155}"/>
               </a:ext>
             </a:extLst>
           </p:cNvPr>
@@ -2949,13 +3026,13 @@
             <a:spLocks noGrp="1"/>
           </p:cNvSpPr>
           <p:nvPr>
-            <p:ph sz="half" idx="1"/>
+            <p:ph idx="1"/>
           </p:nvPr>
         </p:nvSpPr>
         <p:spPr>
           <a:xfrm>
-            <a:off x="428171" y="1364342"/>
-            <a:ext cx="11368313" cy="5331731"/>
+            <a:off x="428172" y="1361167"/>
+            <a:ext cx="11368314" cy="4981267"/>
           </a:xfrm>
         </p:spPr>
         <p:txBody>
@@ -2965,138 +3042,111 @@
           <a:lstStyle/>
           <a:p>
             <a:r>
-              <a:rPr lang="en-GB" dirty="0">
-                <a:ea typeface="Palatino" pitchFamily="2" charset="77"/>
-              </a:rPr>
-              <a:t>Do the following steps, in this order:</a:t>
-            </a:r>
-          </a:p>
-          <a:p>
-            <a:endParaRPr lang="en-GB" dirty="0">
-              <a:ea typeface="Palatino" pitchFamily="2" charset="77"/>
+              <a:rPr lang="en-IT" dirty="0"/>
+              <a:t>First check if it is already installed (~99% probability)</a:t>
+            </a:r>
+          </a:p>
+          <a:p>
+            <a:pPr lvl="1"/>
+            <a:r>
+              <a:rPr lang="en-IT" dirty="0"/>
+              <a:t>Open the Terminal &gt; Type </a:t>
+            </a:r>
+            <a:r>
+              <a:rPr lang="en-IT" dirty="0">
+                <a:latin typeface="Courier" pitchFamily="2" charset="0"/>
+              </a:rPr>
+              <a:t>“git --version”</a:t>
+            </a:r>
+          </a:p>
+          <a:p>
+            <a:pPr lvl="1"/>
+            <a:endParaRPr lang="en-IT" dirty="0">
+              <a:latin typeface="Courier" pitchFamily="2" charset="0"/>
             </a:endParaRPr>
           </a:p>
           <a:p>
             <a:pPr lvl="1"/>
-            <a:r>
-              <a:rPr lang="en-GB" b="1" dirty="0">
-                <a:ea typeface="Palatino" pitchFamily="2" charset="77"/>
-              </a:rPr>
-              <a:t>Step 1</a:t>
-            </a:r>
-            <a:r>
-              <a:rPr lang="en-GB" dirty="0">
-                <a:ea typeface="Palatino" pitchFamily="2" charset="77"/>
-              </a:rPr>
-              <a:t>: Install Flutter and Dart</a:t>
-            </a:r>
-          </a:p>
-          <a:p>
-            <a:pPr lvl="2"/>
-            <a:r>
-              <a:rPr lang="en-GB" dirty="0">
-                <a:ea typeface="Palatino" pitchFamily="2" charset="77"/>
-              </a:rPr>
-              <a:t>Go to &gt; </a:t>
-            </a:r>
-            <a:r>
-              <a:rPr lang="en-GB" dirty="0">
-                <a:ea typeface="Palatino" pitchFamily="2" charset="77"/>
-                <a:hlinkClick r:id="rId2"/>
-              </a:rPr>
-              <a:t>https://flutter.dev/docs/get-started/install</a:t>
-            </a:r>
-            <a:endParaRPr lang="en-GB" dirty="0">
-              <a:ea typeface="Palatino" pitchFamily="2" charset="77"/>
+            <a:endParaRPr lang="en-IT" dirty="0">
+              <a:latin typeface="Courier" pitchFamily="2" charset="0"/>
             </a:endParaRPr>
           </a:p>
           <a:p>
-            <a:pPr lvl="2"/>
-            <a:r>
-              <a:rPr lang="en-GB" dirty="0">
-                <a:ea typeface="Palatino" pitchFamily="2" charset="77"/>
-              </a:rPr>
-              <a:t>Follow the instructions…</a:t>
-            </a:r>
-          </a:p>
-          <a:p>
             <a:pPr lvl="1"/>
-            <a:r>
-              <a:rPr lang="en-GB" b="1" dirty="0">
-                <a:ea typeface="Palatino" pitchFamily="2" charset="77"/>
-              </a:rPr>
-              <a:t>Step 2</a:t>
-            </a:r>
-            <a:r>
-              <a:rPr lang="en-GB" dirty="0">
-                <a:ea typeface="Palatino" pitchFamily="2" charset="77"/>
-              </a:rPr>
-              <a:t>: Install OS support </a:t>
-            </a:r>
-          </a:p>
-          <a:p>
-            <a:pPr lvl="2"/>
-            <a:r>
-              <a:rPr lang="en-GB" dirty="0">
-                <a:ea typeface="Palatino" pitchFamily="2" charset="77"/>
-              </a:rPr>
-              <a:t>Same link as Step 1, just go ahead with the instructions until the end</a:t>
-            </a:r>
+            <a:endParaRPr lang="en-IT" dirty="0">
+              <a:latin typeface="Courier" pitchFamily="2" charset="0"/>
+            </a:endParaRPr>
           </a:p>
           <a:p>
             <a:pPr lvl="1"/>
-            <a:r>
-              <a:rPr lang="en-GB" b="1" dirty="0">
-                <a:ea typeface="Palatino" pitchFamily="2" charset="77"/>
-              </a:rPr>
-              <a:t>Step 3</a:t>
-            </a:r>
-            <a:r>
-              <a:rPr lang="en-GB" dirty="0">
-                <a:ea typeface="Palatino" pitchFamily="2" charset="77"/>
-              </a:rPr>
-              <a:t>: Install VS Code and integrate it with Flutter and Dart</a:t>
-            </a:r>
-          </a:p>
-          <a:p>
-            <a:pPr lvl="2"/>
+            <a:endParaRPr lang="en-IT" dirty="0">
+              <a:latin typeface="Courier" pitchFamily="2" charset="0"/>
+            </a:endParaRPr>
+          </a:p>
+          <a:p>
+            <a:pPr lvl="1"/>
+            <a:endParaRPr lang="en-IT" dirty="0">
+              <a:latin typeface="Courier" pitchFamily="2" charset="0"/>
+            </a:endParaRPr>
+          </a:p>
+          <a:p>
+            <a:pPr lvl="1"/>
+            <a:endParaRPr lang="en-IT" dirty="0">
+              <a:latin typeface="Courier" pitchFamily="2" charset="0"/>
+            </a:endParaRPr>
+          </a:p>
+          <a:p>
             <a:r>
               <a:rPr lang="en-IT" dirty="0">
                 <a:ea typeface="Palatino" pitchFamily="2" charset="77"/>
               </a:rPr>
-              <a:t>Go to &gt; </a:t>
-            </a:r>
-            <a:r>
-              <a:rPr lang="en-GB" dirty="0">
-                <a:ea typeface="Palatino" pitchFamily="2" charset="77"/>
-                <a:hlinkClick r:id="rId3"/>
-              </a:rPr>
-              <a:t>https://docs.flutter.dev/get-started/editor?tab=vscode</a:t>
-            </a:r>
-            <a:r>
-              <a:rPr lang="en-GB" dirty="0">
-                <a:ea typeface="Palatino" pitchFamily="2" charset="77"/>
-              </a:rPr>
-              <a:t> </a:t>
-            </a:r>
-          </a:p>
-          <a:p>
-            <a:pPr lvl="2"/>
-            <a:r>
-              <a:rPr lang="en-GB" dirty="0">
-                <a:ea typeface="Palatino" pitchFamily="2" charset="77"/>
-              </a:rPr>
-              <a:t>Follow the instructions…</a:t>
-            </a:r>
-          </a:p>
-        </p:txBody>
-      </p:sp>
+              <a:t>If an error appears you will need to install it (step 4 of slide 11). Otherwise, if you see the git version printed out, you can skip step 4 of slide 11.</a:t>
+            </a:r>
+          </a:p>
+        </p:txBody>
+      </p:sp>
+      <p:pic>
+        <p:nvPicPr>
+          <p:cNvPr id="5" name="Picture 4" descr="Graphical user interface, text&#10;&#10;Description automatically generated">
+            <a:extLst>
+              <a:ext uri="{FF2B5EF4-FFF2-40B4-BE49-F238E27FC236}">
+                <a16:creationId xmlns:a16="http://schemas.microsoft.com/office/drawing/2014/main" id="{F57812B3-D3B9-7242-8271-8BD9E96C72A7}"/>
+              </a:ext>
+            </a:extLst>
+          </p:cNvPr>
+          <p:cNvPicPr>
+            <a:picLocks noChangeAspect="1"/>
+          </p:cNvPicPr>
+          <p:nvPr/>
+        </p:nvPicPr>
+        <p:blipFill>
+          <a:blip r:embed="rId3">
+            <a:extLst>
+              <a:ext uri="{28A0092B-C50C-407E-A947-70E740481C1C}">
+                <a14:useLocalDpi xmlns:a14="http://schemas.microsoft.com/office/drawing/2010/main" val="0"/>
+              </a:ext>
+            </a:extLst>
+          </a:blip>
+          <a:stretch>
+            <a:fillRect/>
+          </a:stretch>
+        </p:blipFill>
+        <p:spPr>
+          <a:xfrm>
+            <a:off x="1914705" y="2175513"/>
+            <a:ext cx="7387625" cy="1551178"/>
+          </a:xfrm>
+          <a:prstGeom prst="rect">
+            <a:avLst/>
+          </a:prstGeom>
+        </p:spPr>
+      </p:pic>
       <p:sp>
         <p:nvSpPr>
           <p:cNvPr id="4" name="Slide Number Placeholder 3">
             <a:extLst>
               <a:ext uri="{FF2B5EF4-FFF2-40B4-BE49-F238E27FC236}">
-                <a16:creationId xmlns:a16="http://schemas.microsoft.com/office/drawing/2014/main" id="{ED05C487-70B4-174B-A325-CCA9C11792FF}"/>
+                <a16:creationId xmlns:a16="http://schemas.microsoft.com/office/drawing/2014/main" id="{FE01D888-710A-A44E-9C8F-17860AB7053F}"/>
               </a:ext>
             </a:extLst>
           </p:cNvPr>
@@ -3116,14 +3166,14 @@
               <a:rPr lang="en-GB" smtClean="0"/>
               <a:t>10</a:t>
             </a:fld>
-            <a:endParaRPr lang="en-GB"/>
+            <a:endParaRPr lang="en-GB" dirty="0"/>
           </a:p>
         </p:txBody>
       </p:sp>
     </p:spTree>
     <p:extLst>
       <p:ext uri="{BB962C8B-B14F-4D97-AF65-F5344CB8AC3E}">
-        <p14:creationId xmlns:p14="http://schemas.microsoft.com/office/powerpoint/2010/main" val="3147511355"/>
+        <p14:creationId xmlns:p14="http://schemas.microsoft.com/office/powerpoint/2010/main" val="2480795809"/>
       </p:ext>
     </p:extLst>
   </p:cSld>
@@ -3173,7 +3223,15 @@
           <a:p>
             <a:r>
               <a:rPr lang="en-IT" dirty="0"/>
-              <a:t>Install everything (Part 2)</a:t>
+              <a:t>Install everything (P</a:t>
+            </a:r>
+            <a:r>
+              <a:rPr lang="en-GB" dirty="0"/>
+              <a:t>a</a:t>
+            </a:r>
+            <a:r>
+              <a:rPr lang="en-IT" dirty="0"/>
+              <a:t>rt 1)</a:t>
             </a:r>
           </a:p>
         </p:txBody>
@@ -3224,19 +3282,19 @@
               <a:rPr lang="en-GB" b="1" dirty="0">
                 <a:ea typeface="Palatino" pitchFamily="2" charset="77"/>
               </a:rPr>
-              <a:t>Step 4</a:t>
+              <a:t>Step 1</a:t>
             </a:r>
             <a:r>
               <a:rPr lang="en-GB" dirty="0">
                 <a:ea typeface="Palatino" pitchFamily="2" charset="77"/>
               </a:rPr>
-              <a:t>: Install GIT </a:t>
+              <a:t>: Install Flutter and Dart</a:t>
             </a:r>
           </a:p>
           <a:p>
             <a:pPr lvl="2"/>
             <a:r>
-              <a:rPr lang="en-IT" dirty="0">
+              <a:rPr lang="en-GB" dirty="0">
                 <a:ea typeface="Palatino" pitchFamily="2" charset="77"/>
               </a:rPr>
               <a:t>Go to &gt; </a:t>
@@ -3246,7 +3304,7 @@
                 <a:ea typeface="Palatino" pitchFamily="2" charset="77"/>
                 <a:hlinkClick r:id="rId2"/>
               </a:rPr>
-              <a:t>https://git-scm.com/book/en/v2/Getting-Started-Installing-Git</a:t>
+              <a:t>https://flutter.dev/docs/get-started/install</a:t>
             </a:r>
             <a:endParaRPr lang="en-GB" dirty="0">
               <a:ea typeface="Palatino" pitchFamily="2" charset="77"/>
@@ -3259,140 +3317,6 @@
                 <a:ea typeface="Palatino" pitchFamily="2" charset="77"/>
               </a:rPr>
               <a:t>Follow the instructions…</a:t>
-            </a:r>
-          </a:p>
-          <a:p>
-            <a:pPr lvl="2"/>
-            <a:r>
-              <a:rPr lang="en-GB" dirty="0">
-                <a:ea typeface="Palatino" pitchFamily="2" charset="77"/>
-              </a:rPr>
-              <a:t>After the installation, open the terminal and run the two following commands:</a:t>
-            </a:r>
-            <a:br>
-              <a:rPr lang="en-GB" dirty="0">
-                <a:ea typeface="Palatino" pitchFamily="2" charset="77"/>
-              </a:rPr>
-            </a:br>
-            <a:r>
-              <a:rPr lang="en-GB" dirty="0">
-                <a:latin typeface="Courier" pitchFamily="2" charset="0"/>
-                <a:ea typeface="Palatino" pitchFamily="2" charset="77"/>
-              </a:rPr>
-              <a:t>git config --global </a:t>
-            </a:r>
-            <a:r>
-              <a:rPr lang="en-GB" dirty="0" err="1">
-                <a:latin typeface="Courier" pitchFamily="2" charset="0"/>
-                <a:ea typeface="Palatino" pitchFamily="2" charset="77"/>
-              </a:rPr>
-              <a:t>user.name</a:t>
-            </a:r>
-            <a:r>
-              <a:rPr lang="en-GB" dirty="0">
-                <a:latin typeface="Courier" pitchFamily="2" charset="0"/>
-                <a:ea typeface="Palatino" pitchFamily="2" charset="77"/>
-              </a:rPr>
-              <a:t> ”FirstName </a:t>
-            </a:r>
-            <a:r>
-              <a:rPr lang="en-GB" dirty="0" err="1">
-                <a:latin typeface="Courier" pitchFamily="2" charset="0"/>
-                <a:ea typeface="Palatino" pitchFamily="2" charset="77"/>
-              </a:rPr>
-              <a:t>LastName</a:t>
-            </a:r>
-            <a:r>
-              <a:rPr lang="en-GB" dirty="0">
-                <a:latin typeface="Courier" pitchFamily="2" charset="0"/>
-                <a:ea typeface="Palatino" pitchFamily="2" charset="77"/>
-              </a:rPr>
-              <a:t>” </a:t>
-            </a:r>
-            <a:r>
-              <a:rPr lang="en-GB" dirty="0">
-                <a:ea typeface="Palatino" pitchFamily="2" charset="77"/>
-              </a:rPr>
-              <a:t>(where FirstName and </a:t>
-            </a:r>
-            <a:r>
-              <a:rPr lang="en-GB" dirty="0" err="1">
-                <a:ea typeface="Palatino" pitchFamily="2" charset="77"/>
-              </a:rPr>
-              <a:t>LastName</a:t>
-            </a:r>
-            <a:r>
-              <a:rPr lang="en-GB" dirty="0">
-                <a:ea typeface="Palatino" pitchFamily="2" charset="77"/>
-              </a:rPr>
-              <a:t> are your actual first name and last name, e.g., Giacomo Cappon)</a:t>
-            </a:r>
-            <a:br>
-              <a:rPr lang="en-GB" dirty="0">
-                <a:ea typeface="Palatino" pitchFamily="2" charset="77"/>
-              </a:rPr>
-            </a:br>
-            <a:r>
-              <a:rPr lang="en-GB" dirty="0">
-                <a:latin typeface="Courier" pitchFamily="2" charset="0"/>
-                <a:ea typeface="Palatino" pitchFamily="2" charset="77"/>
-              </a:rPr>
-              <a:t>git config --global </a:t>
-            </a:r>
-            <a:r>
-              <a:rPr lang="en-GB" dirty="0" err="1">
-                <a:latin typeface="Courier" pitchFamily="2" charset="0"/>
-                <a:ea typeface="Palatino" pitchFamily="2" charset="77"/>
-              </a:rPr>
-              <a:t>user.email</a:t>
-            </a:r>
-            <a:r>
-              <a:rPr lang="en-GB" dirty="0">
-                <a:latin typeface="Courier" pitchFamily="2" charset="0"/>
-                <a:ea typeface="Palatino" pitchFamily="2" charset="77"/>
-              </a:rPr>
-              <a:t> ”</a:t>
-            </a:r>
-            <a:r>
-              <a:rPr lang="en-GB" dirty="0" err="1">
-                <a:latin typeface="Courier" pitchFamily="2" charset="0"/>
-                <a:ea typeface="Palatino" pitchFamily="2" charset="77"/>
-              </a:rPr>
-              <a:t>email@domain.com</a:t>
-            </a:r>
-            <a:r>
-              <a:rPr lang="en-GB" dirty="0">
-                <a:latin typeface="Courier" pitchFamily="2" charset="0"/>
-                <a:ea typeface="Palatino" pitchFamily="2" charset="77"/>
-              </a:rPr>
-              <a:t>” </a:t>
-            </a:r>
-            <a:r>
-              <a:rPr lang="en-GB" dirty="0">
-                <a:ea typeface="Palatino" pitchFamily="2" charset="77"/>
-              </a:rPr>
-              <a:t>(where </a:t>
-            </a:r>
-            <a:r>
-              <a:rPr lang="en-GB" dirty="0">
-                <a:latin typeface="Courier" pitchFamily="2" charset="0"/>
-                <a:ea typeface="Palatino" pitchFamily="2" charset="77"/>
-                <a:hlinkClick r:id="rId3"/>
-              </a:rPr>
-              <a:t>email@domain.com</a:t>
-            </a:r>
-            <a:r>
-              <a:rPr lang="en-GB" dirty="0">
-                <a:latin typeface="Courier" pitchFamily="2" charset="0"/>
-                <a:ea typeface="Palatino" pitchFamily="2" charset="77"/>
-              </a:rPr>
-              <a:t> </a:t>
-            </a:r>
-            <a:r>
-              <a:rPr lang="en-GB" dirty="0">
-                <a:ea typeface="Palatino" pitchFamily="2" charset="77"/>
-              </a:rPr>
-              <a:t>is the email you want to use as identifier. For simplicity, use the same email you will use to create the GitHub account)</a:t>
             </a:r>
           </a:p>
           <a:p>
@@ -3407,13 +3331,13 @@
               <a:rPr lang="en-GB" b="1" dirty="0">
                 <a:ea typeface="Palatino" pitchFamily="2" charset="77"/>
               </a:rPr>
-              <a:t>Step 5</a:t>
+              <a:t>Step 2</a:t>
             </a:r>
             <a:r>
               <a:rPr lang="en-GB" dirty="0">
                 <a:ea typeface="Palatino" pitchFamily="2" charset="77"/>
               </a:rPr>
-              <a:t>: Test that everything is working</a:t>
+              <a:t>: Install OS support </a:t>
             </a:r>
           </a:p>
           <a:p>
@@ -3422,14 +3346,44 @@
               <a:rPr lang="en-GB" dirty="0">
                 <a:ea typeface="Palatino" pitchFamily="2" charset="77"/>
               </a:rPr>
+              <a:t>Same link as Step 1, just go ahead with the instructions until the end</a:t>
+            </a:r>
+          </a:p>
+          <a:p>
+            <a:pPr lvl="2"/>
+            <a:endParaRPr lang="en-GB" dirty="0">
+              <a:ea typeface="Palatino" pitchFamily="2" charset="77"/>
+            </a:endParaRPr>
+          </a:p>
+          <a:p>
+            <a:pPr lvl="1"/>
+            <a:r>
+              <a:rPr lang="en-GB" b="1" dirty="0">
+                <a:ea typeface="Palatino" pitchFamily="2" charset="77"/>
+              </a:rPr>
+              <a:t>Step 3</a:t>
+            </a:r>
+            <a:r>
+              <a:rPr lang="en-GB" dirty="0">
+                <a:ea typeface="Palatino" pitchFamily="2" charset="77"/>
+              </a:rPr>
+              <a:t>: Install VS Code and integrate it with Flutter and Dart</a:t>
+            </a:r>
+          </a:p>
+          <a:p>
+            <a:pPr lvl="2"/>
+            <a:r>
+              <a:rPr lang="en-IT" dirty="0">
+                <a:ea typeface="Palatino" pitchFamily="2" charset="77"/>
+              </a:rPr>
               <a:t>Go to &gt; </a:t>
             </a:r>
             <a:r>
               <a:rPr lang="en-GB" dirty="0">
                 <a:ea typeface="Palatino" pitchFamily="2" charset="77"/>
-                <a:hlinkClick r:id="rId4"/>
-              </a:rPr>
-              <a:t>https://docs.flutter.dev/get-started/test-drive?tab=vscode</a:t>
+                <a:hlinkClick r:id="rId3"/>
+              </a:rPr>
+              <a:t>https://docs.flutter.dev/get-started/editor?tab=vscode</a:t>
             </a:r>
             <a:r>
               <a:rPr lang="en-GB" dirty="0">
@@ -3473,6 +3427,428 @@
             <a:fld id="{31DE2C5B-556E-47B8-A792-024C2FCA4ACC}" type="slidenum">
               <a:rPr lang="en-GB" smtClean="0"/>
               <a:t>11</a:t>
+            </a:fld>
+            <a:endParaRPr lang="en-GB"/>
+          </a:p>
+        </p:txBody>
+      </p:sp>
+    </p:spTree>
+    <p:extLst>
+      <p:ext uri="{BB962C8B-B14F-4D97-AF65-F5344CB8AC3E}">
+        <p14:creationId xmlns:p14="http://schemas.microsoft.com/office/powerpoint/2010/main" val="3147511355"/>
+      </p:ext>
+    </p:extLst>
+  </p:cSld>
+  <p:clrMapOvr>
+    <a:masterClrMapping/>
+  </p:clrMapOvr>
+</p:sld>
+</file>
+
+<file path=ppt/slides/slide12.xml><?xml version="1.0" encoding="utf-8"?>
+<p:sld xmlns:a="http://schemas.openxmlformats.org/drawingml/2006/main" xmlns:r="http://schemas.openxmlformats.org/officeDocument/2006/relationships" xmlns:p="http://schemas.openxmlformats.org/presentationml/2006/main">
+  <p:cSld>
+    <p:spTree>
+      <p:nvGrpSpPr>
+        <p:cNvPr id="1" name=""/>
+        <p:cNvGrpSpPr/>
+        <p:nvPr/>
+      </p:nvGrpSpPr>
+      <p:grpSpPr>
+        <a:xfrm>
+          <a:off x="0" y="0"/>
+          <a:ext cx="0" cy="0"/>
+          <a:chOff x="0" y="0"/>
+          <a:chExt cx="0" cy="0"/>
+        </a:xfrm>
+      </p:grpSpPr>
+      <p:sp>
+        <p:nvSpPr>
+          <p:cNvPr id="2" name="Title 1">
+            <a:extLst>
+              <a:ext uri="{FF2B5EF4-FFF2-40B4-BE49-F238E27FC236}">
+                <a16:creationId xmlns:a16="http://schemas.microsoft.com/office/drawing/2014/main" id="{DCEB9E4F-F82C-A64F-809D-B943BB0A7B79}"/>
+              </a:ext>
+            </a:extLst>
+          </p:cNvPr>
+          <p:cNvSpPr>
+            <a:spLocks noGrp="1"/>
+          </p:cNvSpPr>
+          <p:nvPr>
+            <p:ph type="title"/>
+          </p:nvPr>
+        </p:nvSpPr>
+        <p:spPr/>
+        <p:txBody>
+          <a:bodyPr/>
+          <a:lstStyle/>
+          <a:p>
+            <a:r>
+              <a:rPr lang="en-IT" dirty="0"/>
+              <a:t>Install everything (Part 2)</a:t>
+            </a:r>
+          </a:p>
+        </p:txBody>
+      </p:sp>
+      <p:sp>
+        <p:nvSpPr>
+          <p:cNvPr id="3" name="Content Placeholder 2">
+            <a:extLst>
+              <a:ext uri="{FF2B5EF4-FFF2-40B4-BE49-F238E27FC236}">
+                <a16:creationId xmlns:a16="http://schemas.microsoft.com/office/drawing/2014/main" id="{07EEA99A-73A7-F949-9D8F-EEED9045B6FA}"/>
+              </a:ext>
+            </a:extLst>
+          </p:cNvPr>
+          <p:cNvSpPr>
+            <a:spLocks noGrp="1"/>
+          </p:cNvSpPr>
+          <p:nvPr>
+            <p:ph sz="half" idx="1"/>
+          </p:nvPr>
+        </p:nvSpPr>
+        <p:spPr>
+          <a:xfrm>
+            <a:off x="428171" y="1364342"/>
+            <a:ext cx="11368313" cy="5331731"/>
+          </a:xfrm>
+        </p:spPr>
+        <p:txBody>
+          <a:bodyPr>
+            <a:normAutofit fontScale="92500" lnSpcReduction="10000"/>
+          </a:bodyPr>
+          <a:lstStyle/>
+          <a:p>
+            <a:r>
+              <a:rPr lang="en-GB" dirty="0">
+                <a:ea typeface="Palatino" pitchFamily="2" charset="77"/>
+              </a:rPr>
+              <a:t>Do the following steps, in this order:</a:t>
+            </a:r>
+          </a:p>
+          <a:p>
+            <a:endParaRPr lang="en-GB" dirty="0">
+              <a:ea typeface="Palatino" pitchFamily="2" charset="77"/>
+            </a:endParaRPr>
+          </a:p>
+          <a:p>
+            <a:pPr lvl="1"/>
+            <a:r>
+              <a:rPr lang="en-GB" b="1" dirty="0">
+                <a:ea typeface="Palatino" pitchFamily="2" charset="77"/>
+              </a:rPr>
+              <a:t>Step 4</a:t>
+            </a:r>
+            <a:r>
+              <a:rPr lang="en-GB" dirty="0">
+                <a:ea typeface="Palatino" pitchFamily="2" charset="77"/>
+              </a:rPr>
+              <a:t>: Install GIT </a:t>
+            </a:r>
+          </a:p>
+          <a:p>
+            <a:pPr lvl="2"/>
+            <a:r>
+              <a:rPr lang="en-IT" dirty="0">
+                <a:ea typeface="Palatino" pitchFamily="2" charset="77"/>
+              </a:rPr>
+              <a:t>Go to &gt; </a:t>
+            </a:r>
+            <a:r>
+              <a:rPr lang="en-GB" dirty="0">
+                <a:ea typeface="Palatino" pitchFamily="2" charset="77"/>
+                <a:hlinkClick r:id="rId2"/>
+              </a:rPr>
+              <a:t>https://git-scm.com/book/en/v2/Getting-Started-Installing-Git</a:t>
+            </a:r>
+            <a:endParaRPr lang="en-GB" dirty="0">
+              <a:ea typeface="Palatino" pitchFamily="2" charset="77"/>
+            </a:endParaRPr>
+          </a:p>
+          <a:p>
+            <a:pPr lvl="2"/>
+            <a:r>
+              <a:rPr lang="en-GB" dirty="0">
+                <a:ea typeface="Palatino" pitchFamily="2" charset="77"/>
+              </a:rPr>
+              <a:t>Follow the instructions…</a:t>
+            </a:r>
+          </a:p>
+          <a:p>
+            <a:pPr lvl="2"/>
+            <a:r>
+              <a:rPr lang="en-GB" b="1" dirty="0">
+                <a:ea typeface="Palatino" pitchFamily="2" charset="77"/>
+              </a:rPr>
+              <a:t>Step 4b (for Windows users only)</a:t>
+            </a:r>
+            <a:r>
+              <a:rPr lang="en-GB" dirty="0">
+                <a:ea typeface="Palatino" pitchFamily="2" charset="77"/>
+              </a:rPr>
+              <a:t>: Install GIT Bash</a:t>
+            </a:r>
+          </a:p>
+          <a:p>
+            <a:pPr lvl="3"/>
+            <a:r>
+              <a:rPr lang="en-GB" dirty="0">
+                <a:ea typeface="Palatino" pitchFamily="2" charset="77"/>
+              </a:rPr>
+              <a:t>Go to &gt; </a:t>
+            </a:r>
+            <a:r>
+              <a:rPr lang="en-GB" dirty="0">
+                <a:ea typeface="Palatino" pitchFamily="2" charset="77"/>
+                <a:hlinkClick r:id="rId3"/>
+              </a:rPr>
+              <a:t>https://gitforwindows.org/</a:t>
+            </a:r>
+            <a:r>
+              <a:rPr lang="en-GB" dirty="0">
+                <a:ea typeface="Palatino" pitchFamily="2" charset="77"/>
+              </a:rPr>
+              <a:t> </a:t>
+            </a:r>
+          </a:p>
+          <a:p>
+            <a:pPr lvl="3"/>
+            <a:r>
+              <a:rPr lang="en-GB" dirty="0">
+                <a:ea typeface="Palatino" pitchFamily="2" charset="77"/>
+              </a:rPr>
+              <a:t>Click the Download button</a:t>
+            </a:r>
+          </a:p>
+          <a:p>
+            <a:pPr lvl="3"/>
+            <a:r>
+              <a:rPr lang="en-GB" dirty="0">
+                <a:ea typeface="Palatino" pitchFamily="2" charset="77"/>
+              </a:rPr>
+              <a:t>Download and install </a:t>
+            </a:r>
+            <a:r>
+              <a:rPr lang="en-GB" dirty="0"/>
+              <a:t>Git-2.35.1.2-64-bit.exe </a:t>
+            </a:r>
+            <a:endParaRPr lang="en-GB" dirty="0">
+              <a:ea typeface="Palatino" pitchFamily="2" charset="77"/>
+            </a:endParaRPr>
+          </a:p>
+          <a:p>
+            <a:pPr lvl="2"/>
+            <a:r>
+              <a:rPr lang="en-GB" dirty="0">
+                <a:ea typeface="Palatino" pitchFamily="2" charset="77"/>
+              </a:rPr>
+              <a:t>After the installation, open the terminal and run the two following commands:</a:t>
+            </a:r>
+            <a:br>
+              <a:rPr lang="en-GB" dirty="0">
+                <a:ea typeface="Palatino" pitchFamily="2" charset="77"/>
+              </a:rPr>
+            </a:br>
+            <a:r>
+              <a:rPr lang="en-GB" dirty="0">
+                <a:latin typeface="Courier" pitchFamily="2" charset="0"/>
+                <a:ea typeface="Palatino" pitchFamily="2" charset="77"/>
+              </a:rPr>
+              <a:t>git config --global </a:t>
+            </a:r>
+            <a:r>
+              <a:rPr lang="en-GB" dirty="0" err="1">
+                <a:latin typeface="Courier" pitchFamily="2" charset="0"/>
+                <a:ea typeface="Palatino" pitchFamily="2" charset="77"/>
+              </a:rPr>
+              <a:t>user.name</a:t>
+            </a:r>
+            <a:r>
+              <a:rPr lang="en-GB" dirty="0">
+                <a:latin typeface="Courier" pitchFamily="2" charset="0"/>
+                <a:ea typeface="Palatino" pitchFamily="2" charset="77"/>
+              </a:rPr>
+              <a:t> ”FirstName </a:t>
+            </a:r>
+            <a:r>
+              <a:rPr lang="en-GB" dirty="0" err="1">
+                <a:latin typeface="Courier" pitchFamily="2" charset="0"/>
+                <a:ea typeface="Palatino" pitchFamily="2" charset="77"/>
+              </a:rPr>
+              <a:t>LastName</a:t>
+            </a:r>
+            <a:r>
+              <a:rPr lang="en-GB" dirty="0">
+                <a:latin typeface="Courier" pitchFamily="2" charset="0"/>
+                <a:ea typeface="Palatino" pitchFamily="2" charset="77"/>
+              </a:rPr>
+              <a:t>” </a:t>
+            </a:r>
+            <a:r>
+              <a:rPr lang="en-GB" dirty="0">
+                <a:ea typeface="Palatino" pitchFamily="2" charset="77"/>
+              </a:rPr>
+              <a:t>(where FirstName and </a:t>
+            </a:r>
+            <a:r>
+              <a:rPr lang="en-GB" dirty="0" err="1">
+                <a:ea typeface="Palatino" pitchFamily="2" charset="77"/>
+              </a:rPr>
+              <a:t>LastName</a:t>
+            </a:r>
+            <a:r>
+              <a:rPr lang="en-GB" dirty="0">
+                <a:ea typeface="Palatino" pitchFamily="2" charset="77"/>
+              </a:rPr>
+              <a:t> are your actual first name and last name, e.g., Giacomo Cappon)</a:t>
+            </a:r>
+            <a:br>
+              <a:rPr lang="en-GB" dirty="0">
+                <a:ea typeface="Palatino" pitchFamily="2" charset="77"/>
+              </a:rPr>
+            </a:br>
+            <a:r>
+              <a:rPr lang="en-GB" dirty="0">
+                <a:latin typeface="Courier" pitchFamily="2" charset="0"/>
+                <a:ea typeface="Palatino" pitchFamily="2" charset="77"/>
+              </a:rPr>
+              <a:t>git config --global </a:t>
+            </a:r>
+            <a:r>
+              <a:rPr lang="en-GB" dirty="0" err="1">
+                <a:latin typeface="Courier" pitchFamily="2" charset="0"/>
+                <a:ea typeface="Palatino" pitchFamily="2" charset="77"/>
+              </a:rPr>
+              <a:t>user.email</a:t>
+            </a:r>
+            <a:r>
+              <a:rPr lang="en-GB" dirty="0">
+                <a:latin typeface="Courier" pitchFamily="2" charset="0"/>
+                <a:ea typeface="Palatino" pitchFamily="2" charset="77"/>
+              </a:rPr>
+              <a:t> ”</a:t>
+            </a:r>
+            <a:r>
+              <a:rPr lang="en-GB" dirty="0" err="1">
+                <a:latin typeface="Courier" pitchFamily="2" charset="0"/>
+                <a:ea typeface="Palatino" pitchFamily="2" charset="77"/>
+              </a:rPr>
+              <a:t>email@domain.com</a:t>
+            </a:r>
+            <a:r>
+              <a:rPr lang="en-GB" dirty="0">
+                <a:latin typeface="Courier" pitchFamily="2" charset="0"/>
+                <a:ea typeface="Palatino" pitchFamily="2" charset="77"/>
+              </a:rPr>
+              <a:t>” </a:t>
+            </a:r>
+            <a:r>
+              <a:rPr lang="en-GB" dirty="0">
+                <a:ea typeface="Palatino" pitchFamily="2" charset="77"/>
+              </a:rPr>
+              <a:t>(where </a:t>
+            </a:r>
+            <a:r>
+              <a:rPr lang="en-GB" dirty="0">
+                <a:latin typeface="Courier" pitchFamily="2" charset="0"/>
+                <a:ea typeface="Palatino" pitchFamily="2" charset="77"/>
+                <a:hlinkClick r:id="rId4"/>
+              </a:rPr>
+              <a:t>email@domain.com</a:t>
+            </a:r>
+            <a:r>
+              <a:rPr lang="en-GB" dirty="0">
+                <a:latin typeface="Courier" pitchFamily="2" charset="0"/>
+                <a:ea typeface="Palatino" pitchFamily="2" charset="77"/>
+              </a:rPr>
+              <a:t> </a:t>
+            </a:r>
+            <a:r>
+              <a:rPr lang="en-GB" dirty="0">
+                <a:ea typeface="Palatino" pitchFamily="2" charset="77"/>
+              </a:rPr>
+              <a:t>is the email you want to use as identifier. For simplicity, use the same email you will use to create the GitHub account)</a:t>
+            </a:r>
+          </a:p>
+          <a:p>
+            <a:pPr marL="914400" lvl="2" indent="0">
+              <a:buNone/>
+            </a:pPr>
+            <a:endParaRPr lang="en-GB" dirty="0">
+              <a:ea typeface="Palatino" pitchFamily="2" charset="77"/>
+            </a:endParaRPr>
+          </a:p>
+          <a:p>
+            <a:pPr lvl="1"/>
+            <a:r>
+              <a:rPr lang="en-GB" b="1" dirty="0">
+                <a:ea typeface="Palatino" pitchFamily="2" charset="77"/>
+              </a:rPr>
+              <a:t>Step 5</a:t>
+            </a:r>
+            <a:r>
+              <a:rPr lang="en-GB" dirty="0">
+                <a:ea typeface="Palatino" pitchFamily="2" charset="77"/>
+              </a:rPr>
+              <a:t>: Test that everything is working</a:t>
+            </a:r>
+          </a:p>
+          <a:p>
+            <a:pPr lvl="2"/>
+            <a:r>
+              <a:rPr lang="en-GB" dirty="0">
+                <a:ea typeface="Palatino" pitchFamily="2" charset="77"/>
+              </a:rPr>
+              <a:t>Go to &gt; </a:t>
+            </a:r>
+            <a:r>
+              <a:rPr lang="en-GB" dirty="0">
+                <a:ea typeface="Palatino" pitchFamily="2" charset="77"/>
+                <a:hlinkClick r:id="rId5"/>
+              </a:rPr>
+              <a:t>https://docs.flutter.dev/get-started/test-drive?tab=vscode</a:t>
+            </a:r>
+            <a:r>
+              <a:rPr lang="en-GB" dirty="0">
+                <a:ea typeface="Palatino" pitchFamily="2" charset="77"/>
+              </a:rPr>
+              <a:t> </a:t>
+            </a:r>
+          </a:p>
+          <a:p>
+            <a:pPr lvl="2"/>
+            <a:r>
+              <a:rPr lang="en-GB" dirty="0">
+                <a:ea typeface="Palatino" pitchFamily="2" charset="77"/>
+              </a:rPr>
+              <a:t>Follow the instructions…</a:t>
+            </a:r>
+          </a:p>
+        </p:txBody>
+      </p:sp>
+      <p:sp>
+        <p:nvSpPr>
+          <p:cNvPr id="4" name="Slide Number Placeholder 3">
+            <a:extLst>
+              <a:ext uri="{FF2B5EF4-FFF2-40B4-BE49-F238E27FC236}">
+                <a16:creationId xmlns:a16="http://schemas.microsoft.com/office/drawing/2014/main" id="{ED05C487-70B4-174B-A325-CCA9C11792FF}"/>
+              </a:ext>
+            </a:extLst>
+          </p:cNvPr>
+          <p:cNvSpPr>
+            <a:spLocks noGrp="1"/>
+          </p:cNvSpPr>
+          <p:nvPr>
+            <p:ph type="sldNum" sz="quarter" idx="12"/>
+          </p:nvPr>
+        </p:nvSpPr>
+        <p:spPr/>
+        <p:txBody>
+          <a:bodyPr/>
+          <a:lstStyle/>
+          <a:p>
+            <a:fld id="{31DE2C5B-556E-47B8-A792-024C2FCA4ACC}" type="slidenum">
+              <a:rPr lang="en-GB" smtClean="0"/>
+              <a:t>12</a:t>
             </a:fld>
             <a:endParaRPr lang="en-GB"/>
           </a:p>
@@ -5209,7 +5585,7 @@
         </p:spPr>
         <p:txBody>
           <a:bodyPr>
-            <a:normAutofit fontScale="92500" lnSpcReduction="20000"/>
+            <a:normAutofit fontScale="92500" lnSpcReduction="10000"/>
           </a:bodyPr>
           <a:lstStyle/>
           <a:p>
@@ -5293,20 +5669,6 @@
             <a:endParaRPr lang="en-GB" dirty="0">
               <a:ea typeface="Palatino" pitchFamily="2" charset="77"/>
             </a:endParaRPr>
-          </a:p>
-          <a:p>
-            <a:pPr lvl="1"/>
-            <a:endParaRPr lang="en-GB" dirty="0">
-              <a:ea typeface="Palatino" pitchFamily="2" charset="77"/>
-            </a:endParaRPr>
-          </a:p>
-          <a:p>
-            <a:r>
-              <a:rPr lang="en-GB" dirty="0">
-                <a:ea typeface="Palatino" pitchFamily="2" charset="77"/>
-              </a:rPr>
-              <a:t>To install Flutter and Dart </a:t>
-            </a:r>
           </a:p>
         </p:txBody>
       </p:sp>
@@ -6492,7 +6854,7 @@
           <p:cNvPr id="2" name="Title 1">
             <a:extLst>
               <a:ext uri="{FF2B5EF4-FFF2-40B4-BE49-F238E27FC236}">
-                <a16:creationId xmlns:a16="http://schemas.microsoft.com/office/drawing/2014/main" id="{80BE60FB-C861-1E44-92E6-8F9396441CB2}"/>
+                <a16:creationId xmlns:a16="http://schemas.microsoft.com/office/drawing/2014/main" id="{DCEB9E4F-F82C-A64F-809D-B943BB0A7B79}"/>
               </a:ext>
             </a:extLst>
           </p:cNvPr>
@@ -6510,7 +6872,7 @@
           <a:p>
             <a:r>
               <a:rPr lang="en-IT" dirty="0"/>
-              <a:t>The environment: VCS</a:t>
+              <a:t>The environment: Git-Bash (for Windows users)</a:t>
             </a:r>
           </a:p>
         </p:txBody>
@@ -6520,7 +6882,7 @@
           <p:cNvPr id="3" name="Content Placeholder 2">
             <a:extLst>
               <a:ext uri="{FF2B5EF4-FFF2-40B4-BE49-F238E27FC236}">
-                <a16:creationId xmlns:a16="http://schemas.microsoft.com/office/drawing/2014/main" id="{ECD4BA52-23DB-D94D-9195-7777C71CD155}"/>
+                <a16:creationId xmlns:a16="http://schemas.microsoft.com/office/drawing/2014/main" id="{07EEA99A-73A7-F949-9D8F-EEED9045B6FA}"/>
               </a:ext>
             </a:extLst>
           </p:cNvPr>
@@ -6528,13 +6890,13 @@
             <a:spLocks noGrp="1"/>
           </p:cNvSpPr>
           <p:nvPr>
-            <p:ph idx="1"/>
+            <p:ph sz="half" idx="1"/>
           </p:nvPr>
         </p:nvSpPr>
         <p:spPr>
           <a:xfrm>
-            <a:off x="428172" y="1361167"/>
-            <a:ext cx="11368314" cy="4981267"/>
+            <a:off x="428172" y="1364343"/>
+            <a:ext cx="7976526" cy="4812620"/>
           </a:xfrm>
         </p:spPr>
         <p:txBody>
@@ -6544,75 +6906,158 @@
           <a:lstStyle/>
           <a:p>
             <a:r>
-              <a:rPr lang="en-IT" dirty="0"/>
-              <a:t>First check if it is already installed (~99% probability)</a:t>
+              <a:rPr lang="en-GB" dirty="0">
+                <a:ea typeface="Palatino" pitchFamily="2" charset="77"/>
+              </a:rPr>
+              <a:t>You will work with GIT from the command line: </a:t>
             </a:r>
           </a:p>
           <a:p>
             <a:pPr lvl="1"/>
             <a:r>
-              <a:rPr lang="en-IT" dirty="0"/>
-              <a:t>Open the Terminal &gt; Type </a:t>
-            </a:r>
-            <a:r>
-              <a:rPr lang="en-IT" dirty="0">
-                <a:latin typeface="Courier" pitchFamily="2" charset="0"/>
-              </a:rPr>
-              <a:t>“git --version”</a:t>
+              <a:rPr lang="en-GB" dirty="0">
+                <a:ea typeface="Palatino" pitchFamily="2" charset="77"/>
+              </a:rPr>
+              <a:t>”</a:t>
+            </a:r>
+            <a:r>
+              <a:rPr lang="en-GB" dirty="0" err="1">
+                <a:ea typeface="Palatino" pitchFamily="2" charset="77"/>
+              </a:rPr>
+              <a:t>cmd</a:t>
+            </a:r>
+            <a:r>
+              <a:rPr lang="en-GB" dirty="0">
+                <a:ea typeface="Palatino" pitchFamily="2" charset="77"/>
+              </a:rPr>
+              <a:t>” in Windows</a:t>
             </a:r>
           </a:p>
           <a:p>
             <a:pPr lvl="1"/>
-            <a:endParaRPr lang="en-IT" dirty="0">
-              <a:latin typeface="Courier" pitchFamily="2" charset="0"/>
+            <a:r>
+              <a:rPr lang="en-GB" dirty="0">
+                <a:ea typeface="Palatino" pitchFamily="2" charset="77"/>
+              </a:rPr>
+              <a:t>“Terminal” in UNIX systems (Mac and Linux)</a:t>
+            </a:r>
+          </a:p>
+          <a:p>
+            <a:endParaRPr lang="en-GB" dirty="0">
+              <a:ea typeface="Palatino" pitchFamily="2" charset="77"/>
             </a:endParaRPr>
           </a:p>
           <a:p>
-            <a:pPr lvl="1"/>
-            <a:endParaRPr lang="en-IT" dirty="0">
-              <a:latin typeface="Courier" pitchFamily="2" charset="0"/>
+            <a:r>
+              <a:rPr lang="en-GB" dirty="0">
+                <a:ea typeface="Palatino" pitchFamily="2" charset="77"/>
+              </a:rPr>
+              <a:t>Some commands differs between </a:t>
+            </a:r>
+            <a:r>
+              <a:rPr lang="en-GB" dirty="0" err="1">
+                <a:ea typeface="Palatino" pitchFamily="2" charset="77"/>
+              </a:rPr>
+              <a:t>cmd</a:t>
+            </a:r>
+            <a:r>
+              <a:rPr lang="en-GB" dirty="0">
+                <a:ea typeface="Palatino" pitchFamily="2" charset="77"/>
+              </a:rPr>
+              <a:t> and Terminal. So to “unify” this set of commands, </a:t>
+            </a:r>
+            <a:r>
+              <a:rPr lang="en-GB" dirty="0">
+                <a:highlight>
+                  <a:srgbClr val="FFFF00"/>
+                </a:highlight>
+                <a:ea typeface="Palatino" pitchFamily="2" charset="77"/>
+              </a:rPr>
+              <a:t>Windows users should install and use </a:t>
+            </a:r>
+            <a:r>
+              <a:rPr lang="en-GB" b="1" dirty="0">
+                <a:highlight>
+                  <a:srgbClr val="FFFF00"/>
+                </a:highlight>
+                <a:ea typeface="Palatino" pitchFamily="2" charset="77"/>
+              </a:rPr>
+              <a:t>git-bash</a:t>
+            </a:r>
+            <a:r>
+              <a:rPr lang="en-GB" dirty="0">
+                <a:highlight>
+                  <a:srgbClr val="FFFF00"/>
+                </a:highlight>
+                <a:ea typeface="Palatino" pitchFamily="2" charset="77"/>
+              </a:rPr>
+              <a:t> instead of cmd</a:t>
+            </a:r>
+            <a:r>
+              <a:rPr lang="en-GB" dirty="0">
+                <a:ea typeface="Palatino" pitchFamily="2" charset="77"/>
+              </a:rPr>
+              <a:t>. </a:t>
+            </a:r>
+          </a:p>
+          <a:p>
+            <a:endParaRPr lang="en-GB" dirty="0">
+              <a:ea typeface="Palatino" pitchFamily="2" charset="77"/>
             </a:endParaRPr>
           </a:p>
           <a:p>
-            <a:pPr lvl="1"/>
-            <a:endParaRPr lang="en-IT" dirty="0">
-              <a:latin typeface="Courier" pitchFamily="2" charset="0"/>
+            <a:r>
+              <a:rPr lang="en-GB" dirty="0">
+                <a:ea typeface="Palatino" pitchFamily="2" charset="77"/>
+              </a:rPr>
+              <a:t>Using git-bash you will be able to use the same commands of Terminal. </a:t>
+            </a:r>
+          </a:p>
+          <a:p>
+            <a:pPr marL="0" indent="0">
+              <a:buNone/>
+            </a:pPr>
+            <a:endParaRPr lang="en-GB" dirty="0">
+              <a:ea typeface="Palatino" pitchFamily="2" charset="77"/>
             </a:endParaRPr>
           </a:p>
-          <a:p>
-            <a:pPr lvl="1"/>
-            <a:endParaRPr lang="en-IT" dirty="0">
-              <a:latin typeface="Courier" pitchFamily="2" charset="0"/>
-            </a:endParaRPr>
-          </a:p>
-          <a:p>
-            <a:pPr lvl="1"/>
-            <a:endParaRPr lang="en-IT" dirty="0">
-              <a:latin typeface="Courier" pitchFamily="2" charset="0"/>
-            </a:endParaRPr>
-          </a:p>
-          <a:p>
-            <a:pPr lvl="1"/>
-            <a:endParaRPr lang="en-IT" dirty="0">
-              <a:latin typeface="Courier" pitchFamily="2" charset="0"/>
-            </a:endParaRPr>
-          </a:p>
-          <a:p>
-            <a:r>
-              <a:rPr lang="en-IT" dirty="0">
-                <a:ea typeface="Palatino" pitchFamily="2" charset="77"/>
-              </a:rPr>
-              <a:t>If an error appears you will need to install it (step 4 of slide 11). Otherwise, if you see the git version printed out, you can skip step 4 of slide 11.</a:t>
-            </a:r>
+        </p:txBody>
+      </p:sp>
+      <p:sp>
+        <p:nvSpPr>
+          <p:cNvPr id="4" name="Slide Number Placeholder 3">
+            <a:extLst>
+              <a:ext uri="{FF2B5EF4-FFF2-40B4-BE49-F238E27FC236}">
+                <a16:creationId xmlns:a16="http://schemas.microsoft.com/office/drawing/2014/main" id="{01545332-2D31-9D4F-B4BB-B8BF57928CC2}"/>
+              </a:ext>
+            </a:extLst>
+          </p:cNvPr>
+          <p:cNvSpPr>
+            <a:spLocks noGrp="1"/>
+          </p:cNvSpPr>
+          <p:nvPr>
+            <p:ph type="sldNum" sz="quarter" idx="12"/>
+          </p:nvPr>
+        </p:nvSpPr>
+        <p:spPr/>
+        <p:txBody>
+          <a:bodyPr/>
+          <a:lstStyle/>
+          <a:p>
+            <a:fld id="{31DE2C5B-556E-47B8-A792-024C2FCA4ACC}" type="slidenum">
+              <a:rPr lang="en-GB" smtClean="0"/>
+              <a:t>9</a:t>
+            </a:fld>
+            <a:endParaRPr lang="en-GB"/>
           </a:p>
         </p:txBody>
       </p:sp>
       <p:pic>
         <p:nvPicPr>
-          <p:cNvPr id="5" name="Picture 4" descr="Graphical user interface, text&#10;&#10;Description automatically generated">
+          <p:cNvPr id="5" name="Picture 4">
             <a:extLst>
               <a:ext uri="{FF2B5EF4-FFF2-40B4-BE49-F238E27FC236}">
-                <a16:creationId xmlns:a16="http://schemas.microsoft.com/office/drawing/2014/main" id="{F57812B3-D3B9-7242-8271-8BD9E96C72A7}"/>
+                <a16:creationId xmlns:a16="http://schemas.microsoft.com/office/drawing/2014/main" id="{09B9EEF9-42D0-C546-A26E-EA554195EEA7}"/>
               </a:ext>
             </a:extLst>
           </p:cNvPr>
@@ -6622,60 +7067,25 @@
           <p:nvPr/>
         </p:nvPicPr>
         <p:blipFill>
-          <a:blip r:embed="rId3">
-            <a:extLst>
-              <a:ext uri="{28A0092B-C50C-407E-A947-70E740481C1C}">
-                <a14:useLocalDpi xmlns:a14="http://schemas.microsoft.com/office/drawing/2010/main" val="0"/>
-              </a:ext>
-            </a:extLst>
-          </a:blip>
+          <a:blip r:embed="rId3"/>
           <a:stretch>
             <a:fillRect/>
           </a:stretch>
         </p:blipFill>
         <p:spPr>
           <a:xfrm>
-            <a:off x="1914705" y="2175513"/>
-            <a:ext cx="7387625" cy="1551178"/>
+            <a:off x="8610600" y="1877421"/>
+            <a:ext cx="2857500" cy="2857500"/>
           </a:xfrm>
           <a:prstGeom prst="rect">
             <a:avLst/>
           </a:prstGeom>
         </p:spPr>
       </p:pic>
-      <p:sp>
-        <p:nvSpPr>
-          <p:cNvPr id="4" name="Slide Number Placeholder 3">
-            <a:extLst>
-              <a:ext uri="{FF2B5EF4-FFF2-40B4-BE49-F238E27FC236}">
-                <a16:creationId xmlns:a16="http://schemas.microsoft.com/office/drawing/2014/main" id="{FE01D888-710A-A44E-9C8F-17860AB7053F}"/>
-              </a:ext>
-            </a:extLst>
-          </p:cNvPr>
-          <p:cNvSpPr>
-            <a:spLocks noGrp="1"/>
-          </p:cNvSpPr>
-          <p:nvPr>
-            <p:ph type="sldNum" sz="quarter" idx="12"/>
-          </p:nvPr>
-        </p:nvSpPr>
-        <p:spPr/>
-        <p:txBody>
-          <a:bodyPr/>
-          <a:lstStyle/>
-          <a:p>
-            <a:fld id="{31DE2C5B-556E-47B8-A792-024C2FCA4ACC}" type="slidenum">
-              <a:rPr lang="en-GB" smtClean="0"/>
-              <a:t>9</a:t>
-            </a:fld>
-            <a:endParaRPr lang="en-GB" dirty="0"/>
-          </a:p>
-        </p:txBody>
-      </p:sp>
     </p:spTree>
     <p:extLst>
       <p:ext uri="{BB962C8B-B14F-4D97-AF65-F5344CB8AC3E}">
-        <p14:creationId xmlns:p14="http://schemas.microsoft.com/office/powerpoint/2010/main" val="2480795809"/>
+        <p14:creationId xmlns:p14="http://schemas.microsoft.com/office/powerpoint/2010/main" val="3940510233"/>
       </p:ext>
     </p:extLst>
   </p:cSld>

--- a/guides/setup_development_environment.pptx
+++ b/guides/setup_development_environment.pptx
@@ -211,7 +211,7 @@
           <a:p>
             <a:fld id="{81C4B3FE-0320-8142-8396-5C3025C019EC}" type="datetimeFigureOut">
               <a:rPr lang="en-IT" smtClean="0"/>
-              <a:t>02/03/22</a:t>
+              <a:t>15/11/22</a:t>
             </a:fld>
             <a:endParaRPr lang="en-IT"/>
           </a:p>
@@ -1860,7 +1860,7 @@
             </a:pPr>
             <a:r>
               <a:rPr lang="it-IT" sz="2800" dirty="0"/>
-              <a:t>A.Y. 2021-2022</a:t>
+              <a:t>A.Y. 2022-2023</a:t>
             </a:r>
           </a:p>
         </p:txBody>

--- a/guides/setup_development_environment.pptx
+++ b/guides/setup_development_environment.pptx
@@ -5,7 +5,7 @@
     <p:sldMasterId id="2147483648" r:id="rId1"/>
   </p:sldMasterIdLst>
   <p:notesMasterIdLst>
-    <p:notesMasterId r:id="rId14"/>
+    <p:notesMasterId r:id="rId20"/>
   </p:notesMasterIdLst>
   <p:sldIdLst>
     <p:sldId id="259" r:id="rId2"/>
@@ -16,10 +16,16 @@
     <p:sldId id="319" r:id="rId7"/>
     <p:sldId id="316" r:id="rId8"/>
     <p:sldId id="321" r:id="rId9"/>
-    <p:sldId id="324" r:id="rId10"/>
-    <p:sldId id="262" r:id="rId11"/>
-    <p:sldId id="322" r:id="rId12"/>
-    <p:sldId id="323" r:id="rId13"/>
+    <p:sldId id="322" r:id="rId10"/>
+    <p:sldId id="330" r:id="rId11"/>
+    <p:sldId id="329" r:id="rId12"/>
+    <p:sldId id="326" r:id="rId13"/>
+    <p:sldId id="331" r:id="rId14"/>
+    <p:sldId id="332" r:id="rId15"/>
+    <p:sldId id="327" r:id="rId16"/>
+    <p:sldId id="333" r:id="rId17"/>
+    <p:sldId id="335" r:id="rId18"/>
+    <p:sldId id="336" r:id="rId19"/>
   </p:sldIdLst>
   <p:sldSz cx="12192000" cy="6858000"/>
   <p:notesSz cx="6858000" cy="9144000"/>
@@ -211,7 +217,7 @@
           <a:p>
             <a:fld id="{81C4B3FE-0320-8142-8396-5C3025C019EC}" type="datetimeFigureOut">
               <a:rPr lang="en-IT" smtClean="0"/>
-              <a:t>15/11/22</a:t>
+              <a:t>1/16/24</a:t>
             </a:fld>
             <a:endParaRPr lang="en-IT"/>
           </a:p>
@@ -731,174 +737,6 @@
 </p:notes>
 </file>
 
-<file path=ppt/notesSlides/notesSlide4.xml><?xml version="1.0" encoding="utf-8"?>
-<p:notes xmlns:a="http://schemas.openxmlformats.org/drawingml/2006/main" xmlns:r="http://schemas.openxmlformats.org/officeDocument/2006/relationships" xmlns:p="http://schemas.openxmlformats.org/presentationml/2006/main">
-  <p:cSld>
-    <p:spTree>
-      <p:nvGrpSpPr>
-        <p:cNvPr id="1" name=""/>
-        <p:cNvGrpSpPr/>
-        <p:nvPr/>
-      </p:nvGrpSpPr>
-      <p:grpSpPr>
-        <a:xfrm>
-          <a:off x="0" y="0"/>
-          <a:ext cx="0" cy="0"/>
-          <a:chOff x="0" y="0"/>
-          <a:chExt cx="0" cy="0"/>
-        </a:xfrm>
-      </p:grpSpPr>
-      <p:sp>
-        <p:nvSpPr>
-          <p:cNvPr id="2" name="Slide Image Placeholder 1"/>
-          <p:cNvSpPr>
-            <a:spLocks noGrp="1" noRot="1" noChangeAspect="1"/>
-          </p:cNvSpPr>
-          <p:nvPr>
-            <p:ph type="sldImg"/>
-          </p:nvPr>
-        </p:nvSpPr>
-        <p:spPr/>
-      </p:sp>
-      <p:sp>
-        <p:nvSpPr>
-          <p:cNvPr id="3" name="Notes Placeholder 2"/>
-          <p:cNvSpPr>
-            <a:spLocks noGrp="1"/>
-          </p:cNvSpPr>
-          <p:nvPr>
-            <p:ph type="body" idx="1"/>
-          </p:nvPr>
-        </p:nvSpPr>
-        <p:spPr/>
-        <p:txBody>
-          <a:bodyPr/>
-          <a:lstStyle/>
-          <a:p>
-            <a:endParaRPr lang="en-IT" dirty="0"/>
-          </a:p>
-        </p:txBody>
-      </p:sp>
-      <p:sp>
-        <p:nvSpPr>
-          <p:cNvPr id="4" name="Slide Number Placeholder 3"/>
-          <p:cNvSpPr>
-            <a:spLocks noGrp="1"/>
-          </p:cNvSpPr>
-          <p:nvPr>
-            <p:ph type="sldNum" sz="quarter" idx="5"/>
-          </p:nvPr>
-        </p:nvSpPr>
-        <p:spPr/>
-        <p:txBody>
-          <a:bodyPr/>
-          <a:lstStyle/>
-          <a:p>
-            <a:fld id="{CC0F43FB-3F33-3F4B-9768-2FBED988F992}" type="slidenum">
-              <a:rPr lang="en-IT" smtClean="0"/>
-              <a:t>9</a:t>
-            </a:fld>
-            <a:endParaRPr lang="en-IT"/>
-          </a:p>
-        </p:txBody>
-      </p:sp>
-    </p:spTree>
-    <p:extLst>
-      <p:ext uri="{BB962C8B-B14F-4D97-AF65-F5344CB8AC3E}">
-        <p14:creationId xmlns:p14="http://schemas.microsoft.com/office/powerpoint/2010/main" val="3862677488"/>
-      </p:ext>
-    </p:extLst>
-  </p:cSld>
-  <p:clrMapOvr>
-    <a:masterClrMapping/>
-  </p:clrMapOvr>
-</p:notes>
-</file>
-
-<file path=ppt/notesSlides/notesSlide5.xml><?xml version="1.0" encoding="utf-8"?>
-<p:notes xmlns:a="http://schemas.openxmlformats.org/drawingml/2006/main" xmlns:r="http://schemas.openxmlformats.org/officeDocument/2006/relationships" xmlns:p="http://schemas.openxmlformats.org/presentationml/2006/main">
-  <p:cSld>
-    <p:spTree>
-      <p:nvGrpSpPr>
-        <p:cNvPr id="1" name=""/>
-        <p:cNvGrpSpPr/>
-        <p:nvPr/>
-      </p:nvGrpSpPr>
-      <p:grpSpPr>
-        <a:xfrm>
-          <a:off x="0" y="0"/>
-          <a:ext cx="0" cy="0"/>
-          <a:chOff x="0" y="0"/>
-          <a:chExt cx="0" cy="0"/>
-        </a:xfrm>
-      </p:grpSpPr>
-      <p:sp>
-        <p:nvSpPr>
-          <p:cNvPr id="2" name="Slide Image Placeholder 1"/>
-          <p:cNvSpPr>
-            <a:spLocks noGrp="1" noRot="1" noChangeAspect="1"/>
-          </p:cNvSpPr>
-          <p:nvPr>
-            <p:ph type="sldImg"/>
-          </p:nvPr>
-        </p:nvSpPr>
-        <p:spPr/>
-      </p:sp>
-      <p:sp>
-        <p:nvSpPr>
-          <p:cNvPr id="3" name="Notes Placeholder 2"/>
-          <p:cNvSpPr>
-            <a:spLocks noGrp="1"/>
-          </p:cNvSpPr>
-          <p:nvPr>
-            <p:ph type="body" idx="1"/>
-          </p:nvPr>
-        </p:nvSpPr>
-        <p:spPr/>
-        <p:txBody>
-          <a:bodyPr/>
-          <a:lstStyle/>
-          <a:p>
-            <a:endParaRPr lang="en-IT" dirty="0"/>
-          </a:p>
-        </p:txBody>
-      </p:sp>
-      <p:sp>
-        <p:nvSpPr>
-          <p:cNvPr id="4" name="Slide Number Placeholder 3"/>
-          <p:cNvSpPr>
-            <a:spLocks noGrp="1"/>
-          </p:cNvSpPr>
-          <p:nvPr>
-            <p:ph type="sldNum" sz="quarter" idx="5"/>
-          </p:nvPr>
-        </p:nvSpPr>
-        <p:spPr/>
-        <p:txBody>
-          <a:bodyPr/>
-          <a:lstStyle/>
-          <a:p>
-            <a:fld id="{CC0F43FB-3F33-3F4B-9768-2FBED988F992}" type="slidenum">
-              <a:rPr lang="en-IT" smtClean="0"/>
-              <a:t>10</a:t>
-            </a:fld>
-            <a:endParaRPr lang="en-IT"/>
-          </a:p>
-        </p:txBody>
-      </p:sp>
-    </p:spTree>
-    <p:extLst>
-      <p:ext uri="{BB962C8B-B14F-4D97-AF65-F5344CB8AC3E}">
-        <p14:creationId xmlns:p14="http://schemas.microsoft.com/office/powerpoint/2010/main" val="112289140"/>
-      </p:ext>
-    </p:extLst>
-  </p:cSld>
-  <p:clrMapOvr>
-    <a:masterClrMapping/>
-  </p:clrMapOvr>
-</p:notes>
-</file>
-
 <file path=ppt/slideLayouts/slideLayout1.xml><?xml version="1.0" encoding="utf-8"?>
 <p:sldLayout xmlns:a="http://schemas.openxmlformats.org/drawingml/2006/main" xmlns:r="http://schemas.openxmlformats.org/officeDocument/2006/relationships" xmlns:p="http://schemas.openxmlformats.org/presentationml/2006/main" type="obj" preserve="1">
   <p:cSld name="Titolo e contenuto">
@@ -1860,7 +1698,7 @@
             </a:pPr>
             <a:r>
               <a:rPr lang="it-IT" sz="2800" dirty="0"/>
-              <a:t>A.Y. 2022-2023</a:t>
+              <a:t>A.Y. 2023-2024</a:t>
             </a:r>
           </a:p>
         </p:txBody>
@@ -2990,7 +2828,7 @@
           <p:cNvPr id="2" name="Title 1">
             <a:extLst>
               <a:ext uri="{FF2B5EF4-FFF2-40B4-BE49-F238E27FC236}">
-                <a16:creationId xmlns:a16="http://schemas.microsoft.com/office/drawing/2014/main" id="{80BE60FB-C861-1E44-92E6-8F9396441CB2}"/>
+                <a16:creationId xmlns:a16="http://schemas.microsoft.com/office/drawing/2014/main" id="{DCEB9E4F-F82C-A64F-809D-B943BB0A7B79}"/>
               </a:ext>
             </a:extLst>
           </p:cNvPr>
@@ -3007,9 +2845,10 @@
           <a:lstStyle/>
           <a:p>
             <a:r>
-              <a:rPr lang="en-IT" dirty="0"/>
-              <a:t>The environment: VCS</a:t>
-            </a:r>
+              <a:rPr lang="en-US" dirty="0"/>
+              <a:t>(Mac) 1. XCode</a:t>
+            </a:r>
+            <a:endParaRPr lang="en-IT" dirty="0"/>
           </a:p>
         </p:txBody>
       </p:sp>
@@ -3018,7 +2857,7 @@
           <p:cNvPr id="3" name="Content Placeholder 2">
             <a:extLst>
               <a:ext uri="{FF2B5EF4-FFF2-40B4-BE49-F238E27FC236}">
-                <a16:creationId xmlns:a16="http://schemas.microsoft.com/office/drawing/2014/main" id="{ECD4BA52-23DB-D94D-9195-7777C71CD155}"/>
+                <a16:creationId xmlns:a16="http://schemas.microsoft.com/office/drawing/2014/main" id="{07EEA99A-73A7-F949-9D8F-EEED9045B6FA}"/>
               </a:ext>
             </a:extLst>
           </p:cNvPr>
@@ -3026,13 +2865,13 @@
             <a:spLocks noGrp="1"/>
           </p:cNvSpPr>
           <p:nvPr>
-            <p:ph idx="1"/>
+            <p:ph sz="half" idx="1"/>
           </p:nvPr>
         </p:nvSpPr>
         <p:spPr>
           <a:xfrm>
-            <a:off x="428172" y="1361167"/>
-            <a:ext cx="11368314" cy="4981267"/>
+            <a:off x="544975" y="1516487"/>
+            <a:ext cx="12557566" cy="4942186"/>
           </a:xfrm>
         </p:spPr>
         <p:txBody>
@@ -3041,76 +2880,54 @@
           </a:bodyPr>
           <a:lstStyle/>
           <a:p>
-            <a:r>
-              <a:rPr lang="en-IT" dirty="0"/>
-              <a:t>First check if it is already installed (~99% probability)</a:t>
-            </a:r>
-          </a:p>
-          <a:p>
-            <a:pPr lvl="1"/>
-            <a:r>
-              <a:rPr lang="en-IT" dirty="0"/>
-              <a:t>Open the Terminal &gt; Type </a:t>
-            </a:r>
-            <a:r>
-              <a:rPr lang="en-IT" dirty="0">
-                <a:latin typeface="Courier" pitchFamily="2" charset="0"/>
-              </a:rPr>
-              <a:t>“git --version”</a:t>
-            </a:r>
-          </a:p>
-          <a:p>
-            <a:pPr lvl="1"/>
-            <a:endParaRPr lang="en-IT" dirty="0">
-              <a:latin typeface="Courier" pitchFamily="2" charset="0"/>
-            </a:endParaRPr>
-          </a:p>
-          <a:p>
-            <a:pPr lvl="1"/>
-            <a:endParaRPr lang="en-IT" dirty="0">
-              <a:latin typeface="Courier" pitchFamily="2" charset="0"/>
-            </a:endParaRPr>
-          </a:p>
-          <a:p>
-            <a:pPr lvl="1"/>
-            <a:endParaRPr lang="en-IT" dirty="0">
-              <a:latin typeface="Courier" pitchFamily="2" charset="0"/>
-            </a:endParaRPr>
-          </a:p>
-          <a:p>
-            <a:pPr lvl="1"/>
-            <a:endParaRPr lang="en-IT" dirty="0">
-              <a:latin typeface="Courier" pitchFamily="2" charset="0"/>
-            </a:endParaRPr>
-          </a:p>
-          <a:p>
-            <a:pPr lvl="1"/>
-            <a:endParaRPr lang="en-IT" dirty="0">
-              <a:latin typeface="Courier" pitchFamily="2" charset="0"/>
-            </a:endParaRPr>
-          </a:p>
-          <a:p>
-            <a:pPr lvl="1"/>
-            <a:endParaRPr lang="en-IT" dirty="0">
-              <a:latin typeface="Courier" pitchFamily="2" charset="0"/>
-            </a:endParaRPr>
-          </a:p>
-          <a:p>
-            <a:r>
-              <a:rPr lang="en-IT" dirty="0">
-                <a:ea typeface="Palatino" pitchFamily="2" charset="77"/>
-              </a:rPr>
-              <a:t>If an error appears you will need to install it (step 4 of slide 11). Otherwise, if you see the git version printed out, you can skip step 4 of slide 11.</a:t>
-            </a:r>
+            <a:pPr marL="457200" indent="-457200">
+              <a:buFont typeface="+mj-lt"/>
+              <a:buAutoNum type="arabicPeriod"/>
+            </a:pPr>
+            <a:r>
+              <a:rPr lang="en-GB" dirty="0">
+                <a:ea typeface="Palatino" pitchFamily="2" charset="77"/>
+              </a:rPr>
+              <a:t>Open the App Store, search “XCode” and install it</a:t>
+            </a:r>
+          </a:p>
+        </p:txBody>
+      </p:sp>
+      <p:sp>
+        <p:nvSpPr>
+          <p:cNvPr id="4" name="Slide Number Placeholder 3">
+            <a:extLst>
+              <a:ext uri="{FF2B5EF4-FFF2-40B4-BE49-F238E27FC236}">
+                <a16:creationId xmlns:a16="http://schemas.microsoft.com/office/drawing/2014/main" id="{ED05C487-70B4-174B-A325-CCA9C11792FF}"/>
+              </a:ext>
+            </a:extLst>
+          </p:cNvPr>
+          <p:cNvSpPr>
+            <a:spLocks noGrp="1"/>
+          </p:cNvSpPr>
+          <p:nvPr>
+            <p:ph type="sldNum" sz="quarter" idx="12"/>
+          </p:nvPr>
+        </p:nvSpPr>
+        <p:spPr/>
+        <p:txBody>
+          <a:bodyPr/>
+          <a:lstStyle/>
+          <a:p>
+            <a:fld id="{31DE2C5B-556E-47B8-A792-024C2FCA4ACC}" type="slidenum">
+              <a:rPr lang="en-GB" smtClean="0"/>
+              <a:t>10</a:t>
+            </a:fld>
+            <a:endParaRPr lang="en-GB"/>
           </a:p>
         </p:txBody>
       </p:sp>
       <p:pic>
         <p:nvPicPr>
-          <p:cNvPr id="5" name="Picture 4" descr="Graphical user interface, text&#10;&#10;Description automatically generated">
-            <a:extLst>
-              <a:ext uri="{FF2B5EF4-FFF2-40B4-BE49-F238E27FC236}">
-                <a16:creationId xmlns:a16="http://schemas.microsoft.com/office/drawing/2014/main" id="{F57812B3-D3B9-7242-8271-8BD9E96C72A7}"/>
+          <p:cNvPr id="5" name="Picture 4">
+            <a:extLst>
+              <a:ext uri="{FF2B5EF4-FFF2-40B4-BE49-F238E27FC236}">
+                <a16:creationId xmlns:a16="http://schemas.microsoft.com/office/drawing/2014/main" id="{A12546BA-A677-7B7C-67AE-9F20217AA5DF}"/>
               </a:ext>
             </a:extLst>
           </p:cNvPr>
@@ -3120,60 +2937,25 @@
           <p:nvPr/>
         </p:nvPicPr>
         <p:blipFill>
-          <a:blip r:embed="rId3">
-            <a:extLst>
-              <a:ext uri="{28A0092B-C50C-407E-A947-70E740481C1C}">
-                <a14:useLocalDpi xmlns:a14="http://schemas.microsoft.com/office/drawing/2010/main" val="0"/>
-              </a:ext>
-            </a:extLst>
-          </a:blip>
+          <a:blip r:embed="rId2"/>
           <a:stretch>
             <a:fillRect/>
           </a:stretch>
         </p:blipFill>
         <p:spPr>
           <a:xfrm>
-            <a:off x="1914705" y="2175513"/>
-            <a:ext cx="7387625" cy="1551178"/>
+            <a:off x="9063886" y="2581338"/>
+            <a:ext cx="1989935" cy="1989935"/>
           </a:xfrm>
           <a:prstGeom prst="rect">
             <a:avLst/>
           </a:prstGeom>
         </p:spPr>
       </p:pic>
-      <p:sp>
-        <p:nvSpPr>
-          <p:cNvPr id="4" name="Slide Number Placeholder 3">
-            <a:extLst>
-              <a:ext uri="{FF2B5EF4-FFF2-40B4-BE49-F238E27FC236}">
-                <a16:creationId xmlns:a16="http://schemas.microsoft.com/office/drawing/2014/main" id="{FE01D888-710A-A44E-9C8F-17860AB7053F}"/>
-              </a:ext>
-            </a:extLst>
-          </p:cNvPr>
-          <p:cNvSpPr>
-            <a:spLocks noGrp="1"/>
-          </p:cNvSpPr>
-          <p:nvPr>
-            <p:ph type="sldNum" sz="quarter" idx="12"/>
-          </p:nvPr>
-        </p:nvSpPr>
-        <p:spPr/>
-        <p:txBody>
-          <a:bodyPr/>
-          <a:lstStyle/>
-          <a:p>
-            <a:fld id="{31DE2C5B-556E-47B8-A792-024C2FCA4ACC}" type="slidenum">
-              <a:rPr lang="en-GB" smtClean="0"/>
-              <a:t>10</a:t>
-            </a:fld>
-            <a:endParaRPr lang="en-GB" dirty="0"/>
-          </a:p>
-        </p:txBody>
-      </p:sp>
     </p:spTree>
     <p:extLst>
       <p:ext uri="{BB962C8B-B14F-4D97-AF65-F5344CB8AC3E}">
-        <p14:creationId xmlns:p14="http://schemas.microsoft.com/office/powerpoint/2010/main" val="2480795809"/>
+        <p14:creationId xmlns:p14="http://schemas.microsoft.com/office/powerpoint/2010/main" val="1152891232"/>
       </p:ext>
     </p:extLst>
   </p:cSld>
@@ -3222,17 +3004,10 @@
           <a:lstStyle/>
           <a:p>
             <a:r>
-              <a:rPr lang="en-IT" dirty="0"/>
-              <a:t>Install everything (P</a:t>
-            </a:r>
-            <a:r>
-              <a:rPr lang="en-GB" dirty="0"/>
-              <a:t>a</a:t>
-            </a:r>
-            <a:r>
-              <a:rPr lang="en-IT" dirty="0"/>
-              <a:t>rt 1)</a:t>
-            </a:r>
+              <a:rPr lang="en-US" dirty="0"/>
+              <a:t>(Mac) 2. Rosetta</a:t>
+            </a:r>
+            <a:endParaRPr lang="en-IT" dirty="0"/>
           </a:p>
         </p:txBody>
       </p:sp>
@@ -3254,8 +3029,8 @@
         </p:nvSpPr>
         <p:spPr>
           <a:xfrm>
-            <a:off x="428171" y="1364342"/>
-            <a:ext cx="11368313" cy="5331731"/>
+            <a:off x="544975" y="1516487"/>
+            <a:ext cx="11099157" cy="4942186"/>
           </a:xfrm>
         </p:spPr>
         <p:txBody>
@@ -3268,7 +3043,7 @@
               <a:rPr lang="en-GB" dirty="0">
                 <a:ea typeface="Palatino" pitchFamily="2" charset="77"/>
               </a:rPr>
-              <a:t>Do the following steps, in this order:</a:t>
+              <a:t>When installing on an Apple Silicon Mac, install the Rosetta translation environment. Some components require the Rosetta. </a:t>
             </a:r>
           </a:p>
           <a:p>
@@ -3277,129 +3052,76 @@
             </a:endParaRPr>
           </a:p>
           <a:p>
-            <a:pPr lvl="1"/>
-            <a:r>
-              <a:rPr lang="en-GB" b="1" dirty="0">
-                <a:ea typeface="Palatino" pitchFamily="2" charset="77"/>
-              </a:rPr>
-              <a:t>Step 1</a:t>
-            </a:r>
+            <a:pPr marL="457200" indent="-457200">
+              <a:buFont typeface="+mj-lt"/>
+              <a:buAutoNum type="arabicPeriod"/>
+            </a:pPr>
             <a:r>
               <a:rPr lang="en-GB" dirty="0">
                 <a:ea typeface="Palatino" pitchFamily="2" charset="77"/>
               </a:rPr>
-              <a:t>: Install Flutter and Dart</a:t>
-            </a:r>
-          </a:p>
-          <a:p>
-            <a:pPr lvl="2"/>
-            <a:r>
-              <a:rPr lang="en-GB" dirty="0">
-                <a:ea typeface="Palatino" pitchFamily="2" charset="77"/>
-              </a:rPr>
-              <a:t>Go to &gt; </a:t>
-            </a:r>
-            <a:r>
-              <a:rPr lang="en-GB" dirty="0">
-                <a:ea typeface="Palatino" pitchFamily="2" charset="77"/>
-                <a:hlinkClick r:id="rId2"/>
-              </a:rPr>
-              <a:t>https://flutter.dev/docs/get-started/install</a:t>
-            </a:r>
+              <a:t>Open a Terminal and run</a:t>
+            </a:r>
+          </a:p>
+          <a:p>
+            <a:pPr marL="0" indent="0">
+              <a:buNone/>
+            </a:pPr>
+            <a:r>
+              <a:rPr lang="en-US" sz="2000" dirty="0">
+                <a:latin typeface="Courier New" panose="02070309020205020404" pitchFamily="49" charset="0"/>
+                <a:cs typeface="Courier New" panose="02070309020205020404" pitchFamily="49" charset="0"/>
+              </a:rPr>
+              <a:t>&gt;&gt;  </a:t>
+            </a:r>
+            <a:r>
+              <a:rPr lang="en-US" sz="2000" dirty="0" err="1">
+                <a:latin typeface="Courier New" panose="02070309020205020404" pitchFamily="49" charset="0"/>
+                <a:cs typeface="Courier New" panose="02070309020205020404" pitchFamily="49" charset="0"/>
+              </a:rPr>
+              <a:t>sudo</a:t>
+            </a:r>
+            <a:r>
+              <a:rPr lang="en-US" sz="2000" dirty="0">
+                <a:latin typeface="Courier New" panose="02070309020205020404" pitchFamily="49" charset="0"/>
+                <a:cs typeface="Courier New" panose="02070309020205020404" pitchFamily="49" charset="0"/>
+              </a:rPr>
+              <a:t> </a:t>
+            </a:r>
+            <a:r>
+              <a:rPr lang="en-US" sz="2000" dirty="0" err="1">
+                <a:latin typeface="Courier New" panose="02070309020205020404" pitchFamily="49" charset="0"/>
+                <a:cs typeface="Courier New" panose="02070309020205020404" pitchFamily="49" charset="0"/>
+              </a:rPr>
+              <a:t>softwareupdate</a:t>
+            </a:r>
+            <a:r>
+              <a:rPr lang="en-US" sz="2000" dirty="0">
+                <a:latin typeface="Courier New" panose="02070309020205020404" pitchFamily="49" charset="0"/>
+                <a:cs typeface="Courier New" panose="02070309020205020404" pitchFamily="49" charset="0"/>
+              </a:rPr>
+              <a:t> --install-</a:t>
+            </a:r>
+            <a:r>
+              <a:rPr lang="en-US" sz="2000" dirty="0" err="1">
+                <a:latin typeface="Courier New" panose="02070309020205020404" pitchFamily="49" charset="0"/>
+                <a:cs typeface="Courier New" panose="02070309020205020404" pitchFamily="49" charset="0"/>
+              </a:rPr>
+              <a:t>rosetta</a:t>
+            </a:r>
+            <a:r>
+              <a:rPr lang="en-US" sz="2000" dirty="0">
+                <a:latin typeface="Courier New" panose="02070309020205020404" pitchFamily="49" charset="0"/>
+                <a:cs typeface="Courier New" panose="02070309020205020404" pitchFamily="49" charset="0"/>
+              </a:rPr>
+              <a:t> --agree-to-license </a:t>
+            </a:r>
+            <a:br>
+              <a:rPr lang="en-US" dirty="0"/>
+            </a:br>
             <a:endParaRPr lang="en-GB" dirty="0">
               <a:ea typeface="Palatino" pitchFamily="2" charset="77"/>
             </a:endParaRPr>
-          </a:p>
-          <a:p>
-            <a:pPr lvl="2"/>
-            <a:r>
-              <a:rPr lang="en-GB" dirty="0">
-                <a:ea typeface="Palatino" pitchFamily="2" charset="77"/>
-              </a:rPr>
-              <a:t>Follow the instructions…</a:t>
-            </a:r>
-          </a:p>
-          <a:p>
-            <a:pPr lvl="2"/>
-            <a:endParaRPr lang="en-GB" dirty="0">
-              <a:ea typeface="Palatino" pitchFamily="2" charset="77"/>
-            </a:endParaRPr>
-          </a:p>
-          <a:p>
-            <a:pPr lvl="1"/>
-            <a:r>
-              <a:rPr lang="en-GB" b="1" dirty="0">
-                <a:ea typeface="Palatino" pitchFamily="2" charset="77"/>
-              </a:rPr>
-              <a:t>Step 2</a:t>
-            </a:r>
-            <a:r>
-              <a:rPr lang="en-GB" dirty="0">
-                <a:ea typeface="Palatino" pitchFamily="2" charset="77"/>
-              </a:rPr>
-              <a:t>: Install OS support </a:t>
-            </a:r>
-          </a:p>
-          <a:p>
-            <a:pPr lvl="2"/>
-            <a:r>
-              <a:rPr lang="en-GB" dirty="0">
-                <a:ea typeface="Palatino" pitchFamily="2" charset="77"/>
-              </a:rPr>
-              <a:t>Same link as Step 1, just go ahead with the instructions until the end</a:t>
-            </a:r>
-          </a:p>
-          <a:p>
-            <a:pPr lvl="2"/>
-            <a:endParaRPr lang="en-GB" dirty="0">
-              <a:ea typeface="Palatino" pitchFamily="2" charset="77"/>
-            </a:endParaRPr>
-          </a:p>
-          <a:p>
-            <a:pPr lvl="1"/>
-            <a:r>
-              <a:rPr lang="en-GB" b="1" dirty="0">
-                <a:ea typeface="Palatino" pitchFamily="2" charset="77"/>
-              </a:rPr>
-              <a:t>Step 3</a:t>
-            </a:r>
-            <a:r>
-              <a:rPr lang="en-GB" dirty="0">
-                <a:ea typeface="Palatino" pitchFamily="2" charset="77"/>
-              </a:rPr>
-              <a:t>: Install VS Code and integrate it with Flutter and Dart</a:t>
-            </a:r>
-          </a:p>
-          <a:p>
-            <a:pPr lvl="2"/>
-            <a:r>
-              <a:rPr lang="en-IT" dirty="0">
-                <a:ea typeface="Palatino" pitchFamily="2" charset="77"/>
-              </a:rPr>
-              <a:t>Go to &gt; </a:t>
-            </a:r>
-            <a:r>
-              <a:rPr lang="en-GB" dirty="0">
-                <a:ea typeface="Palatino" pitchFamily="2" charset="77"/>
-                <a:hlinkClick r:id="rId3"/>
-              </a:rPr>
-              <a:t>https://docs.flutter.dev/get-started/editor?tab=vscode</a:t>
-            </a:r>
-            <a:r>
-              <a:rPr lang="en-GB" dirty="0">
-                <a:ea typeface="Palatino" pitchFamily="2" charset="77"/>
-              </a:rPr>
-              <a:t> </a:t>
-            </a:r>
-          </a:p>
-          <a:p>
-            <a:pPr lvl="2"/>
-            <a:r>
-              <a:rPr lang="en-GB" dirty="0">
-                <a:ea typeface="Palatino" pitchFamily="2" charset="77"/>
-              </a:rPr>
-              <a:t>Follow the instructions…</a:t>
-            </a:r>
           </a:p>
         </p:txBody>
       </p:sp>
@@ -3432,10 +3154,76 @@
           </a:p>
         </p:txBody>
       </p:sp>
+      <p:pic>
+        <p:nvPicPr>
+          <p:cNvPr id="12" name="Picture 11">
+            <a:extLst>
+              <a:ext uri="{FF2B5EF4-FFF2-40B4-BE49-F238E27FC236}">
+                <a16:creationId xmlns:a16="http://schemas.microsoft.com/office/drawing/2014/main" id="{DD76E292-6F9A-E66A-BAB2-DE5C95A538E5}"/>
+              </a:ext>
+            </a:extLst>
+          </p:cNvPr>
+          <p:cNvPicPr>
+            <a:picLocks noChangeAspect="1"/>
+          </p:cNvPicPr>
+          <p:nvPr/>
+        </p:nvPicPr>
+        <p:blipFill>
+          <a:blip r:embed="rId2">
+            <a:extLst>
+              <a:ext uri="{28A0092B-C50C-407E-A947-70E740481C1C}">
+                <a14:useLocalDpi xmlns:a14="http://schemas.microsoft.com/office/drawing/2010/main" val="0"/>
+              </a:ext>
+            </a:extLst>
+          </a:blip>
+          <a:stretch>
+            <a:fillRect/>
+          </a:stretch>
+        </p:blipFill>
+        <p:spPr>
+          <a:xfrm>
+            <a:off x="1410262" y="3987580"/>
+            <a:ext cx="7651750" cy="208082"/>
+          </a:xfrm>
+          <a:prstGeom prst="rect">
+            <a:avLst/>
+          </a:prstGeom>
+        </p:spPr>
+      </p:pic>
+      <p:pic>
+        <p:nvPicPr>
+          <p:cNvPr id="13" name="Picture 12">
+            <a:extLst>
+              <a:ext uri="{FF2B5EF4-FFF2-40B4-BE49-F238E27FC236}">
+                <a16:creationId xmlns:a16="http://schemas.microsoft.com/office/drawing/2014/main" id="{F750D51B-6751-DCCE-A301-BBE267ABF053}"/>
+              </a:ext>
+            </a:extLst>
+          </p:cNvPr>
+          <p:cNvPicPr>
+            <a:picLocks noChangeAspect="1"/>
+          </p:cNvPicPr>
+          <p:nvPr/>
+        </p:nvPicPr>
+        <p:blipFill>
+          <a:blip r:embed="rId3"/>
+          <a:stretch>
+            <a:fillRect/>
+          </a:stretch>
+        </p:blipFill>
+        <p:spPr>
+          <a:xfrm>
+            <a:off x="9730307" y="4180742"/>
+            <a:ext cx="1733550" cy="1733550"/>
+          </a:xfrm>
+          <a:prstGeom prst="rect">
+            <a:avLst/>
+          </a:prstGeom>
+        </p:spPr>
+      </p:pic>
     </p:spTree>
     <p:extLst>
       <p:ext uri="{BB962C8B-B14F-4D97-AF65-F5344CB8AC3E}">
-        <p14:creationId xmlns:p14="http://schemas.microsoft.com/office/powerpoint/2010/main" val="3147511355"/>
+        <p14:creationId xmlns:p14="http://schemas.microsoft.com/office/powerpoint/2010/main" val="4292247302"/>
       </p:ext>
     </p:extLst>
   </p:cSld>
@@ -3484,9 +3272,10 @@
           <a:lstStyle/>
           <a:p>
             <a:r>
-              <a:rPr lang="en-IT" dirty="0"/>
-              <a:t>Install everything (Part 2)</a:t>
-            </a:r>
+              <a:rPr lang="en-US" dirty="0"/>
+              <a:t>(Mac) 3. VS Code</a:t>
+            </a:r>
+            <a:endParaRPr lang="en-IT" dirty="0"/>
           </a:p>
         </p:txBody>
       </p:sp>
@@ -3508,61 +3297,69 @@
         </p:nvSpPr>
         <p:spPr>
           <a:xfrm>
-            <a:off x="428171" y="1364342"/>
-            <a:ext cx="11368313" cy="5331731"/>
+            <a:off x="428172" y="1364342"/>
+            <a:ext cx="10081642" cy="2918291"/>
           </a:xfrm>
         </p:spPr>
         <p:txBody>
           <a:bodyPr>
-            <a:normAutofit fontScale="92500" lnSpcReduction="10000"/>
+            <a:normAutofit/>
           </a:bodyPr>
           <a:lstStyle/>
           <a:p>
+            <a:pPr marL="457200" indent="-457200">
+              <a:buFont typeface="+mj-lt"/>
+              <a:buAutoNum type="arabicPeriod"/>
+            </a:pPr>
             <a:r>
               <a:rPr lang="en-GB" dirty="0">
                 <a:ea typeface="Palatino" pitchFamily="2" charset="77"/>
               </a:rPr>
-              <a:t>Do the following steps, in this order:</a:t>
-            </a:r>
-          </a:p>
-          <a:p>
-            <a:endParaRPr lang="en-GB" dirty="0">
-              <a:ea typeface="Palatino" pitchFamily="2" charset="77"/>
-            </a:endParaRPr>
-          </a:p>
-          <a:p>
-            <a:pPr lvl="1"/>
-            <a:r>
-              <a:rPr lang="en-GB" b="1" dirty="0">
-                <a:ea typeface="Palatino" pitchFamily="2" charset="77"/>
-              </a:rPr>
-              <a:t>Step 4</a:t>
+              <a:t>Install VS Code</a:t>
+            </a:r>
+          </a:p>
+          <a:p>
+            <a:pPr lvl="2"/>
+            <a:r>
+              <a:rPr lang="en-IT">
+                <a:ea typeface="Palatino" pitchFamily="2" charset="77"/>
+              </a:rPr>
+              <a:t>Go to &gt; </a:t>
             </a:r>
             <a:r>
               <a:rPr lang="en-GB" dirty="0">
                 <a:ea typeface="Palatino" pitchFamily="2" charset="77"/>
-              </a:rPr>
-              <a:t>: Install GIT </a:t>
+                <a:hlinkClick r:id="rId2"/>
+              </a:rPr>
+              <a:t>https://code.visualstudio.com/</a:t>
+            </a:r>
+            <a:r>
+              <a:rPr lang="en-GB" dirty="0">
+                <a:ea typeface="Palatino" pitchFamily="2" charset="77"/>
+              </a:rPr>
+              <a:t> </a:t>
             </a:r>
           </a:p>
           <a:p>
             <a:pPr lvl="2"/>
             <a:r>
-              <a:rPr lang="en-IT" dirty="0">
-                <a:ea typeface="Palatino" pitchFamily="2" charset="77"/>
-              </a:rPr>
-              <a:t>Go to &gt; </a:t>
-            </a:r>
-            <a:r>
               <a:rPr lang="en-GB" dirty="0">
                 <a:ea typeface="Palatino" pitchFamily="2" charset="77"/>
-                <a:hlinkClick r:id="rId2"/>
-              </a:rPr>
-              <a:t>https://git-scm.com/book/en/v2/Getting-Started-Installing-Git</a:t>
-            </a:r>
-            <a:endParaRPr lang="en-GB" dirty="0">
-              <a:ea typeface="Palatino" pitchFamily="2" charset="77"/>
-            </a:endParaRPr>
+              </a:rPr>
+              <a:t>Download and install VS Code</a:t>
+            </a:r>
+          </a:p>
+          <a:p>
+            <a:pPr marL="457200" indent="-457200">
+              <a:buFont typeface="+mj-lt"/>
+              <a:buAutoNum type="arabicPeriod"/>
+            </a:pPr>
+            <a:r>
+              <a:rPr lang="en-GB" dirty="0">
+                <a:ea typeface="Palatino" pitchFamily="2" charset="77"/>
+              </a:rPr>
+              <a:t>Add the Flutter extension for VS Code</a:t>
+            </a:r>
           </a:p>
           <a:p>
             <a:pPr lvl="2"/>
@@ -3570,257 +3367,34 @@
               <a:rPr lang="en-GB" dirty="0">
                 <a:ea typeface="Palatino" pitchFamily="2" charset="77"/>
               </a:rPr>
-              <a:t>Follow the instructions…</a:t>
+              <a:t>Open VS Code</a:t>
             </a:r>
           </a:p>
           <a:p>
             <a:pPr lvl="2"/>
             <a:r>
-              <a:rPr lang="en-GB" b="1" dirty="0">
-                <a:ea typeface="Palatino" pitchFamily="2" charset="77"/>
-              </a:rPr>
-              <a:t>Step 4b (for Windows users only)</a:t>
-            </a:r>
-            <a:r>
               <a:rPr lang="en-GB" dirty="0">
                 <a:ea typeface="Palatino" pitchFamily="2" charset="77"/>
               </a:rPr>
-              <a:t>: Install GIT Bash</a:t>
-            </a:r>
-          </a:p>
-          <a:p>
-            <a:pPr lvl="3"/>
+              <a:t>Go to the Extension tab</a:t>
+            </a:r>
+          </a:p>
+          <a:p>
+            <a:pPr lvl="2"/>
             <a:r>
               <a:rPr lang="en-GB" dirty="0">
                 <a:ea typeface="Palatino" pitchFamily="2" charset="77"/>
               </a:rPr>
-              <a:t>Go to &gt; </a:t>
-            </a:r>
+              <a:t>Type ‘Flutter’ in the search bar</a:t>
+            </a:r>
+          </a:p>
+          <a:p>
+            <a:pPr lvl="2"/>
             <a:r>
               <a:rPr lang="en-GB" dirty="0">
                 <a:ea typeface="Palatino" pitchFamily="2" charset="77"/>
-                <a:hlinkClick r:id="rId3"/>
-              </a:rPr>
-              <a:t>https://gitforwindows.org/</a:t>
-            </a:r>
-            <a:r>
-              <a:rPr lang="en-GB" dirty="0">
-                <a:ea typeface="Palatino" pitchFamily="2" charset="77"/>
-              </a:rPr>
-              <a:t> </a:t>
-            </a:r>
-          </a:p>
-          <a:p>
-            <a:pPr lvl="3"/>
-            <a:r>
-              <a:rPr lang="en-GB" dirty="0">
-                <a:ea typeface="Palatino" pitchFamily="2" charset="77"/>
-              </a:rPr>
-              <a:t>Click the Download button</a:t>
-            </a:r>
-          </a:p>
-          <a:p>
-            <a:pPr lvl="3"/>
-            <a:r>
-              <a:rPr lang="en-GB" dirty="0">
-                <a:ea typeface="Palatino" pitchFamily="2" charset="77"/>
-              </a:rPr>
-              <a:t>Download and install </a:t>
-            </a:r>
-            <a:r>
-              <a:rPr lang="en-GB" dirty="0"/>
-              <a:t>Git-2.35.1.2-64-bit.exe </a:t>
-            </a:r>
-            <a:endParaRPr lang="en-GB" dirty="0">
-              <a:ea typeface="Palatino" pitchFamily="2" charset="77"/>
-            </a:endParaRPr>
-          </a:p>
-          <a:p>
-            <a:pPr lvl="2"/>
-            <a:r>
-              <a:rPr lang="en-GB" dirty="0">
-                <a:ea typeface="Palatino" pitchFamily="2" charset="77"/>
-              </a:rPr>
-              <a:t>After the installation, open the terminal and run the two following commands:</a:t>
-            </a:r>
-            <a:br>
-              <a:rPr lang="en-GB" dirty="0">
-                <a:ea typeface="Palatino" pitchFamily="2" charset="77"/>
-              </a:rPr>
-            </a:br>
-            <a:r>
-              <a:rPr lang="en-GB" dirty="0">
-                <a:latin typeface="Courier" pitchFamily="2" charset="0"/>
-                <a:ea typeface="Palatino" pitchFamily="2" charset="77"/>
-              </a:rPr>
-              <a:t>git config --global </a:t>
-            </a:r>
-            <a:r>
-              <a:rPr lang="en-GB" dirty="0" err="1">
-                <a:latin typeface="Courier" pitchFamily="2" charset="0"/>
-                <a:ea typeface="Palatino" pitchFamily="2" charset="77"/>
-              </a:rPr>
-              <a:t>user.name</a:t>
-            </a:r>
-            <a:r>
-              <a:rPr lang="en-GB" dirty="0">
-                <a:latin typeface="Courier" pitchFamily="2" charset="0"/>
-                <a:ea typeface="Palatino" pitchFamily="2" charset="77"/>
-              </a:rPr>
-              <a:t> ”FirstName </a:t>
-            </a:r>
-            <a:r>
-              <a:rPr lang="en-GB" dirty="0" err="1">
-                <a:latin typeface="Courier" pitchFamily="2" charset="0"/>
-                <a:ea typeface="Palatino" pitchFamily="2" charset="77"/>
-              </a:rPr>
-              <a:t>LastName</a:t>
-            </a:r>
-            <a:r>
-              <a:rPr lang="en-GB" dirty="0">
-                <a:latin typeface="Courier" pitchFamily="2" charset="0"/>
-                <a:ea typeface="Palatino" pitchFamily="2" charset="77"/>
-              </a:rPr>
-              <a:t>” </a:t>
-            </a:r>
-            <a:r>
-              <a:rPr lang="en-GB" dirty="0">
-                <a:ea typeface="Palatino" pitchFamily="2" charset="77"/>
-              </a:rPr>
-              <a:t>(where FirstName and </a:t>
-            </a:r>
-            <a:r>
-              <a:rPr lang="en-GB" dirty="0" err="1">
-                <a:ea typeface="Palatino" pitchFamily="2" charset="77"/>
-              </a:rPr>
-              <a:t>LastName</a:t>
-            </a:r>
-            <a:r>
-              <a:rPr lang="en-GB" dirty="0">
-                <a:ea typeface="Palatino" pitchFamily="2" charset="77"/>
-              </a:rPr>
-              <a:t> are your actual first name and last name, e.g., Giacomo Cappon)</a:t>
-            </a:r>
-            <a:br>
-              <a:rPr lang="en-GB" dirty="0">
-                <a:ea typeface="Palatino" pitchFamily="2" charset="77"/>
-              </a:rPr>
-            </a:br>
-            <a:r>
-              <a:rPr lang="en-GB" dirty="0">
-                <a:latin typeface="Courier" pitchFamily="2" charset="0"/>
-                <a:ea typeface="Palatino" pitchFamily="2" charset="77"/>
-              </a:rPr>
-              <a:t>git config --global </a:t>
-            </a:r>
-            <a:r>
-              <a:rPr lang="en-GB" dirty="0" err="1">
-                <a:latin typeface="Courier" pitchFamily="2" charset="0"/>
-                <a:ea typeface="Palatino" pitchFamily="2" charset="77"/>
-              </a:rPr>
-              <a:t>user.email</a:t>
-            </a:r>
-            <a:r>
-              <a:rPr lang="en-GB" dirty="0">
-                <a:latin typeface="Courier" pitchFamily="2" charset="0"/>
-                <a:ea typeface="Palatino" pitchFamily="2" charset="77"/>
-              </a:rPr>
-              <a:t> ”</a:t>
-            </a:r>
-            <a:r>
-              <a:rPr lang="en-GB" dirty="0" err="1">
-                <a:latin typeface="Courier" pitchFamily="2" charset="0"/>
-                <a:ea typeface="Palatino" pitchFamily="2" charset="77"/>
-              </a:rPr>
-              <a:t>email@domain.com</a:t>
-            </a:r>
-            <a:r>
-              <a:rPr lang="en-GB" dirty="0">
-                <a:latin typeface="Courier" pitchFamily="2" charset="0"/>
-                <a:ea typeface="Palatino" pitchFamily="2" charset="77"/>
-              </a:rPr>
-              <a:t>” </a:t>
-            </a:r>
-            <a:r>
-              <a:rPr lang="en-GB" dirty="0">
-                <a:ea typeface="Palatino" pitchFamily="2" charset="77"/>
-              </a:rPr>
-              <a:t>(where </a:t>
-            </a:r>
-            <a:r>
-              <a:rPr lang="en-GB" dirty="0">
-                <a:latin typeface="Courier" pitchFamily="2" charset="0"/>
-                <a:ea typeface="Palatino" pitchFamily="2" charset="77"/>
-                <a:hlinkClick r:id="rId4"/>
-              </a:rPr>
-              <a:t>email@domain.com</a:t>
-            </a:r>
-            <a:r>
-              <a:rPr lang="en-GB" dirty="0">
-                <a:latin typeface="Courier" pitchFamily="2" charset="0"/>
-                <a:ea typeface="Palatino" pitchFamily="2" charset="77"/>
-              </a:rPr>
-              <a:t> </a:t>
-            </a:r>
-            <a:r>
-              <a:rPr lang="en-GB" dirty="0">
-                <a:ea typeface="Palatino" pitchFamily="2" charset="77"/>
-              </a:rPr>
-              <a:t>is the email you want to use as identifier. For simplicity, use the same email you will use to create the GitHub account)</a:t>
-            </a:r>
-          </a:p>
-          <a:p>
-            <a:pPr marL="914400" lvl="2" indent="0">
-              <a:buNone/>
-            </a:pPr>
-            <a:endParaRPr lang="en-GB" dirty="0">
-              <a:ea typeface="Palatino" pitchFamily="2" charset="77"/>
-            </a:endParaRPr>
-          </a:p>
-          <a:p>
-            <a:pPr lvl="1"/>
-            <a:r>
-              <a:rPr lang="en-GB" b="1" dirty="0">
-                <a:ea typeface="Palatino" pitchFamily="2" charset="77"/>
-              </a:rPr>
-              <a:t>Step 5</a:t>
-            </a:r>
-            <a:r>
-              <a:rPr lang="en-GB" dirty="0">
-                <a:ea typeface="Palatino" pitchFamily="2" charset="77"/>
-              </a:rPr>
-              <a:t>: Test that everything is working</a:t>
-            </a:r>
-          </a:p>
-          <a:p>
-            <a:pPr lvl="2"/>
-            <a:r>
-              <a:rPr lang="en-GB" dirty="0">
-                <a:ea typeface="Palatino" pitchFamily="2" charset="77"/>
-              </a:rPr>
-              <a:t>Go to &gt; </a:t>
-            </a:r>
-            <a:r>
-              <a:rPr lang="en-GB" dirty="0">
-                <a:ea typeface="Palatino" pitchFamily="2" charset="77"/>
-                <a:hlinkClick r:id="rId5"/>
-              </a:rPr>
-              <a:t>https://docs.flutter.dev/get-started/test-drive?tab=vscode</a:t>
-            </a:r>
-            <a:r>
-              <a:rPr lang="en-GB" dirty="0">
-                <a:ea typeface="Palatino" pitchFamily="2" charset="77"/>
-              </a:rPr>
-              <a:t> </a:t>
-            </a:r>
-          </a:p>
-          <a:p>
-            <a:pPr lvl="2"/>
-            <a:r>
-              <a:rPr lang="en-GB" dirty="0">
-                <a:ea typeface="Palatino" pitchFamily="2" charset="77"/>
-              </a:rPr>
-              <a:t>Follow the instructions…</a:t>
+              </a:rPr>
+              <a:t>Install the first entry of the search results</a:t>
             </a:r>
           </a:p>
         </p:txBody>
@@ -3854,295 +3428,12 @@
           </a:p>
         </p:txBody>
       </p:sp>
-    </p:spTree>
-    <p:extLst>
-      <p:ext uri="{BB962C8B-B14F-4D97-AF65-F5344CB8AC3E}">
-        <p14:creationId xmlns:p14="http://schemas.microsoft.com/office/powerpoint/2010/main" val="2935002764"/>
-      </p:ext>
-    </p:extLst>
-  </p:cSld>
-  <p:clrMapOvr>
-    <a:masterClrMapping/>
-  </p:clrMapOvr>
-</p:sld>
-</file>
-
-<file path=ppt/slides/slide2.xml><?xml version="1.0" encoding="utf-8"?>
-<p:sld xmlns:a="http://schemas.openxmlformats.org/drawingml/2006/main" xmlns:r="http://schemas.openxmlformats.org/officeDocument/2006/relationships" xmlns:p="http://schemas.openxmlformats.org/presentationml/2006/main">
-  <p:cSld>
-    <p:spTree>
-      <p:nvGrpSpPr>
-        <p:cNvPr id="1" name=""/>
-        <p:cNvGrpSpPr/>
-        <p:nvPr/>
-      </p:nvGrpSpPr>
-      <p:grpSpPr>
-        <a:xfrm>
-          <a:off x="0" y="0"/>
-          <a:ext cx="0" cy="0"/>
-          <a:chOff x="0" y="0"/>
-          <a:chExt cx="0" cy="0"/>
-        </a:xfrm>
-      </p:grpSpPr>
-      <p:sp>
-        <p:nvSpPr>
-          <p:cNvPr id="2" name="Title 1">
-            <a:extLst>
-              <a:ext uri="{FF2B5EF4-FFF2-40B4-BE49-F238E27FC236}">
-                <a16:creationId xmlns:a16="http://schemas.microsoft.com/office/drawing/2014/main" id="{DCEB9E4F-F82C-A64F-809D-B943BB0A7B79}"/>
-              </a:ext>
-            </a:extLst>
-          </p:cNvPr>
-          <p:cNvSpPr>
-            <a:spLocks noGrp="1"/>
-          </p:cNvSpPr>
-          <p:nvPr>
-            <p:ph type="title"/>
-          </p:nvPr>
-        </p:nvSpPr>
-        <p:spPr/>
-        <p:txBody>
-          <a:bodyPr/>
-          <a:lstStyle/>
-          <a:p>
-            <a:r>
-              <a:rPr lang="en-IT" dirty="0"/>
-              <a:t>We need some tools in our belt</a:t>
-            </a:r>
-          </a:p>
-        </p:txBody>
-      </p:sp>
-      <p:sp>
-        <p:nvSpPr>
-          <p:cNvPr id="3" name="Content Placeholder 2">
-            <a:extLst>
-              <a:ext uri="{FF2B5EF4-FFF2-40B4-BE49-F238E27FC236}">
-                <a16:creationId xmlns:a16="http://schemas.microsoft.com/office/drawing/2014/main" id="{07EEA99A-73A7-F949-9D8F-EEED9045B6FA}"/>
-              </a:ext>
-            </a:extLst>
-          </p:cNvPr>
-          <p:cNvSpPr>
-            <a:spLocks noGrp="1"/>
-          </p:cNvSpPr>
-          <p:nvPr>
-            <p:ph sz="half" idx="1"/>
-          </p:nvPr>
-        </p:nvSpPr>
-        <p:spPr>
-          <a:xfrm>
-            <a:off x="447782" y="1364343"/>
-            <a:ext cx="10445774" cy="5331731"/>
-          </a:xfrm>
-        </p:spPr>
-        <p:txBody>
-          <a:bodyPr>
-            <a:normAutofit lnSpcReduction="10000"/>
-          </a:bodyPr>
-          <a:lstStyle/>
-          <a:p>
-            <a:r>
-              <a:rPr lang="en-US" dirty="0">
-                <a:ea typeface="Palatino" pitchFamily="2" charset="77"/>
-              </a:rPr>
-              <a:t>Developing mobile apps requires some tools </a:t>
-            </a:r>
-          </a:p>
-          <a:p>
-            <a:endParaRPr lang="en-US" dirty="0">
-              <a:ea typeface="Palatino" pitchFamily="2" charset="77"/>
-            </a:endParaRPr>
-          </a:p>
-          <a:p>
-            <a:r>
-              <a:rPr lang="en-US" dirty="0">
-                <a:ea typeface="Palatino" pitchFamily="2" charset="77"/>
-              </a:rPr>
-              <a:t>As programmers, we need to setup our </a:t>
-            </a:r>
-            <a:r>
-              <a:rPr lang="en-US" b="1" dirty="0">
-                <a:ea typeface="Palatino" pitchFamily="2" charset="77"/>
-              </a:rPr>
-              <a:t>development environment </a:t>
-            </a:r>
-            <a:r>
-              <a:rPr lang="en-US" dirty="0">
-                <a:ea typeface="Palatino" pitchFamily="2" charset="77"/>
-              </a:rPr>
-              <a:t>in order to be able to write code, compile it, test its </a:t>
-            </a:r>
-            <a:r>
-              <a:rPr lang="en-US" dirty="0" err="1">
-                <a:ea typeface="Palatino" pitchFamily="2" charset="77"/>
-              </a:rPr>
-              <a:t>behaviour</a:t>
-            </a:r>
-            <a:r>
-              <a:rPr lang="en-US" dirty="0">
-                <a:ea typeface="Palatino" pitchFamily="2" charset="77"/>
-              </a:rPr>
-              <a:t>, and deploy it to the final user machine (in this case, a phone).</a:t>
-            </a:r>
-          </a:p>
-          <a:p>
-            <a:endParaRPr lang="en-US" dirty="0">
-              <a:ea typeface="Palatino" pitchFamily="2" charset="77"/>
-            </a:endParaRPr>
-          </a:p>
-          <a:p>
-            <a:r>
-              <a:rPr lang="en-US" dirty="0">
-                <a:ea typeface="Palatino" pitchFamily="2" charset="77"/>
-              </a:rPr>
-              <a:t>To do so, we need to:</a:t>
-            </a:r>
-          </a:p>
-          <a:p>
-            <a:pPr lvl="1"/>
-            <a:r>
-              <a:rPr lang="en-US" dirty="0">
-                <a:ea typeface="Palatino" pitchFamily="2" charset="77"/>
-              </a:rPr>
-              <a:t>Use some software to write the actual code </a:t>
-            </a:r>
-          </a:p>
-          <a:p>
-            <a:pPr lvl="1"/>
-            <a:r>
-              <a:rPr lang="en-US" dirty="0">
-                <a:ea typeface="Palatino" pitchFamily="2" charset="77"/>
-              </a:rPr>
-              <a:t>Choose a framework and the respective programming language</a:t>
-            </a:r>
-          </a:p>
-          <a:p>
-            <a:pPr lvl="1"/>
-            <a:r>
-              <a:rPr lang="en-US" dirty="0">
-                <a:ea typeface="Palatino" pitchFamily="2" charset="77"/>
-              </a:rPr>
-              <a:t>Have specific libraries in place to support the phone operating system</a:t>
-            </a:r>
-          </a:p>
-          <a:p>
-            <a:pPr lvl="1"/>
-            <a:r>
-              <a:rPr lang="en-US" dirty="0">
-                <a:ea typeface="Palatino" pitchFamily="2" charset="77"/>
-              </a:rPr>
-              <a:t>Have some tools to be able to work as a team</a:t>
-            </a:r>
-          </a:p>
-          <a:p>
-            <a:pPr lvl="1"/>
-            <a:endParaRPr lang="en-US" dirty="0">
-              <a:ea typeface="Palatino" pitchFamily="2" charset="77"/>
-            </a:endParaRPr>
-          </a:p>
-          <a:p>
-            <a:r>
-              <a:rPr lang="en-US" dirty="0">
-                <a:ea typeface="Palatino" pitchFamily="2" charset="77"/>
-              </a:rPr>
-              <a:t>This document will give an overview of the development environment we are going to use during this course and will tell what to do to prepare it.</a:t>
-            </a:r>
-          </a:p>
-        </p:txBody>
-      </p:sp>
-      <p:sp>
-        <p:nvSpPr>
-          <p:cNvPr id="4" name="Slide Number Placeholder 3">
-            <a:extLst>
-              <a:ext uri="{FF2B5EF4-FFF2-40B4-BE49-F238E27FC236}">
-                <a16:creationId xmlns:a16="http://schemas.microsoft.com/office/drawing/2014/main" id="{0B5E6889-29AD-4846-866A-18905E298D38}"/>
-              </a:ext>
-            </a:extLst>
-          </p:cNvPr>
-          <p:cNvSpPr>
-            <a:spLocks noGrp="1"/>
-          </p:cNvSpPr>
-          <p:nvPr>
-            <p:ph type="sldNum" sz="quarter" idx="12"/>
-          </p:nvPr>
-        </p:nvSpPr>
-        <p:spPr/>
-        <p:txBody>
-          <a:bodyPr/>
-          <a:lstStyle/>
-          <a:p>
-            <a:fld id="{31DE2C5B-556E-47B8-A792-024C2FCA4ACC}" type="slidenum">
-              <a:rPr lang="en-GB" smtClean="0"/>
-              <a:t>2</a:t>
-            </a:fld>
-            <a:endParaRPr lang="en-GB"/>
-          </a:p>
-        </p:txBody>
-      </p:sp>
-    </p:spTree>
-    <p:extLst>
-      <p:ext uri="{BB962C8B-B14F-4D97-AF65-F5344CB8AC3E}">
-        <p14:creationId xmlns:p14="http://schemas.microsoft.com/office/powerpoint/2010/main" val="2584505142"/>
-      </p:ext>
-    </p:extLst>
-  </p:cSld>
-  <p:clrMapOvr>
-    <a:masterClrMapping/>
-  </p:clrMapOvr>
-</p:sld>
-</file>
-
-<file path=ppt/slides/slide3.xml><?xml version="1.0" encoding="utf-8"?>
-<p:sld xmlns:a="http://schemas.openxmlformats.org/drawingml/2006/main" xmlns:r="http://schemas.openxmlformats.org/officeDocument/2006/relationships" xmlns:p="http://schemas.openxmlformats.org/presentationml/2006/main">
-  <p:cSld>
-    <p:spTree>
-      <p:nvGrpSpPr>
-        <p:cNvPr id="1" name=""/>
-        <p:cNvGrpSpPr/>
-        <p:nvPr/>
-      </p:nvGrpSpPr>
-      <p:grpSpPr>
-        <a:xfrm>
-          <a:off x="0" y="0"/>
-          <a:ext cx="0" cy="0"/>
-          <a:chOff x="0" y="0"/>
-          <a:chExt cx="0" cy="0"/>
-        </a:xfrm>
-      </p:grpSpPr>
-      <p:pic>
-        <p:nvPicPr>
-          <p:cNvPr id="6" name="Picture 5">
-            <a:extLst>
-              <a:ext uri="{FF2B5EF4-FFF2-40B4-BE49-F238E27FC236}">
-                <a16:creationId xmlns:a16="http://schemas.microsoft.com/office/drawing/2014/main" id="{23CA0548-EDBC-7E44-9649-C54923F9F9BC}"/>
-              </a:ext>
-            </a:extLst>
-          </p:cNvPr>
-          <p:cNvPicPr>
-            <a:picLocks noChangeAspect="1"/>
-          </p:cNvPicPr>
-          <p:nvPr/>
-        </p:nvPicPr>
-        <p:blipFill rotWithShape="1">
-          <a:blip r:embed="rId2"/>
-          <a:srcRect t="9990"/>
-          <a:stretch/>
-        </p:blipFill>
-        <p:spPr>
-          <a:xfrm>
-            <a:off x="5570706" y="1158944"/>
-            <a:ext cx="1971933" cy="1774940"/>
-          </a:xfrm>
-          <a:prstGeom prst="rect">
-            <a:avLst/>
-          </a:prstGeom>
-        </p:spPr>
-      </p:pic>
       <p:pic>
         <p:nvPicPr>
           <p:cNvPr id="7" name="Picture 6">
             <a:extLst>
               <a:ext uri="{FF2B5EF4-FFF2-40B4-BE49-F238E27FC236}">
-                <a16:creationId xmlns:a16="http://schemas.microsoft.com/office/drawing/2014/main" id="{FA867F68-0812-714C-A241-83FE46A4BC40}"/>
+                <a16:creationId xmlns:a16="http://schemas.microsoft.com/office/drawing/2014/main" id="{D3154CEC-A7C0-6B47-6F81-A6FD96F831F4}"/>
               </a:ext>
             </a:extLst>
           </p:cNvPr>
@@ -4159,20 +3450,56 @@
         </p:blipFill>
         <p:spPr>
           <a:xfrm>
-            <a:off x="7812590" y="1352219"/>
-            <a:ext cx="1266567" cy="1266567"/>
+            <a:off x="9549113" y="1364342"/>
+            <a:ext cx="1856423" cy="1856423"/>
           </a:xfrm>
           <a:prstGeom prst="rect">
             <a:avLst/>
           </a:prstGeom>
         </p:spPr>
       </p:pic>
-      <p:sp>
-        <p:nvSpPr>
-          <p:cNvPr id="11" name="Content Placeholder 2">
-            <a:extLst>
-              <a:ext uri="{FF2B5EF4-FFF2-40B4-BE49-F238E27FC236}">
-                <a16:creationId xmlns:a16="http://schemas.microsoft.com/office/drawing/2014/main" id="{3BA6FA5F-9332-BB43-B9A8-1AC6345D4616}"/>
+      <p:pic>
+        <p:nvPicPr>
+          <p:cNvPr id="11" name="Picture 10">
+            <a:extLst>
+              <a:ext uri="{FF2B5EF4-FFF2-40B4-BE49-F238E27FC236}">
+                <a16:creationId xmlns:a16="http://schemas.microsoft.com/office/drawing/2014/main" id="{0F483C62-9A8A-EF91-F587-D0C03232ACB5}"/>
+              </a:ext>
+            </a:extLst>
+          </p:cNvPr>
+          <p:cNvPicPr>
+            <a:picLocks noChangeAspect="1"/>
+          </p:cNvPicPr>
+          <p:nvPr/>
+        </p:nvPicPr>
+        <p:blipFill>
+          <a:blip r:embed="rId4">
+            <a:extLst>
+              <a:ext uri="{28A0092B-C50C-407E-A947-70E740481C1C}">
+                <a14:useLocalDpi xmlns:a14="http://schemas.microsoft.com/office/drawing/2010/main" val="0"/>
+              </a:ext>
+            </a:extLst>
+          </a:blip>
+          <a:stretch>
+            <a:fillRect/>
+          </a:stretch>
+        </p:blipFill>
+        <p:spPr>
+          <a:xfrm>
+            <a:off x="2436947" y="4333059"/>
+            <a:ext cx="7619048" cy="2388416"/>
+          </a:xfrm>
+          <a:prstGeom prst="rect">
+            <a:avLst/>
+          </a:prstGeom>
+        </p:spPr>
+      </p:pic>
+      <p:sp>
+        <p:nvSpPr>
+          <p:cNvPr id="12" name="Content Placeholder 2">
+            <a:extLst>
+              <a:ext uri="{FF2B5EF4-FFF2-40B4-BE49-F238E27FC236}">
+                <a16:creationId xmlns:a16="http://schemas.microsoft.com/office/drawing/2014/main" id="{9CC96257-2836-4EBE-C0F9-03585B585F6D}"/>
               </a:ext>
             </a:extLst>
           </p:cNvPr>
@@ -4183,8 +3510,8 @@
         </p:nvSpPr>
         <p:spPr>
           <a:xfrm>
-            <a:off x="5898675" y="2763986"/>
-            <a:ext cx="3669101" cy="1415618"/>
+            <a:off x="0" y="6215279"/>
+            <a:ext cx="2266800" cy="2059835"/>
           </a:xfrm>
           <a:prstGeom prst="rect">
             <a:avLst/>
@@ -4374,6 +3701,3187 @@
             </a:lvl9pPr>
           </a:lstStyle>
           <a:p>
+            <a:pPr marL="0" indent="0">
+              <a:buNone/>
+            </a:pPr>
+            <a:r>
+              <a:rPr lang="en-GB" sz="2000" b="1" dirty="0">
+                <a:ea typeface="Palatino" pitchFamily="2" charset="77"/>
+              </a:rPr>
+              <a:t>‘Extension’ tab</a:t>
+            </a:r>
+          </a:p>
+        </p:txBody>
+      </p:sp>
+      <p:sp>
+        <p:nvSpPr>
+          <p:cNvPr id="13" name="Content Placeholder 2">
+            <a:extLst>
+              <a:ext uri="{FF2B5EF4-FFF2-40B4-BE49-F238E27FC236}">
+                <a16:creationId xmlns:a16="http://schemas.microsoft.com/office/drawing/2014/main" id="{36975EC1-6E39-55F4-3C20-26A4F003D444}"/>
+              </a:ext>
+            </a:extLst>
+          </p:cNvPr>
+          <p:cNvSpPr txBox="1">
+            <a:spLocks/>
+          </p:cNvSpPr>
+          <p:nvPr/>
+        </p:nvSpPr>
+        <p:spPr>
+          <a:xfrm>
+            <a:off x="170147" y="4798165"/>
+            <a:ext cx="2266800" cy="2059835"/>
+          </a:xfrm>
+          <a:prstGeom prst="rect">
+            <a:avLst/>
+          </a:prstGeom>
+        </p:spPr>
+        <p:txBody>
+          <a:bodyPr vert="horz" lIns="91440" tIns="45720" rIns="91440" bIns="45720" rtlCol="0">
+            <a:normAutofit/>
+          </a:bodyPr>
+          <a:lstStyle>
+            <a:lvl1pPr marL="342900" indent="-342900" algn="l" defTabSz="914400" rtl="0" eaLnBrk="1" latinLnBrk="0" hangingPunct="1">
+              <a:lnSpc>
+                <a:spcPct val="90000"/>
+              </a:lnSpc>
+              <a:spcBef>
+                <a:spcPts val="1000"/>
+              </a:spcBef>
+              <a:buClr>
+                <a:srgbClr val="00B050"/>
+              </a:buClr>
+              <a:buFont typeface="Wingdings" panose="05000000000000000000" pitchFamily="2" charset="2"/>
+              <a:buChar char="Ø"/>
+              <a:defRPr sz="2400" kern="1200">
+                <a:solidFill>
+                  <a:schemeClr val="tx1"/>
+                </a:solidFill>
+                <a:latin typeface="Palatino Linotype" panose="02040502050505030304" pitchFamily="18" charset="0"/>
+                <a:ea typeface="+mn-ea"/>
+                <a:cs typeface="+mn-cs"/>
+              </a:defRPr>
+            </a:lvl1pPr>
+            <a:lvl2pPr marL="685800" indent="-228600" algn="l" defTabSz="914400" rtl="0" eaLnBrk="1" latinLnBrk="0" hangingPunct="1">
+              <a:lnSpc>
+                <a:spcPct val="90000"/>
+              </a:lnSpc>
+              <a:spcBef>
+                <a:spcPts val="500"/>
+              </a:spcBef>
+              <a:buClr>
+                <a:srgbClr val="00B050"/>
+              </a:buClr>
+              <a:buFont typeface="Wingdings" panose="05000000000000000000" pitchFamily="2" charset="2"/>
+              <a:buChar char="§"/>
+              <a:defRPr sz="2000" kern="1200">
+                <a:solidFill>
+                  <a:schemeClr val="tx1"/>
+                </a:solidFill>
+                <a:latin typeface="Palatino Linotype" panose="02040502050505030304" pitchFamily="18" charset="0"/>
+                <a:ea typeface="+mn-ea"/>
+                <a:cs typeface="+mn-cs"/>
+              </a:defRPr>
+            </a:lvl2pPr>
+            <a:lvl3pPr marL="1143000" indent="-228600" algn="l" defTabSz="914400" rtl="0" eaLnBrk="1" latinLnBrk="0" hangingPunct="1">
+              <a:lnSpc>
+                <a:spcPct val="90000"/>
+              </a:lnSpc>
+              <a:spcBef>
+                <a:spcPts val="500"/>
+              </a:spcBef>
+              <a:buClr>
+                <a:srgbClr val="00B050"/>
+              </a:buClr>
+              <a:buFont typeface="Arial" panose="020B0604020202020204" pitchFamily="34" charset="0"/>
+              <a:buChar char="•"/>
+              <a:defRPr sz="1800" kern="1200">
+                <a:solidFill>
+                  <a:schemeClr val="tx1"/>
+                </a:solidFill>
+                <a:latin typeface="Palatino Linotype" panose="02040502050505030304" pitchFamily="18" charset="0"/>
+                <a:ea typeface="+mn-ea"/>
+                <a:cs typeface="+mn-cs"/>
+              </a:defRPr>
+            </a:lvl3pPr>
+            <a:lvl4pPr marL="1600200" indent="-228600" algn="l" defTabSz="914400" rtl="0" eaLnBrk="1" latinLnBrk="0" hangingPunct="1">
+              <a:lnSpc>
+                <a:spcPct val="90000"/>
+              </a:lnSpc>
+              <a:spcBef>
+                <a:spcPts val="500"/>
+              </a:spcBef>
+              <a:buClr>
+                <a:srgbClr val="00B050"/>
+              </a:buClr>
+              <a:buFont typeface="Courier New" panose="02070309020205020404" pitchFamily="49" charset="0"/>
+              <a:buChar char="o"/>
+              <a:defRPr sz="1600" kern="1200">
+                <a:solidFill>
+                  <a:schemeClr val="tx1"/>
+                </a:solidFill>
+                <a:latin typeface="Palatino Linotype" panose="02040502050505030304" pitchFamily="18" charset="0"/>
+                <a:ea typeface="+mn-ea"/>
+                <a:cs typeface="+mn-cs"/>
+              </a:defRPr>
+            </a:lvl4pPr>
+            <a:lvl5pPr marL="2057400" indent="-228600" algn="l" defTabSz="914400" rtl="0" eaLnBrk="1" latinLnBrk="0" hangingPunct="1">
+              <a:lnSpc>
+                <a:spcPct val="90000"/>
+              </a:lnSpc>
+              <a:spcBef>
+                <a:spcPts val="500"/>
+              </a:spcBef>
+              <a:buClr>
+                <a:srgbClr val="00B050"/>
+              </a:buClr>
+              <a:buFont typeface="Times New Roman" panose="02020603050405020304" pitchFamily="18" charset="0"/>
+              <a:buChar char="̶"/>
+              <a:defRPr sz="1600" kern="1200">
+                <a:solidFill>
+                  <a:schemeClr val="tx1"/>
+                </a:solidFill>
+                <a:latin typeface="Palatino Linotype" panose="02040502050505030304" pitchFamily="18" charset="0"/>
+                <a:ea typeface="+mn-ea"/>
+                <a:cs typeface="+mn-cs"/>
+              </a:defRPr>
+            </a:lvl5pPr>
+            <a:lvl6pPr marL="2514600" indent="-228600" algn="l" defTabSz="914400" rtl="0" eaLnBrk="1" latinLnBrk="0" hangingPunct="1">
+              <a:lnSpc>
+                <a:spcPct val="90000"/>
+              </a:lnSpc>
+              <a:spcBef>
+                <a:spcPts val="500"/>
+              </a:spcBef>
+              <a:buFont typeface="Arial" panose="020B0604020202020204" pitchFamily="34" charset="0"/>
+              <a:buChar char="•"/>
+              <a:defRPr sz="1800" kern="1200">
+                <a:solidFill>
+                  <a:schemeClr val="tx1"/>
+                </a:solidFill>
+                <a:latin typeface="+mn-lt"/>
+                <a:ea typeface="+mn-ea"/>
+                <a:cs typeface="+mn-cs"/>
+              </a:defRPr>
+            </a:lvl6pPr>
+            <a:lvl7pPr marL="2971800" indent="-228600" algn="l" defTabSz="914400" rtl="0" eaLnBrk="1" latinLnBrk="0" hangingPunct="1">
+              <a:lnSpc>
+                <a:spcPct val="90000"/>
+              </a:lnSpc>
+              <a:spcBef>
+                <a:spcPts val="500"/>
+              </a:spcBef>
+              <a:buFont typeface="Arial" panose="020B0604020202020204" pitchFamily="34" charset="0"/>
+              <a:buChar char="•"/>
+              <a:defRPr sz="1800" kern="1200">
+                <a:solidFill>
+                  <a:schemeClr val="tx1"/>
+                </a:solidFill>
+                <a:latin typeface="+mn-lt"/>
+                <a:ea typeface="+mn-ea"/>
+                <a:cs typeface="+mn-cs"/>
+              </a:defRPr>
+            </a:lvl7pPr>
+            <a:lvl8pPr marL="3429000" indent="-228600" algn="l" defTabSz="914400" rtl="0" eaLnBrk="1" latinLnBrk="0" hangingPunct="1">
+              <a:lnSpc>
+                <a:spcPct val="90000"/>
+              </a:lnSpc>
+              <a:spcBef>
+                <a:spcPts val="500"/>
+              </a:spcBef>
+              <a:buFont typeface="Arial" panose="020B0604020202020204" pitchFamily="34" charset="0"/>
+              <a:buChar char="•"/>
+              <a:defRPr sz="1800" kern="1200">
+                <a:solidFill>
+                  <a:schemeClr val="tx1"/>
+                </a:solidFill>
+                <a:latin typeface="+mn-lt"/>
+                <a:ea typeface="+mn-ea"/>
+                <a:cs typeface="+mn-cs"/>
+              </a:defRPr>
+            </a:lvl8pPr>
+            <a:lvl9pPr marL="3886200" indent="-228600" algn="l" defTabSz="914400" rtl="0" eaLnBrk="1" latinLnBrk="0" hangingPunct="1">
+              <a:lnSpc>
+                <a:spcPct val="90000"/>
+              </a:lnSpc>
+              <a:spcBef>
+                <a:spcPts val="500"/>
+              </a:spcBef>
+              <a:buFont typeface="Arial" panose="020B0604020202020204" pitchFamily="34" charset="0"/>
+              <a:buChar char="•"/>
+              <a:defRPr sz="1800" kern="1200">
+                <a:solidFill>
+                  <a:schemeClr val="tx1"/>
+                </a:solidFill>
+                <a:latin typeface="+mn-lt"/>
+                <a:ea typeface="+mn-ea"/>
+                <a:cs typeface="+mn-cs"/>
+              </a:defRPr>
+            </a:lvl9pPr>
+          </a:lstStyle>
+          <a:p>
+            <a:pPr marL="0" indent="0">
+              <a:buNone/>
+            </a:pPr>
+            <a:r>
+              <a:rPr lang="en-GB" sz="2000" b="1" dirty="0">
+                <a:ea typeface="Palatino" pitchFamily="2" charset="77"/>
+              </a:rPr>
+              <a:t>Search bar</a:t>
+            </a:r>
+          </a:p>
+        </p:txBody>
+      </p:sp>
+      <p:sp>
+        <p:nvSpPr>
+          <p:cNvPr id="14" name="Content Placeholder 2">
+            <a:extLst>
+              <a:ext uri="{FF2B5EF4-FFF2-40B4-BE49-F238E27FC236}">
+                <a16:creationId xmlns:a16="http://schemas.microsoft.com/office/drawing/2014/main" id="{FFFA161A-6240-56A7-7A3C-9ABB2C9C490E}"/>
+              </a:ext>
+            </a:extLst>
+          </p:cNvPr>
+          <p:cNvSpPr txBox="1">
+            <a:spLocks/>
+          </p:cNvSpPr>
+          <p:nvPr/>
+        </p:nvSpPr>
+        <p:spPr>
+          <a:xfrm>
+            <a:off x="6495326" y="3467432"/>
+            <a:ext cx="2266800" cy="2059835"/>
+          </a:xfrm>
+          <a:prstGeom prst="rect">
+            <a:avLst/>
+          </a:prstGeom>
+        </p:spPr>
+        <p:txBody>
+          <a:bodyPr vert="horz" lIns="91440" tIns="45720" rIns="91440" bIns="45720" rtlCol="0">
+            <a:normAutofit/>
+          </a:bodyPr>
+          <a:lstStyle>
+            <a:lvl1pPr marL="342900" indent="-342900" algn="l" defTabSz="914400" rtl="0" eaLnBrk="1" latinLnBrk="0" hangingPunct="1">
+              <a:lnSpc>
+                <a:spcPct val="90000"/>
+              </a:lnSpc>
+              <a:spcBef>
+                <a:spcPts val="1000"/>
+              </a:spcBef>
+              <a:buClr>
+                <a:srgbClr val="00B050"/>
+              </a:buClr>
+              <a:buFont typeface="Wingdings" panose="05000000000000000000" pitchFamily="2" charset="2"/>
+              <a:buChar char="Ø"/>
+              <a:defRPr sz="2400" kern="1200">
+                <a:solidFill>
+                  <a:schemeClr val="tx1"/>
+                </a:solidFill>
+                <a:latin typeface="Palatino Linotype" panose="02040502050505030304" pitchFamily="18" charset="0"/>
+                <a:ea typeface="+mn-ea"/>
+                <a:cs typeface="+mn-cs"/>
+              </a:defRPr>
+            </a:lvl1pPr>
+            <a:lvl2pPr marL="685800" indent="-228600" algn="l" defTabSz="914400" rtl="0" eaLnBrk="1" latinLnBrk="0" hangingPunct="1">
+              <a:lnSpc>
+                <a:spcPct val="90000"/>
+              </a:lnSpc>
+              <a:spcBef>
+                <a:spcPts val="500"/>
+              </a:spcBef>
+              <a:buClr>
+                <a:srgbClr val="00B050"/>
+              </a:buClr>
+              <a:buFont typeface="Wingdings" panose="05000000000000000000" pitchFamily="2" charset="2"/>
+              <a:buChar char="§"/>
+              <a:defRPr sz="2000" kern="1200">
+                <a:solidFill>
+                  <a:schemeClr val="tx1"/>
+                </a:solidFill>
+                <a:latin typeface="Palatino Linotype" panose="02040502050505030304" pitchFamily="18" charset="0"/>
+                <a:ea typeface="+mn-ea"/>
+                <a:cs typeface="+mn-cs"/>
+              </a:defRPr>
+            </a:lvl2pPr>
+            <a:lvl3pPr marL="1143000" indent="-228600" algn="l" defTabSz="914400" rtl="0" eaLnBrk="1" latinLnBrk="0" hangingPunct="1">
+              <a:lnSpc>
+                <a:spcPct val="90000"/>
+              </a:lnSpc>
+              <a:spcBef>
+                <a:spcPts val="500"/>
+              </a:spcBef>
+              <a:buClr>
+                <a:srgbClr val="00B050"/>
+              </a:buClr>
+              <a:buFont typeface="Arial" panose="020B0604020202020204" pitchFamily="34" charset="0"/>
+              <a:buChar char="•"/>
+              <a:defRPr sz="1800" kern="1200">
+                <a:solidFill>
+                  <a:schemeClr val="tx1"/>
+                </a:solidFill>
+                <a:latin typeface="Palatino Linotype" panose="02040502050505030304" pitchFamily="18" charset="0"/>
+                <a:ea typeface="+mn-ea"/>
+                <a:cs typeface="+mn-cs"/>
+              </a:defRPr>
+            </a:lvl3pPr>
+            <a:lvl4pPr marL="1600200" indent="-228600" algn="l" defTabSz="914400" rtl="0" eaLnBrk="1" latinLnBrk="0" hangingPunct="1">
+              <a:lnSpc>
+                <a:spcPct val="90000"/>
+              </a:lnSpc>
+              <a:spcBef>
+                <a:spcPts val="500"/>
+              </a:spcBef>
+              <a:buClr>
+                <a:srgbClr val="00B050"/>
+              </a:buClr>
+              <a:buFont typeface="Courier New" panose="02070309020205020404" pitchFamily="49" charset="0"/>
+              <a:buChar char="o"/>
+              <a:defRPr sz="1600" kern="1200">
+                <a:solidFill>
+                  <a:schemeClr val="tx1"/>
+                </a:solidFill>
+                <a:latin typeface="Palatino Linotype" panose="02040502050505030304" pitchFamily="18" charset="0"/>
+                <a:ea typeface="+mn-ea"/>
+                <a:cs typeface="+mn-cs"/>
+              </a:defRPr>
+            </a:lvl4pPr>
+            <a:lvl5pPr marL="2057400" indent="-228600" algn="l" defTabSz="914400" rtl="0" eaLnBrk="1" latinLnBrk="0" hangingPunct="1">
+              <a:lnSpc>
+                <a:spcPct val="90000"/>
+              </a:lnSpc>
+              <a:spcBef>
+                <a:spcPts val="500"/>
+              </a:spcBef>
+              <a:buClr>
+                <a:srgbClr val="00B050"/>
+              </a:buClr>
+              <a:buFont typeface="Times New Roman" panose="02020603050405020304" pitchFamily="18" charset="0"/>
+              <a:buChar char="̶"/>
+              <a:defRPr sz="1600" kern="1200">
+                <a:solidFill>
+                  <a:schemeClr val="tx1"/>
+                </a:solidFill>
+                <a:latin typeface="Palatino Linotype" panose="02040502050505030304" pitchFamily="18" charset="0"/>
+                <a:ea typeface="+mn-ea"/>
+                <a:cs typeface="+mn-cs"/>
+              </a:defRPr>
+            </a:lvl5pPr>
+            <a:lvl6pPr marL="2514600" indent="-228600" algn="l" defTabSz="914400" rtl="0" eaLnBrk="1" latinLnBrk="0" hangingPunct="1">
+              <a:lnSpc>
+                <a:spcPct val="90000"/>
+              </a:lnSpc>
+              <a:spcBef>
+                <a:spcPts val="500"/>
+              </a:spcBef>
+              <a:buFont typeface="Arial" panose="020B0604020202020204" pitchFamily="34" charset="0"/>
+              <a:buChar char="•"/>
+              <a:defRPr sz="1800" kern="1200">
+                <a:solidFill>
+                  <a:schemeClr val="tx1"/>
+                </a:solidFill>
+                <a:latin typeface="+mn-lt"/>
+                <a:ea typeface="+mn-ea"/>
+                <a:cs typeface="+mn-cs"/>
+              </a:defRPr>
+            </a:lvl6pPr>
+            <a:lvl7pPr marL="2971800" indent="-228600" algn="l" defTabSz="914400" rtl="0" eaLnBrk="1" latinLnBrk="0" hangingPunct="1">
+              <a:lnSpc>
+                <a:spcPct val="90000"/>
+              </a:lnSpc>
+              <a:spcBef>
+                <a:spcPts val="500"/>
+              </a:spcBef>
+              <a:buFont typeface="Arial" panose="020B0604020202020204" pitchFamily="34" charset="0"/>
+              <a:buChar char="•"/>
+              <a:defRPr sz="1800" kern="1200">
+                <a:solidFill>
+                  <a:schemeClr val="tx1"/>
+                </a:solidFill>
+                <a:latin typeface="+mn-lt"/>
+                <a:ea typeface="+mn-ea"/>
+                <a:cs typeface="+mn-cs"/>
+              </a:defRPr>
+            </a:lvl7pPr>
+            <a:lvl8pPr marL="3429000" indent="-228600" algn="l" defTabSz="914400" rtl="0" eaLnBrk="1" latinLnBrk="0" hangingPunct="1">
+              <a:lnSpc>
+                <a:spcPct val="90000"/>
+              </a:lnSpc>
+              <a:spcBef>
+                <a:spcPts val="500"/>
+              </a:spcBef>
+              <a:buFont typeface="Arial" panose="020B0604020202020204" pitchFamily="34" charset="0"/>
+              <a:buChar char="•"/>
+              <a:defRPr sz="1800" kern="1200">
+                <a:solidFill>
+                  <a:schemeClr val="tx1"/>
+                </a:solidFill>
+                <a:latin typeface="+mn-lt"/>
+                <a:ea typeface="+mn-ea"/>
+                <a:cs typeface="+mn-cs"/>
+              </a:defRPr>
+            </a:lvl8pPr>
+            <a:lvl9pPr marL="3886200" indent="-228600" algn="l" defTabSz="914400" rtl="0" eaLnBrk="1" latinLnBrk="0" hangingPunct="1">
+              <a:lnSpc>
+                <a:spcPct val="90000"/>
+              </a:lnSpc>
+              <a:spcBef>
+                <a:spcPts val="500"/>
+              </a:spcBef>
+              <a:buFont typeface="Arial" panose="020B0604020202020204" pitchFamily="34" charset="0"/>
+              <a:buChar char="•"/>
+              <a:defRPr sz="1800" kern="1200">
+                <a:solidFill>
+                  <a:schemeClr val="tx1"/>
+                </a:solidFill>
+                <a:latin typeface="+mn-lt"/>
+                <a:ea typeface="+mn-ea"/>
+                <a:cs typeface="+mn-cs"/>
+              </a:defRPr>
+            </a:lvl9pPr>
+          </a:lstStyle>
+          <a:p>
+            <a:pPr marL="0" indent="0">
+              <a:buNone/>
+            </a:pPr>
+            <a:r>
+              <a:rPr lang="en-GB" sz="2000" b="1" dirty="0">
+                <a:ea typeface="Palatino" pitchFamily="2" charset="77"/>
+              </a:rPr>
+              <a:t>Flutter extension to be installed</a:t>
+            </a:r>
+          </a:p>
+        </p:txBody>
+      </p:sp>
+      <p:cxnSp>
+        <p:nvCxnSpPr>
+          <p:cNvPr id="16" name="Straight Arrow Connector 15">
+            <a:extLst>
+              <a:ext uri="{FF2B5EF4-FFF2-40B4-BE49-F238E27FC236}">
+                <a16:creationId xmlns:a16="http://schemas.microsoft.com/office/drawing/2014/main" id="{10C47781-8E6C-1C06-A77B-F5252A6531E2}"/>
+              </a:ext>
+            </a:extLst>
+          </p:cNvPr>
+          <p:cNvCxnSpPr/>
+          <p:nvPr/>
+        </p:nvCxnSpPr>
+        <p:spPr>
+          <a:xfrm flipV="1">
+            <a:off x="1780335" y="6088284"/>
+            <a:ext cx="656612" cy="126995"/>
+          </a:xfrm>
+          <a:prstGeom prst="straightConnector1">
+            <a:avLst/>
+          </a:prstGeom>
+          <a:ln>
+            <a:tailEnd type="triangle"/>
+          </a:ln>
+        </p:spPr>
+        <p:style>
+          <a:lnRef idx="1">
+            <a:schemeClr val="accent1"/>
+          </a:lnRef>
+          <a:fillRef idx="0">
+            <a:schemeClr val="accent1"/>
+          </a:fillRef>
+          <a:effectRef idx="0">
+            <a:schemeClr val="accent1"/>
+          </a:effectRef>
+          <a:fontRef idx="minor">
+            <a:schemeClr val="tx1"/>
+          </a:fontRef>
+        </p:style>
+      </p:cxnSp>
+      <p:cxnSp>
+        <p:nvCxnSpPr>
+          <p:cNvPr id="17" name="Straight Arrow Connector 16">
+            <a:extLst>
+              <a:ext uri="{FF2B5EF4-FFF2-40B4-BE49-F238E27FC236}">
+                <a16:creationId xmlns:a16="http://schemas.microsoft.com/office/drawing/2014/main" id="{A94E09C5-E6CA-A699-133D-B2F82AE21574}"/>
+              </a:ext>
+            </a:extLst>
+          </p:cNvPr>
+          <p:cNvCxnSpPr>
+            <a:cxnSpLocks/>
+          </p:cNvCxnSpPr>
+          <p:nvPr/>
+        </p:nvCxnSpPr>
+        <p:spPr>
+          <a:xfrm flipV="1">
+            <a:off x="1608881" y="4798165"/>
+            <a:ext cx="1362635" cy="213673"/>
+          </a:xfrm>
+          <a:prstGeom prst="straightConnector1">
+            <a:avLst/>
+          </a:prstGeom>
+          <a:ln>
+            <a:tailEnd type="triangle"/>
+          </a:ln>
+        </p:spPr>
+        <p:style>
+          <a:lnRef idx="1">
+            <a:schemeClr val="accent1"/>
+          </a:lnRef>
+          <a:fillRef idx="0">
+            <a:schemeClr val="accent1"/>
+          </a:fillRef>
+          <a:effectRef idx="0">
+            <a:schemeClr val="accent1"/>
+          </a:effectRef>
+          <a:fontRef idx="minor">
+            <a:schemeClr val="tx1"/>
+          </a:fontRef>
+        </p:style>
+      </p:cxnSp>
+      <p:cxnSp>
+        <p:nvCxnSpPr>
+          <p:cNvPr id="20" name="Straight Arrow Connector 19">
+            <a:extLst>
+              <a:ext uri="{FF2B5EF4-FFF2-40B4-BE49-F238E27FC236}">
+                <a16:creationId xmlns:a16="http://schemas.microsoft.com/office/drawing/2014/main" id="{5C5814A8-304F-6B43-056C-BCBFB5A547CF}"/>
+              </a:ext>
+            </a:extLst>
+          </p:cNvPr>
+          <p:cNvCxnSpPr>
+            <a:cxnSpLocks/>
+          </p:cNvCxnSpPr>
+          <p:nvPr/>
+        </p:nvCxnSpPr>
+        <p:spPr>
+          <a:xfrm flipH="1">
+            <a:off x="4930815" y="3968457"/>
+            <a:ext cx="1564511" cy="936544"/>
+          </a:xfrm>
+          <a:prstGeom prst="straightConnector1">
+            <a:avLst/>
+          </a:prstGeom>
+          <a:ln>
+            <a:tailEnd type="triangle"/>
+          </a:ln>
+        </p:spPr>
+        <p:style>
+          <a:lnRef idx="1">
+            <a:schemeClr val="accent1"/>
+          </a:lnRef>
+          <a:fillRef idx="0">
+            <a:schemeClr val="accent1"/>
+          </a:fillRef>
+          <a:effectRef idx="0">
+            <a:schemeClr val="accent1"/>
+          </a:effectRef>
+          <a:fontRef idx="minor">
+            <a:schemeClr val="tx1"/>
+          </a:fontRef>
+        </p:style>
+      </p:cxnSp>
+    </p:spTree>
+    <p:extLst>
+      <p:ext uri="{BB962C8B-B14F-4D97-AF65-F5344CB8AC3E}">
+        <p14:creationId xmlns:p14="http://schemas.microsoft.com/office/powerpoint/2010/main" val="4158855950"/>
+      </p:ext>
+    </p:extLst>
+  </p:cSld>
+  <p:clrMapOvr>
+    <a:masterClrMapping/>
+  </p:clrMapOvr>
+</p:sld>
+</file>
+
+<file path=ppt/slides/slide13.xml><?xml version="1.0" encoding="utf-8"?>
+<p:sld xmlns:a="http://schemas.openxmlformats.org/drawingml/2006/main" xmlns:r="http://schemas.openxmlformats.org/officeDocument/2006/relationships" xmlns:p="http://schemas.openxmlformats.org/presentationml/2006/main">
+  <p:cSld>
+    <p:spTree>
+      <p:nvGrpSpPr>
+        <p:cNvPr id="1" name=""/>
+        <p:cNvGrpSpPr/>
+        <p:nvPr/>
+      </p:nvGrpSpPr>
+      <p:grpSpPr>
+        <a:xfrm>
+          <a:off x="0" y="0"/>
+          <a:ext cx="0" cy="0"/>
+          <a:chOff x="0" y="0"/>
+          <a:chExt cx="0" cy="0"/>
+        </a:xfrm>
+      </p:grpSpPr>
+      <p:sp>
+        <p:nvSpPr>
+          <p:cNvPr id="2" name="Title 1">
+            <a:extLst>
+              <a:ext uri="{FF2B5EF4-FFF2-40B4-BE49-F238E27FC236}">
+                <a16:creationId xmlns:a16="http://schemas.microsoft.com/office/drawing/2014/main" id="{DCEB9E4F-F82C-A64F-809D-B943BB0A7B79}"/>
+              </a:ext>
+            </a:extLst>
+          </p:cNvPr>
+          <p:cNvSpPr>
+            <a:spLocks noGrp="1"/>
+          </p:cNvSpPr>
+          <p:nvPr>
+            <p:ph type="title"/>
+          </p:nvPr>
+        </p:nvSpPr>
+        <p:spPr/>
+        <p:txBody>
+          <a:bodyPr/>
+          <a:lstStyle/>
+          <a:p>
+            <a:r>
+              <a:rPr lang="en-US" dirty="0"/>
+              <a:t>(Mac) 4. Flutter and </a:t>
+            </a:r>
+            <a:r>
+              <a:rPr lang="en-US" dirty="0" err="1"/>
+              <a:t>Cocoapods</a:t>
+            </a:r>
+            <a:endParaRPr lang="en-IT" dirty="0"/>
+          </a:p>
+        </p:txBody>
+      </p:sp>
+      <p:sp>
+        <p:nvSpPr>
+          <p:cNvPr id="3" name="Content Placeholder 2">
+            <a:extLst>
+              <a:ext uri="{FF2B5EF4-FFF2-40B4-BE49-F238E27FC236}">
+                <a16:creationId xmlns:a16="http://schemas.microsoft.com/office/drawing/2014/main" id="{07EEA99A-73A7-F949-9D8F-EEED9045B6FA}"/>
+              </a:ext>
+            </a:extLst>
+          </p:cNvPr>
+          <p:cNvSpPr>
+            <a:spLocks noGrp="1"/>
+          </p:cNvSpPr>
+          <p:nvPr>
+            <p:ph sz="half" idx="1"/>
+          </p:nvPr>
+        </p:nvSpPr>
+        <p:spPr>
+          <a:xfrm>
+            <a:off x="428172" y="1364342"/>
+            <a:ext cx="10081642" cy="2918291"/>
+          </a:xfrm>
+        </p:spPr>
+        <p:txBody>
+          <a:bodyPr>
+            <a:normAutofit/>
+          </a:bodyPr>
+          <a:lstStyle/>
+          <a:p>
+            <a:pPr marL="457200" indent="-457200">
+              <a:buFont typeface="+mj-lt"/>
+              <a:buAutoNum type="arabicPeriod"/>
+            </a:pPr>
+            <a:r>
+              <a:rPr lang="en-GB" dirty="0">
+                <a:ea typeface="Palatino" pitchFamily="2" charset="77"/>
+              </a:rPr>
+              <a:t>Go to </a:t>
+            </a:r>
+            <a:r>
+              <a:rPr lang="en-GB" dirty="0">
+                <a:ea typeface="Palatino" pitchFamily="2" charset="77"/>
+                <a:hlinkClick r:id="rId2"/>
+              </a:rPr>
+              <a:t>https://docs.flutter.dev/get-started/install/macos/mobile-ios?tab=vscode#install-the-flutter-sdk</a:t>
+            </a:r>
+            <a:r>
+              <a:rPr lang="en-GB" dirty="0">
+                <a:ea typeface="Palatino" pitchFamily="2" charset="77"/>
+              </a:rPr>
+              <a:t> </a:t>
+            </a:r>
+          </a:p>
+          <a:p>
+            <a:pPr marL="457200" indent="-457200">
+              <a:buFont typeface="+mj-lt"/>
+              <a:buAutoNum type="arabicPeriod"/>
+            </a:pPr>
+            <a:endParaRPr lang="en-GB" dirty="0">
+              <a:ea typeface="Palatino" pitchFamily="2" charset="77"/>
+            </a:endParaRPr>
+          </a:p>
+          <a:p>
+            <a:pPr marL="457200" indent="-457200">
+              <a:buFont typeface="+mj-lt"/>
+              <a:buAutoNum type="arabicPeriod"/>
+            </a:pPr>
+            <a:r>
+              <a:rPr lang="en-GB" dirty="0">
+                <a:ea typeface="Palatino" pitchFamily="2" charset="77"/>
+              </a:rPr>
+              <a:t>Follow the instructions from section ”Install the Flutter SDK” to the end </a:t>
+            </a:r>
+          </a:p>
+        </p:txBody>
+      </p:sp>
+      <p:sp>
+        <p:nvSpPr>
+          <p:cNvPr id="4" name="Slide Number Placeholder 3">
+            <a:extLst>
+              <a:ext uri="{FF2B5EF4-FFF2-40B4-BE49-F238E27FC236}">
+                <a16:creationId xmlns:a16="http://schemas.microsoft.com/office/drawing/2014/main" id="{ED05C487-70B4-174B-A325-CCA9C11792FF}"/>
+              </a:ext>
+            </a:extLst>
+          </p:cNvPr>
+          <p:cNvSpPr>
+            <a:spLocks noGrp="1"/>
+          </p:cNvSpPr>
+          <p:nvPr>
+            <p:ph type="sldNum" sz="quarter" idx="12"/>
+          </p:nvPr>
+        </p:nvSpPr>
+        <p:spPr/>
+        <p:txBody>
+          <a:bodyPr/>
+          <a:lstStyle/>
+          <a:p>
+            <a:fld id="{31DE2C5B-556E-47B8-A792-024C2FCA4ACC}" type="slidenum">
+              <a:rPr lang="en-GB" smtClean="0"/>
+              <a:t>13</a:t>
+            </a:fld>
+            <a:endParaRPr lang="en-GB"/>
+          </a:p>
+        </p:txBody>
+      </p:sp>
+      <p:pic>
+        <p:nvPicPr>
+          <p:cNvPr id="5" name="Picture 4">
+            <a:extLst>
+              <a:ext uri="{FF2B5EF4-FFF2-40B4-BE49-F238E27FC236}">
+                <a16:creationId xmlns:a16="http://schemas.microsoft.com/office/drawing/2014/main" id="{1D36C4E0-C4CB-8076-FD87-58FD9783CC68}"/>
+              </a:ext>
+            </a:extLst>
+          </p:cNvPr>
+          <p:cNvPicPr>
+            <a:picLocks noChangeAspect="1"/>
+          </p:cNvPicPr>
+          <p:nvPr/>
+        </p:nvPicPr>
+        <p:blipFill rotWithShape="1">
+          <a:blip r:embed="rId3"/>
+          <a:srcRect t="9990"/>
+          <a:stretch/>
+        </p:blipFill>
+        <p:spPr>
+          <a:xfrm>
+            <a:off x="7277997" y="4182849"/>
+            <a:ext cx="1971933" cy="1774940"/>
+          </a:xfrm>
+          <a:prstGeom prst="rect">
+            <a:avLst/>
+          </a:prstGeom>
+        </p:spPr>
+      </p:pic>
+      <p:pic>
+        <p:nvPicPr>
+          <p:cNvPr id="6" name="Picture 5">
+            <a:extLst>
+              <a:ext uri="{FF2B5EF4-FFF2-40B4-BE49-F238E27FC236}">
+                <a16:creationId xmlns:a16="http://schemas.microsoft.com/office/drawing/2014/main" id="{D601EA09-AC09-6ACD-60D1-F045D94F67E8}"/>
+              </a:ext>
+            </a:extLst>
+          </p:cNvPr>
+          <p:cNvPicPr>
+            <a:picLocks noChangeAspect="1"/>
+          </p:cNvPicPr>
+          <p:nvPr/>
+        </p:nvPicPr>
+        <p:blipFill>
+          <a:blip r:embed="rId4"/>
+          <a:stretch>
+            <a:fillRect/>
+          </a:stretch>
+        </p:blipFill>
+        <p:spPr>
+          <a:xfrm>
+            <a:off x="9725698" y="4302097"/>
+            <a:ext cx="1266567" cy="1266567"/>
+          </a:xfrm>
+          <a:prstGeom prst="rect">
+            <a:avLst/>
+          </a:prstGeom>
+        </p:spPr>
+      </p:pic>
+    </p:spTree>
+    <p:extLst>
+      <p:ext uri="{BB962C8B-B14F-4D97-AF65-F5344CB8AC3E}">
+        <p14:creationId xmlns:p14="http://schemas.microsoft.com/office/powerpoint/2010/main" val="3755339974"/>
+      </p:ext>
+    </p:extLst>
+  </p:cSld>
+  <p:clrMapOvr>
+    <a:masterClrMapping/>
+  </p:clrMapOvr>
+</p:sld>
+</file>
+
+<file path=ppt/slides/slide14.xml><?xml version="1.0" encoding="utf-8"?>
+<p:sld xmlns:a="http://schemas.openxmlformats.org/drawingml/2006/main" xmlns:r="http://schemas.openxmlformats.org/officeDocument/2006/relationships" xmlns:p="http://schemas.openxmlformats.org/presentationml/2006/main">
+  <p:cSld>
+    <p:spTree>
+      <p:nvGrpSpPr>
+        <p:cNvPr id="1" name=""/>
+        <p:cNvGrpSpPr/>
+        <p:nvPr/>
+      </p:nvGrpSpPr>
+      <p:grpSpPr>
+        <a:xfrm>
+          <a:off x="0" y="0"/>
+          <a:ext cx="0" cy="0"/>
+          <a:chOff x="0" y="0"/>
+          <a:chExt cx="0" cy="0"/>
+        </a:xfrm>
+      </p:grpSpPr>
+      <p:sp>
+        <p:nvSpPr>
+          <p:cNvPr id="2" name="Title 1">
+            <a:extLst>
+              <a:ext uri="{FF2B5EF4-FFF2-40B4-BE49-F238E27FC236}">
+                <a16:creationId xmlns:a16="http://schemas.microsoft.com/office/drawing/2014/main" id="{DCEB9E4F-F82C-A64F-809D-B943BB0A7B79}"/>
+              </a:ext>
+            </a:extLst>
+          </p:cNvPr>
+          <p:cNvSpPr>
+            <a:spLocks noGrp="1"/>
+          </p:cNvSpPr>
+          <p:nvPr>
+            <p:ph type="title"/>
+          </p:nvPr>
+        </p:nvSpPr>
+        <p:spPr/>
+        <p:txBody>
+          <a:bodyPr/>
+          <a:lstStyle/>
+          <a:p>
+            <a:r>
+              <a:rPr lang="en-US" dirty="0"/>
+              <a:t>(Mac) 5. Android Studio</a:t>
+            </a:r>
+            <a:endParaRPr lang="en-IT" dirty="0"/>
+          </a:p>
+        </p:txBody>
+      </p:sp>
+      <p:sp>
+        <p:nvSpPr>
+          <p:cNvPr id="3" name="Content Placeholder 2">
+            <a:extLst>
+              <a:ext uri="{FF2B5EF4-FFF2-40B4-BE49-F238E27FC236}">
+                <a16:creationId xmlns:a16="http://schemas.microsoft.com/office/drawing/2014/main" id="{07EEA99A-73A7-F949-9D8F-EEED9045B6FA}"/>
+              </a:ext>
+            </a:extLst>
+          </p:cNvPr>
+          <p:cNvSpPr>
+            <a:spLocks noGrp="1"/>
+          </p:cNvSpPr>
+          <p:nvPr>
+            <p:ph sz="half" idx="1"/>
+          </p:nvPr>
+        </p:nvSpPr>
+        <p:spPr>
+          <a:xfrm>
+            <a:off x="428172" y="1364342"/>
+            <a:ext cx="10081642" cy="3855840"/>
+          </a:xfrm>
+        </p:spPr>
+        <p:txBody>
+          <a:bodyPr>
+            <a:normAutofit/>
+          </a:bodyPr>
+          <a:lstStyle/>
+          <a:p>
+            <a:pPr marL="457200" indent="-457200">
+              <a:buFont typeface="+mj-lt"/>
+              <a:buAutoNum type="arabicPeriod"/>
+            </a:pPr>
+            <a:r>
+              <a:rPr lang="en-GB" dirty="0">
+                <a:ea typeface="Palatino" pitchFamily="2" charset="77"/>
+              </a:rPr>
+              <a:t>Go to </a:t>
+            </a:r>
+            <a:r>
+              <a:rPr lang="en-GB" dirty="0">
+                <a:ea typeface="Palatino" pitchFamily="2" charset="77"/>
+                <a:hlinkClick r:id="rId2"/>
+              </a:rPr>
+              <a:t>https://developer.android.com/studio</a:t>
+            </a:r>
+            <a:r>
+              <a:rPr lang="en-GB" dirty="0">
+                <a:ea typeface="Palatino" pitchFamily="2" charset="77"/>
+              </a:rPr>
+              <a:t>, download Android Studio and install it </a:t>
+            </a:r>
+          </a:p>
+          <a:p>
+            <a:pPr marL="457200" indent="-457200">
+              <a:buFont typeface="+mj-lt"/>
+              <a:buAutoNum type="arabicPeriod"/>
+            </a:pPr>
+            <a:r>
+              <a:rPr lang="en-GB" dirty="0">
+                <a:ea typeface="Palatino" pitchFamily="2" charset="77"/>
+              </a:rPr>
+              <a:t>Go to </a:t>
+            </a:r>
+            <a:r>
+              <a:rPr lang="en-GB" dirty="0">
+                <a:ea typeface="Palatino" pitchFamily="2" charset="77"/>
+                <a:hlinkClick r:id="rId3"/>
+              </a:rPr>
+              <a:t>https://docs.flutter.dev/get-started/install/macos/mobile-android?tab=vscode#configure-android-development</a:t>
+            </a:r>
+            <a:r>
+              <a:rPr lang="en-GB" dirty="0">
+                <a:ea typeface="Palatino" pitchFamily="2" charset="77"/>
+              </a:rPr>
+              <a:t> </a:t>
+            </a:r>
+          </a:p>
+          <a:p>
+            <a:pPr marL="457200" indent="-457200">
+              <a:buFont typeface="+mj-lt"/>
+              <a:buAutoNum type="arabicPeriod"/>
+            </a:pPr>
+            <a:endParaRPr lang="en-GB" dirty="0">
+              <a:ea typeface="Palatino" pitchFamily="2" charset="77"/>
+            </a:endParaRPr>
+          </a:p>
+          <a:p>
+            <a:pPr marL="457200" indent="-457200">
+              <a:buFont typeface="+mj-lt"/>
+              <a:buAutoNum type="arabicPeriod"/>
+            </a:pPr>
+            <a:r>
+              <a:rPr lang="en-GB" dirty="0">
+                <a:ea typeface="Palatino" pitchFamily="2" charset="77"/>
+              </a:rPr>
+              <a:t>Follow the instructions from section ”Configure Android development” to the end </a:t>
+            </a:r>
+          </a:p>
+        </p:txBody>
+      </p:sp>
+      <p:sp>
+        <p:nvSpPr>
+          <p:cNvPr id="4" name="Slide Number Placeholder 3">
+            <a:extLst>
+              <a:ext uri="{FF2B5EF4-FFF2-40B4-BE49-F238E27FC236}">
+                <a16:creationId xmlns:a16="http://schemas.microsoft.com/office/drawing/2014/main" id="{ED05C487-70B4-174B-A325-CCA9C11792FF}"/>
+              </a:ext>
+            </a:extLst>
+          </p:cNvPr>
+          <p:cNvSpPr>
+            <a:spLocks noGrp="1"/>
+          </p:cNvSpPr>
+          <p:nvPr>
+            <p:ph type="sldNum" sz="quarter" idx="12"/>
+          </p:nvPr>
+        </p:nvSpPr>
+        <p:spPr/>
+        <p:txBody>
+          <a:bodyPr/>
+          <a:lstStyle/>
+          <a:p>
+            <a:fld id="{31DE2C5B-556E-47B8-A792-024C2FCA4ACC}" type="slidenum">
+              <a:rPr lang="en-GB" smtClean="0"/>
+              <a:t>14</a:t>
+            </a:fld>
+            <a:endParaRPr lang="en-GB"/>
+          </a:p>
+        </p:txBody>
+      </p:sp>
+      <p:pic>
+        <p:nvPicPr>
+          <p:cNvPr id="7" name="Picture 6">
+            <a:extLst>
+              <a:ext uri="{FF2B5EF4-FFF2-40B4-BE49-F238E27FC236}">
+                <a16:creationId xmlns:a16="http://schemas.microsoft.com/office/drawing/2014/main" id="{74F8412E-AD7D-F440-B9DC-40A7E6798B6B}"/>
+              </a:ext>
+            </a:extLst>
+          </p:cNvPr>
+          <p:cNvPicPr>
+            <a:picLocks noChangeAspect="1"/>
+          </p:cNvPicPr>
+          <p:nvPr/>
+        </p:nvPicPr>
+        <p:blipFill>
+          <a:blip r:embed="rId4"/>
+          <a:stretch>
+            <a:fillRect/>
+          </a:stretch>
+        </p:blipFill>
+        <p:spPr>
+          <a:xfrm>
+            <a:off x="9071545" y="4110719"/>
+            <a:ext cx="2017002" cy="2017002"/>
+          </a:xfrm>
+          <a:prstGeom prst="rect">
+            <a:avLst/>
+          </a:prstGeom>
+        </p:spPr>
+      </p:pic>
+    </p:spTree>
+    <p:extLst>
+      <p:ext uri="{BB962C8B-B14F-4D97-AF65-F5344CB8AC3E}">
+        <p14:creationId xmlns:p14="http://schemas.microsoft.com/office/powerpoint/2010/main" val="1572030255"/>
+      </p:ext>
+    </p:extLst>
+  </p:cSld>
+  <p:clrMapOvr>
+    <a:masterClrMapping/>
+  </p:clrMapOvr>
+</p:sld>
+</file>
+
+<file path=ppt/slides/slide15.xml><?xml version="1.0" encoding="utf-8"?>
+<p:sld xmlns:a="http://schemas.openxmlformats.org/drawingml/2006/main" xmlns:r="http://schemas.openxmlformats.org/officeDocument/2006/relationships" xmlns:p="http://schemas.openxmlformats.org/presentationml/2006/main">
+  <p:cSld>
+    <p:spTree>
+      <p:nvGrpSpPr>
+        <p:cNvPr id="1" name=""/>
+        <p:cNvGrpSpPr/>
+        <p:nvPr/>
+      </p:nvGrpSpPr>
+      <p:grpSpPr>
+        <a:xfrm>
+          <a:off x="0" y="0"/>
+          <a:ext cx="0" cy="0"/>
+          <a:chOff x="0" y="0"/>
+          <a:chExt cx="0" cy="0"/>
+        </a:xfrm>
+      </p:grpSpPr>
+      <p:sp>
+        <p:nvSpPr>
+          <p:cNvPr id="2" name="Title 1">
+            <a:extLst>
+              <a:ext uri="{FF2B5EF4-FFF2-40B4-BE49-F238E27FC236}">
+                <a16:creationId xmlns:a16="http://schemas.microsoft.com/office/drawing/2014/main" id="{DCEB9E4F-F82C-A64F-809D-B943BB0A7B79}"/>
+              </a:ext>
+            </a:extLst>
+          </p:cNvPr>
+          <p:cNvSpPr>
+            <a:spLocks noGrp="1"/>
+          </p:cNvSpPr>
+          <p:nvPr>
+            <p:ph type="title"/>
+          </p:nvPr>
+        </p:nvSpPr>
+        <p:spPr/>
+        <p:txBody>
+          <a:bodyPr/>
+          <a:lstStyle/>
+          <a:p>
+            <a:r>
+              <a:rPr lang="en-US" dirty="0"/>
+              <a:t>(Windows) 1. Git</a:t>
+            </a:r>
+            <a:endParaRPr lang="en-IT" dirty="0"/>
+          </a:p>
+        </p:txBody>
+      </p:sp>
+      <p:sp>
+        <p:nvSpPr>
+          <p:cNvPr id="3" name="Content Placeholder 2">
+            <a:extLst>
+              <a:ext uri="{FF2B5EF4-FFF2-40B4-BE49-F238E27FC236}">
+                <a16:creationId xmlns:a16="http://schemas.microsoft.com/office/drawing/2014/main" id="{07EEA99A-73A7-F949-9D8F-EEED9045B6FA}"/>
+              </a:ext>
+            </a:extLst>
+          </p:cNvPr>
+          <p:cNvSpPr>
+            <a:spLocks noGrp="1"/>
+          </p:cNvSpPr>
+          <p:nvPr>
+            <p:ph sz="half" idx="1"/>
+          </p:nvPr>
+        </p:nvSpPr>
+        <p:spPr>
+          <a:xfrm>
+            <a:off x="869066" y="2297998"/>
+            <a:ext cx="6741311" cy="2262004"/>
+          </a:xfrm>
+        </p:spPr>
+        <p:txBody>
+          <a:bodyPr>
+            <a:normAutofit/>
+          </a:bodyPr>
+          <a:lstStyle/>
+          <a:p>
+            <a:pPr marL="457200" indent="-457200">
+              <a:buFont typeface="+mj-lt"/>
+              <a:buAutoNum type="arabicPeriod"/>
+            </a:pPr>
+            <a:r>
+              <a:rPr lang="en-GB" dirty="0">
+                <a:ea typeface="Palatino" pitchFamily="2" charset="77"/>
+              </a:rPr>
+              <a:t>Simply go to </a:t>
+            </a:r>
+            <a:r>
+              <a:rPr lang="en-GB" dirty="0">
+                <a:ea typeface="Palatino" pitchFamily="2" charset="77"/>
+                <a:hlinkClick r:id="rId2"/>
+              </a:rPr>
+              <a:t>https://gitforwindows.org/</a:t>
+            </a:r>
+            <a:r>
+              <a:rPr lang="en-GB" dirty="0">
+                <a:ea typeface="Palatino" pitchFamily="2" charset="77"/>
+              </a:rPr>
+              <a:t>, download Git SCM and install it</a:t>
+            </a:r>
+          </a:p>
+        </p:txBody>
+      </p:sp>
+      <p:sp>
+        <p:nvSpPr>
+          <p:cNvPr id="4" name="Slide Number Placeholder 3">
+            <a:extLst>
+              <a:ext uri="{FF2B5EF4-FFF2-40B4-BE49-F238E27FC236}">
+                <a16:creationId xmlns:a16="http://schemas.microsoft.com/office/drawing/2014/main" id="{ED05C487-70B4-174B-A325-CCA9C11792FF}"/>
+              </a:ext>
+            </a:extLst>
+          </p:cNvPr>
+          <p:cNvSpPr>
+            <a:spLocks noGrp="1"/>
+          </p:cNvSpPr>
+          <p:nvPr>
+            <p:ph type="sldNum" sz="quarter" idx="12"/>
+          </p:nvPr>
+        </p:nvSpPr>
+        <p:spPr/>
+        <p:txBody>
+          <a:bodyPr/>
+          <a:lstStyle/>
+          <a:p>
+            <a:fld id="{31DE2C5B-556E-47B8-A792-024C2FCA4ACC}" type="slidenum">
+              <a:rPr lang="en-GB" smtClean="0"/>
+              <a:t>15</a:t>
+            </a:fld>
+            <a:endParaRPr lang="en-GB"/>
+          </a:p>
+        </p:txBody>
+      </p:sp>
+      <p:pic>
+        <p:nvPicPr>
+          <p:cNvPr id="7" name="Picture 6">
+            <a:extLst>
+              <a:ext uri="{FF2B5EF4-FFF2-40B4-BE49-F238E27FC236}">
+                <a16:creationId xmlns:a16="http://schemas.microsoft.com/office/drawing/2014/main" id="{22046E69-92D6-6117-B895-BB48B16828E1}"/>
+              </a:ext>
+            </a:extLst>
+          </p:cNvPr>
+          <p:cNvPicPr>
+            <a:picLocks noChangeAspect="1"/>
+          </p:cNvPicPr>
+          <p:nvPr/>
+        </p:nvPicPr>
+        <p:blipFill>
+          <a:blip r:embed="rId3"/>
+          <a:stretch>
+            <a:fillRect/>
+          </a:stretch>
+        </p:blipFill>
+        <p:spPr>
+          <a:xfrm>
+            <a:off x="8858893" y="1359808"/>
+            <a:ext cx="2356011" cy="2356011"/>
+          </a:xfrm>
+          <a:prstGeom prst="rect">
+            <a:avLst/>
+          </a:prstGeom>
+        </p:spPr>
+      </p:pic>
+    </p:spTree>
+    <p:extLst>
+      <p:ext uri="{BB962C8B-B14F-4D97-AF65-F5344CB8AC3E}">
+        <p14:creationId xmlns:p14="http://schemas.microsoft.com/office/powerpoint/2010/main" val="1229525101"/>
+      </p:ext>
+    </p:extLst>
+  </p:cSld>
+  <p:clrMapOvr>
+    <a:masterClrMapping/>
+  </p:clrMapOvr>
+</p:sld>
+</file>
+
+<file path=ppt/slides/slide16.xml><?xml version="1.0" encoding="utf-8"?>
+<p:sld xmlns:a="http://schemas.openxmlformats.org/drawingml/2006/main" xmlns:r="http://schemas.openxmlformats.org/officeDocument/2006/relationships" xmlns:p="http://schemas.openxmlformats.org/presentationml/2006/main">
+  <p:cSld>
+    <p:spTree>
+      <p:nvGrpSpPr>
+        <p:cNvPr id="1" name=""/>
+        <p:cNvGrpSpPr/>
+        <p:nvPr/>
+      </p:nvGrpSpPr>
+      <p:grpSpPr>
+        <a:xfrm>
+          <a:off x="0" y="0"/>
+          <a:ext cx="0" cy="0"/>
+          <a:chOff x="0" y="0"/>
+          <a:chExt cx="0" cy="0"/>
+        </a:xfrm>
+      </p:grpSpPr>
+      <p:sp>
+        <p:nvSpPr>
+          <p:cNvPr id="2" name="Title 1">
+            <a:extLst>
+              <a:ext uri="{FF2B5EF4-FFF2-40B4-BE49-F238E27FC236}">
+                <a16:creationId xmlns:a16="http://schemas.microsoft.com/office/drawing/2014/main" id="{DCEB9E4F-F82C-A64F-809D-B943BB0A7B79}"/>
+              </a:ext>
+            </a:extLst>
+          </p:cNvPr>
+          <p:cNvSpPr>
+            <a:spLocks noGrp="1"/>
+          </p:cNvSpPr>
+          <p:nvPr>
+            <p:ph type="title"/>
+          </p:nvPr>
+        </p:nvSpPr>
+        <p:spPr/>
+        <p:txBody>
+          <a:bodyPr/>
+          <a:lstStyle/>
+          <a:p>
+            <a:r>
+              <a:rPr lang="en-US" dirty="0"/>
+              <a:t>(Windows) 2. VS Code</a:t>
+            </a:r>
+            <a:endParaRPr lang="en-IT" dirty="0"/>
+          </a:p>
+        </p:txBody>
+      </p:sp>
+      <p:sp>
+        <p:nvSpPr>
+          <p:cNvPr id="3" name="Content Placeholder 2">
+            <a:extLst>
+              <a:ext uri="{FF2B5EF4-FFF2-40B4-BE49-F238E27FC236}">
+                <a16:creationId xmlns:a16="http://schemas.microsoft.com/office/drawing/2014/main" id="{07EEA99A-73A7-F949-9D8F-EEED9045B6FA}"/>
+              </a:ext>
+            </a:extLst>
+          </p:cNvPr>
+          <p:cNvSpPr>
+            <a:spLocks noGrp="1"/>
+          </p:cNvSpPr>
+          <p:nvPr>
+            <p:ph sz="half" idx="1"/>
+          </p:nvPr>
+        </p:nvSpPr>
+        <p:spPr>
+          <a:xfrm>
+            <a:off x="428172" y="1364342"/>
+            <a:ext cx="10081642" cy="2918291"/>
+          </a:xfrm>
+        </p:spPr>
+        <p:txBody>
+          <a:bodyPr>
+            <a:normAutofit/>
+          </a:bodyPr>
+          <a:lstStyle/>
+          <a:p>
+            <a:pPr marL="457200" indent="-457200">
+              <a:buFont typeface="+mj-lt"/>
+              <a:buAutoNum type="arabicPeriod"/>
+            </a:pPr>
+            <a:r>
+              <a:rPr lang="en-GB" dirty="0">
+                <a:ea typeface="Palatino" pitchFamily="2" charset="77"/>
+              </a:rPr>
+              <a:t>Install VS Code</a:t>
+            </a:r>
+          </a:p>
+          <a:p>
+            <a:pPr lvl="2"/>
+            <a:r>
+              <a:rPr lang="en-IT">
+                <a:ea typeface="Palatino" pitchFamily="2" charset="77"/>
+              </a:rPr>
+              <a:t>Go to &gt; </a:t>
+            </a:r>
+            <a:r>
+              <a:rPr lang="en-GB" dirty="0">
+                <a:ea typeface="Palatino" pitchFamily="2" charset="77"/>
+                <a:hlinkClick r:id="rId2"/>
+              </a:rPr>
+              <a:t>https://code.visualstudio.com/</a:t>
+            </a:r>
+            <a:r>
+              <a:rPr lang="en-GB" dirty="0">
+                <a:ea typeface="Palatino" pitchFamily="2" charset="77"/>
+              </a:rPr>
+              <a:t> </a:t>
+            </a:r>
+          </a:p>
+          <a:p>
+            <a:pPr lvl="2"/>
+            <a:r>
+              <a:rPr lang="en-GB" dirty="0">
+                <a:ea typeface="Palatino" pitchFamily="2" charset="77"/>
+              </a:rPr>
+              <a:t>Download and install VS Code</a:t>
+            </a:r>
+          </a:p>
+          <a:p>
+            <a:pPr marL="457200" indent="-457200">
+              <a:buFont typeface="+mj-lt"/>
+              <a:buAutoNum type="arabicPeriod"/>
+            </a:pPr>
+            <a:r>
+              <a:rPr lang="en-GB" dirty="0">
+                <a:ea typeface="Palatino" pitchFamily="2" charset="77"/>
+              </a:rPr>
+              <a:t>Add the Flutter extension for VS Code</a:t>
+            </a:r>
+          </a:p>
+          <a:p>
+            <a:pPr lvl="2"/>
+            <a:r>
+              <a:rPr lang="en-GB" dirty="0">
+                <a:ea typeface="Palatino" pitchFamily="2" charset="77"/>
+              </a:rPr>
+              <a:t>Open VS Code</a:t>
+            </a:r>
+          </a:p>
+          <a:p>
+            <a:pPr lvl="2"/>
+            <a:r>
+              <a:rPr lang="en-GB" dirty="0">
+                <a:ea typeface="Palatino" pitchFamily="2" charset="77"/>
+              </a:rPr>
+              <a:t>Go to the Extension tab</a:t>
+            </a:r>
+          </a:p>
+          <a:p>
+            <a:pPr lvl="2"/>
+            <a:r>
+              <a:rPr lang="en-GB" dirty="0">
+                <a:ea typeface="Palatino" pitchFamily="2" charset="77"/>
+              </a:rPr>
+              <a:t>Type ‘Flutter’ in the search bar</a:t>
+            </a:r>
+          </a:p>
+          <a:p>
+            <a:pPr lvl="2"/>
+            <a:r>
+              <a:rPr lang="en-GB" dirty="0">
+                <a:ea typeface="Palatino" pitchFamily="2" charset="77"/>
+              </a:rPr>
+              <a:t>Install the first entry of the search results</a:t>
+            </a:r>
+          </a:p>
+        </p:txBody>
+      </p:sp>
+      <p:sp>
+        <p:nvSpPr>
+          <p:cNvPr id="4" name="Slide Number Placeholder 3">
+            <a:extLst>
+              <a:ext uri="{FF2B5EF4-FFF2-40B4-BE49-F238E27FC236}">
+                <a16:creationId xmlns:a16="http://schemas.microsoft.com/office/drawing/2014/main" id="{ED05C487-70B4-174B-A325-CCA9C11792FF}"/>
+              </a:ext>
+            </a:extLst>
+          </p:cNvPr>
+          <p:cNvSpPr>
+            <a:spLocks noGrp="1"/>
+          </p:cNvSpPr>
+          <p:nvPr>
+            <p:ph type="sldNum" sz="quarter" idx="12"/>
+          </p:nvPr>
+        </p:nvSpPr>
+        <p:spPr/>
+        <p:txBody>
+          <a:bodyPr/>
+          <a:lstStyle/>
+          <a:p>
+            <a:fld id="{31DE2C5B-556E-47B8-A792-024C2FCA4ACC}" type="slidenum">
+              <a:rPr lang="en-GB" smtClean="0"/>
+              <a:t>16</a:t>
+            </a:fld>
+            <a:endParaRPr lang="en-GB"/>
+          </a:p>
+        </p:txBody>
+      </p:sp>
+      <p:pic>
+        <p:nvPicPr>
+          <p:cNvPr id="7" name="Picture 6">
+            <a:extLst>
+              <a:ext uri="{FF2B5EF4-FFF2-40B4-BE49-F238E27FC236}">
+                <a16:creationId xmlns:a16="http://schemas.microsoft.com/office/drawing/2014/main" id="{D3154CEC-A7C0-6B47-6F81-A6FD96F831F4}"/>
+              </a:ext>
+            </a:extLst>
+          </p:cNvPr>
+          <p:cNvPicPr>
+            <a:picLocks noChangeAspect="1"/>
+          </p:cNvPicPr>
+          <p:nvPr/>
+        </p:nvPicPr>
+        <p:blipFill>
+          <a:blip r:embed="rId3"/>
+          <a:stretch>
+            <a:fillRect/>
+          </a:stretch>
+        </p:blipFill>
+        <p:spPr>
+          <a:xfrm>
+            <a:off x="9549113" y="1364342"/>
+            <a:ext cx="1856423" cy="1856423"/>
+          </a:xfrm>
+          <a:prstGeom prst="rect">
+            <a:avLst/>
+          </a:prstGeom>
+        </p:spPr>
+      </p:pic>
+      <p:pic>
+        <p:nvPicPr>
+          <p:cNvPr id="11" name="Picture 10">
+            <a:extLst>
+              <a:ext uri="{FF2B5EF4-FFF2-40B4-BE49-F238E27FC236}">
+                <a16:creationId xmlns:a16="http://schemas.microsoft.com/office/drawing/2014/main" id="{0F483C62-9A8A-EF91-F587-D0C03232ACB5}"/>
+              </a:ext>
+            </a:extLst>
+          </p:cNvPr>
+          <p:cNvPicPr>
+            <a:picLocks noChangeAspect="1"/>
+          </p:cNvPicPr>
+          <p:nvPr/>
+        </p:nvPicPr>
+        <p:blipFill>
+          <a:blip r:embed="rId4">
+            <a:extLst>
+              <a:ext uri="{28A0092B-C50C-407E-A947-70E740481C1C}">
+                <a14:useLocalDpi xmlns:a14="http://schemas.microsoft.com/office/drawing/2010/main" val="0"/>
+              </a:ext>
+            </a:extLst>
+          </a:blip>
+          <a:stretch>
+            <a:fillRect/>
+          </a:stretch>
+        </p:blipFill>
+        <p:spPr>
+          <a:xfrm>
+            <a:off x="2436947" y="4333059"/>
+            <a:ext cx="7619048" cy="2388416"/>
+          </a:xfrm>
+          <a:prstGeom prst="rect">
+            <a:avLst/>
+          </a:prstGeom>
+        </p:spPr>
+      </p:pic>
+      <p:sp>
+        <p:nvSpPr>
+          <p:cNvPr id="12" name="Content Placeholder 2">
+            <a:extLst>
+              <a:ext uri="{FF2B5EF4-FFF2-40B4-BE49-F238E27FC236}">
+                <a16:creationId xmlns:a16="http://schemas.microsoft.com/office/drawing/2014/main" id="{9CC96257-2836-4EBE-C0F9-03585B585F6D}"/>
+              </a:ext>
+            </a:extLst>
+          </p:cNvPr>
+          <p:cNvSpPr txBox="1">
+            <a:spLocks/>
+          </p:cNvSpPr>
+          <p:nvPr/>
+        </p:nvSpPr>
+        <p:spPr>
+          <a:xfrm>
+            <a:off x="0" y="6215279"/>
+            <a:ext cx="2266800" cy="2059835"/>
+          </a:xfrm>
+          <a:prstGeom prst="rect">
+            <a:avLst/>
+          </a:prstGeom>
+        </p:spPr>
+        <p:txBody>
+          <a:bodyPr vert="horz" lIns="91440" tIns="45720" rIns="91440" bIns="45720" rtlCol="0">
+            <a:normAutofit/>
+          </a:bodyPr>
+          <a:lstStyle>
+            <a:lvl1pPr marL="342900" indent="-342900" algn="l" defTabSz="914400" rtl="0" eaLnBrk="1" latinLnBrk="0" hangingPunct="1">
+              <a:lnSpc>
+                <a:spcPct val="90000"/>
+              </a:lnSpc>
+              <a:spcBef>
+                <a:spcPts val="1000"/>
+              </a:spcBef>
+              <a:buClr>
+                <a:srgbClr val="00B050"/>
+              </a:buClr>
+              <a:buFont typeface="Wingdings" panose="05000000000000000000" pitchFamily="2" charset="2"/>
+              <a:buChar char="Ø"/>
+              <a:defRPr sz="2400" kern="1200">
+                <a:solidFill>
+                  <a:schemeClr val="tx1"/>
+                </a:solidFill>
+                <a:latin typeface="Palatino Linotype" panose="02040502050505030304" pitchFamily="18" charset="0"/>
+                <a:ea typeface="+mn-ea"/>
+                <a:cs typeface="+mn-cs"/>
+              </a:defRPr>
+            </a:lvl1pPr>
+            <a:lvl2pPr marL="685800" indent="-228600" algn="l" defTabSz="914400" rtl="0" eaLnBrk="1" latinLnBrk="0" hangingPunct="1">
+              <a:lnSpc>
+                <a:spcPct val="90000"/>
+              </a:lnSpc>
+              <a:spcBef>
+                <a:spcPts val="500"/>
+              </a:spcBef>
+              <a:buClr>
+                <a:srgbClr val="00B050"/>
+              </a:buClr>
+              <a:buFont typeface="Wingdings" panose="05000000000000000000" pitchFamily="2" charset="2"/>
+              <a:buChar char="§"/>
+              <a:defRPr sz="2000" kern="1200">
+                <a:solidFill>
+                  <a:schemeClr val="tx1"/>
+                </a:solidFill>
+                <a:latin typeface="Palatino Linotype" panose="02040502050505030304" pitchFamily="18" charset="0"/>
+                <a:ea typeface="+mn-ea"/>
+                <a:cs typeface="+mn-cs"/>
+              </a:defRPr>
+            </a:lvl2pPr>
+            <a:lvl3pPr marL="1143000" indent="-228600" algn="l" defTabSz="914400" rtl="0" eaLnBrk="1" latinLnBrk="0" hangingPunct="1">
+              <a:lnSpc>
+                <a:spcPct val="90000"/>
+              </a:lnSpc>
+              <a:spcBef>
+                <a:spcPts val="500"/>
+              </a:spcBef>
+              <a:buClr>
+                <a:srgbClr val="00B050"/>
+              </a:buClr>
+              <a:buFont typeface="Arial" panose="020B0604020202020204" pitchFamily="34" charset="0"/>
+              <a:buChar char="•"/>
+              <a:defRPr sz="1800" kern="1200">
+                <a:solidFill>
+                  <a:schemeClr val="tx1"/>
+                </a:solidFill>
+                <a:latin typeface="Palatino Linotype" panose="02040502050505030304" pitchFamily="18" charset="0"/>
+                <a:ea typeface="+mn-ea"/>
+                <a:cs typeface="+mn-cs"/>
+              </a:defRPr>
+            </a:lvl3pPr>
+            <a:lvl4pPr marL="1600200" indent="-228600" algn="l" defTabSz="914400" rtl="0" eaLnBrk="1" latinLnBrk="0" hangingPunct="1">
+              <a:lnSpc>
+                <a:spcPct val="90000"/>
+              </a:lnSpc>
+              <a:spcBef>
+                <a:spcPts val="500"/>
+              </a:spcBef>
+              <a:buClr>
+                <a:srgbClr val="00B050"/>
+              </a:buClr>
+              <a:buFont typeface="Courier New" panose="02070309020205020404" pitchFamily="49" charset="0"/>
+              <a:buChar char="o"/>
+              <a:defRPr sz="1600" kern="1200">
+                <a:solidFill>
+                  <a:schemeClr val="tx1"/>
+                </a:solidFill>
+                <a:latin typeface="Palatino Linotype" panose="02040502050505030304" pitchFamily="18" charset="0"/>
+                <a:ea typeface="+mn-ea"/>
+                <a:cs typeface="+mn-cs"/>
+              </a:defRPr>
+            </a:lvl4pPr>
+            <a:lvl5pPr marL="2057400" indent="-228600" algn="l" defTabSz="914400" rtl="0" eaLnBrk="1" latinLnBrk="0" hangingPunct="1">
+              <a:lnSpc>
+                <a:spcPct val="90000"/>
+              </a:lnSpc>
+              <a:spcBef>
+                <a:spcPts val="500"/>
+              </a:spcBef>
+              <a:buClr>
+                <a:srgbClr val="00B050"/>
+              </a:buClr>
+              <a:buFont typeface="Times New Roman" panose="02020603050405020304" pitchFamily="18" charset="0"/>
+              <a:buChar char="̶"/>
+              <a:defRPr sz="1600" kern="1200">
+                <a:solidFill>
+                  <a:schemeClr val="tx1"/>
+                </a:solidFill>
+                <a:latin typeface="Palatino Linotype" panose="02040502050505030304" pitchFamily="18" charset="0"/>
+                <a:ea typeface="+mn-ea"/>
+                <a:cs typeface="+mn-cs"/>
+              </a:defRPr>
+            </a:lvl5pPr>
+            <a:lvl6pPr marL="2514600" indent="-228600" algn="l" defTabSz="914400" rtl="0" eaLnBrk="1" latinLnBrk="0" hangingPunct="1">
+              <a:lnSpc>
+                <a:spcPct val="90000"/>
+              </a:lnSpc>
+              <a:spcBef>
+                <a:spcPts val="500"/>
+              </a:spcBef>
+              <a:buFont typeface="Arial" panose="020B0604020202020204" pitchFamily="34" charset="0"/>
+              <a:buChar char="•"/>
+              <a:defRPr sz="1800" kern="1200">
+                <a:solidFill>
+                  <a:schemeClr val="tx1"/>
+                </a:solidFill>
+                <a:latin typeface="+mn-lt"/>
+                <a:ea typeface="+mn-ea"/>
+                <a:cs typeface="+mn-cs"/>
+              </a:defRPr>
+            </a:lvl6pPr>
+            <a:lvl7pPr marL="2971800" indent="-228600" algn="l" defTabSz="914400" rtl="0" eaLnBrk="1" latinLnBrk="0" hangingPunct="1">
+              <a:lnSpc>
+                <a:spcPct val="90000"/>
+              </a:lnSpc>
+              <a:spcBef>
+                <a:spcPts val="500"/>
+              </a:spcBef>
+              <a:buFont typeface="Arial" panose="020B0604020202020204" pitchFamily="34" charset="0"/>
+              <a:buChar char="•"/>
+              <a:defRPr sz="1800" kern="1200">
+                <a:solidFill>
+                  <a:schemeClr val="tx1"/>
+                </a:solidFill>
+                <a:latin typeface="+mn-lt"/>
+                <a:ea typeface="+mn-ea"/>
+                <a:cs typeface="+mn-cs"/>
+              </a:defRPr>
+            </a:lvl7pPr>
+            <a:lvl8pPr marL="3429000" indent="-228600" algn="l" defTabSz="914400" rtl="0" eaLnBrk="1" latinLnBrk="0" hangingPunct="1">
+              <a:lnSpc>
+                <a:spcPct val="90000"/>
+              </a:lnSpc>
+              <a:spcBef>
+                <a:spcPts val="500"/>
+              </a:spcBef>
+              <a:buFont typeface="Arial" panose="020B0604020202020204" pitchFamily="34" charset="0"/>
+              <a:buChar char="•"/>
+              <a:defRPr sz="1800" kern="1200">
+                <a:solidFill>
+                  <a:schemeClr val="tx1"/>
+                </a:solidFill>
+                <a:latin typeface="+mn-lt"/>
+                <a:ea typeface="+mn-ea"/>
+                <a:cs typeface="+mn-cs"/>
+              </a:defRPr>
+            </a:lvl8pPr>
+            <a:lvl9pPr marL="3886200" indent="-228600" algn="l" defTabSz="914400" rtl="0" eaLnBrk="1" latinLnBrk="0" hangingPunct="1">
+              <a:lnSpc>
+                <a:spcPct val="90000"/>
+              </a:lnSpc>
+              <a:spcBef>
+                <a:spcPts val="500"/>
+              </a:spcBef>
+              <a:buFont typeface="Arial" panose="020B0604020202020204" pitchFamily="34" charset="0"/>
+              <a:buChar char="•"/>
+              <a:defRPr sz="1800" kern="1200">
+                <a:solidFill>
+                  <a:schemeClr val="tx1"/>
+                </a:solidFill>
+                <a:latin typeface="+mn-lt"/>
+                <a:ea typeface="+mn-ea"/>
+                <a:cs typeface="+mn-cs"/>
+              </a:defRPr>
+            </a:lvl9pPr>
+          </a:lstStyle>
+          <a:p>
+            <a:pPr marL="0" indent="0">
+              <a:buNone/>
+            </a:pPr>
+            <a:r>
+              <a:rPr lang="en-GB" sz="2000" b="1" dirty="0">
+                <a:ea typeface="Palatino" pitchFamily="2" charset="77"/>
+              </a:rPr>
+              <a:t>‘Extension’ tab</a:t>
+            </a:r>
+          </a:p>
+        </p:txBody>
+      </p:sp>
+      <p:sp>
+        <p:nvSpPr>
+          <p:cNvPr id="13" name="Content Placeholder 2">
+            <a:extLst>
+              <a:ext uri="{FF2B5EF4-FFF2-40B4-BE49-F238E27FC236}">
+                <a16:creationId xmlns:a16="http://schemas.microsoft.com/office/drawing/2014/main" id="{36975EC1-6E39-55F4-3C20-26A4F003D444}"/>
+              </a:ext>
+            </a:extLst>
+          </p:cNvPr>
+          <p:cNvSpPr txBox="1">
+            <a:spLocks/>
+          </p:cNvSpPr>
+          <p:nvPr/>
+        </p:nvSpPr>
+        <p:spPr>
+          <a:xfrm>
+            <a:off x="170147" y="4798165"/>
+            <a:ext cx="2266800" cy="2059835"/>
+          </a:xfrm>
+          <a:prstGeom prst="rect">
+            <a:avLst/>
+          </a:prstGeom>
+        </p:spPr>
+        <p:txBody>
+          <a:bodyPr vert="horz" lIns="91440" tIns="45720" rIns="91440" bIns="45720" rtlCol="0">
+            <a:normAutofit/>
+          </a:bodyPr>
+          <a:lstStyle>
+            <a:lvl1pPr marL="342900" indent="-342900" algn="l" defTabSz="914400" rtl="0" eaLnBrk="1" latinLnBrk="0" hangingPunct="1">
+              <a:lnSpc>
+                <a:spcPct val="90000"/>
+              </a:lnSpc>
+              <a:spcBef>
+                <a:spcPts val="1000"/>
+              </a:spcBef>
+              <a:buClr>
+                <a:srgbClr val="00B050"/>
+              </a:buClr>
+              <a:buFont typeface="Wingdings" panose="05000000000000000000" pitchFamily="2" charset="2"/>
+              <a:buChar char="Ø"/>
+              <a:defRPr sz="2400" kern="1200">
+                <a:solidFill>
+                  <a:schemeClr val="tx1"/>
+                </a:solidFill>
+                <a:latin typeface="Palatino Linotype" panose="02040502050505030304" pitchFamily="18" charset="0"/>
+                <a:ea typeface="+mn-ea"/>
+                <a:cs typeface="+mn-cs"/>
+              </a:defRPr>
+            </a:lvl1pPr>
+            <a:lvl2pPr marL="685800" indent="-228600" algn="l" defTabSz="914400" rtl="0" eaLnBrk="1" latinLnBrk="0" hangingPunct="1">
+              <a:lnSpc>
+                <a:spcPct val="90000"/>
+              </a:lnSpc>
+              <a:spcBef>
+                <a:spcPts val="500"/>
+              </a:spcBef>
+              <a:buClr>
+                <a:srgbClr val="00B050"/>
+              </a:buClr>
+              <a:buFont typeface="Wingdings" panose="05000000000000000000" pitchFamily="2" charset="2"/>
+              <a:buChar char="§"/>
+              <a:defRPr sz="2000" kern="1200">
+                <a:solidFill>
+                  <a:schemeClr val="tx1"/>
+                </a:solidFill>
+                <a:latin typeface="Palatino Linotype" panose="02040502050505030304" pitchFamily="18" charset="0"/>
+                <a:ea typeface="+mn-ea"/>
+                <a:cs typeface="+mn-cs"/>
+              </a:defRPr>
+            </a:lvl2pPr>
+            <a:lvl3pPr marL="1143000" indent="-228600" algn="l" defTabSz="914400" rtl="0" eaLnBrk="1" latinLnBrk="0" hangingPunct="1">
+              <a:lnSpc>
+                <a:spcPct val="90000"/>
+              </a:lnSpc>
+              <a:spcBef>
+                <a:spcPts val="500"/>
+              </a:spcBef>
+              <a:buClr>
+                <a:srgbClr val="00B050"/>
+              </a:buClr>
+              <a:buFont typeface="Arial" panose="020B0604020202020204" pitchFamily="34" charset="0"/>
+              <a:buChar char="•"/>
+              <a:defRPr sz="1800" kern="1200">
+                <a:solidFill>
+                  <a:schemeClr val="tx1"/>
+                </a:solidFill>
+                <a:latin typeface="Palatino Linotype" panose="02040502050505030304" pitchFamily="18" charset="0"/>
+                <a:ea typeface="+mn-ea"/>
+                <a:cs typeface="+mn-cs"/>
+              </a:defRPr>
+            </a:lvl3pPr>
+            <a:lvl4pPr marL="1600200" indent="-228600" algn="l" defTabSz="914400" rtl="0" eaLnBrk="1" latinLnBrk="0" hangingPunct="1">
+              <a:lnSpc>
+                <a:spcPct val="90000"/>
+              </a:lnSpc>
+              <a:spcBef>
+                <a:spcPts val="500"/>
+              </a:spcBef>
+              <a:buClr>
+                <a:srgbClr val="00B050"/>
+              </a:buClr>
+              <a:buFont typeface="Courier New" panose="02070309020205020404" pitchFamily="49" charset="0"/>
+              <a:buChar char="o"/>
+              <a:defRPr sz="1600" kern="1200">
+                <a:solidFill>
+                  <a:schemeClr val="tx1"/>
+                </a:solidFill>
+                <a:latin typeface="Palatino Linotype" panose="02040502050505030304" pitchFamily="18" charset="0"/>
+                <a:ea typeface="+mn-ea"/>
+                <a:cs typeface="+mn-cs"/>
+              </a:defRPr>
+            </a:lvl4pPr>
+            <a:lvl5pPr marL="2057400" indent="-228600" algn="l" defTabSz="914400" rtl="0" eaLnBrk="1" latinLnBrk="0" hangingPunct="1">
+              <a:lnSpc>
+                <a:spcPct val="90000"/>
+              </a:lnSpc>
+              <a:spcBef>
+                <a:spcPts val="500"/>
+              </a:spcBef>
+              <a:buClr>
+                <a:srgbClr val="00B050"/>
+              </a:buClr>
+              <a:buFont typeface="Times New Roman" panose="02020603050405020304" pitchFamily="18" charset="0"/>
+              <a:buChar char="̶"/>
+              <a:defRPr sz="1600" kern="1200">
+                <a:solidFill>
+                  <a:schemeClr val="tx1"/>
+                </a:solidFill>
+                <a:latin typeface="Palatino Linotype" panose="02040502050505030304" pitchFamily="18" charset="0"/>
+                <a:ea typeface="+mn-ea"/>
+                <a:cs typeface="+mn-cs"/>
+              </a:defRPr>
+            </a:lvl5pPr>
+            <a:lvl6pPr marL="2514600" indent="-228600" algn="l" defTabSz="914400" rtl="0" eaLnBrk="1" latinLnBrk="0" hangingPunct="1">
+              <a:lnSpc>
+                <a:spcPct val="90000"/>
+              </a:lnSpc>
+              <a:spcBef>
+                <a:spcPts val="500"/>
+              </a:spcBef>
+              <a:buFont typeface="Arial" panose="020B0604020202020204" pitchFamily="34" charset="0"/>
+              <a:buChar char="•"/>
+              <a:defRPr sz="1800" kern="1200">
+                <a:solidFill>
+                  <a:schemeClr val="tx1"/>
+                </a:solidFill>
+                <a:latin typeface="+mn-lt"/>
+                <a:ea typeface="+mn-ea"/>
+                <a:cs typeface="+mn-cs"/>
+              </a:defRPr>
+            </a:lvl6pPr>
+            <a:lvl7pPr marL="2971800" indent="-228600" algn="l" defTabSz="914400" rtl="0" eaLnBrk="1" latinLnBrk="0" hangingPunct="1">
+              <a:lnSpc>
+                <a:spcPct val="90000"/>
+              </a:lnSpc>
+              <a:spcBef>
+                <a:spcPts val="500"/>
+              </a:spcBef>
+              <a:buFont typeface="Arial" panose="020B0604020202020204" pitchFamily="34" charset="0"/>
+              <a:buChar char="•"/>
+              <a:defRPr sz="1800" kern="1200">
+                <a:solidFill>
+                  <a:schemeClr val="tx1"/>
+                </a:solidFill>
+                <a:latin typeface="+mn-lt"/>
+                <a:ea typeface="+mn-ea"/>
+                <a:cs typeface="+mn-cs"/>
+              </a:defRPr>
+            </a:lvl7pPr>
+            <a:lvl8pPr marL="3429000" indent="-228600" algn="l" defTabSz="914400" rtl="0" eaLnBrk="1" latinLnBrk="0" hangingPunct="1">
+              <a:lnSpc>
+                <a:spcPct val="90000"/>
+              </a:lnSpc>
+              <a:spcBef>
+                <a:spcPts val="500"/>
+              </a:spcBef>
+              <a:buFont typeface="Arial" panose="020B0604020202020204" pitchFamily="34" charset="0"/>
+              <a:buChar char="•"/>
+              <a:defRPr sz="1800" kern="1200">
+                <a:solidFill>
+                  <a:schemeClr val="tx1"/>
+                </a:solidFill>
+                <a:latin typeface="+mn-lt"/>
+                <a:ea typeface="+mn-ea"/>
+                <a:cs typeface="+mn-cs"/>
+              </a:defRPr>
+            </a:lvl8pPr>
+            <a:lvl9pPr marL="3886200" indent="-228600" algn="l" defTabSz="914400" rtl="0" eaLnBrk="1" latinLnBrk="0" hangingPunct="1">
+              <a:lnSpc>
+                <a:spcPct val="90000"/>
+              </a:lnSpc>
+              <a:spcBef>
+                <a:spcPts val="500"/>
+              </a:spcBef>
+              <a:buFont typeface="Arial" panose="020B0604020202020204" pitchFamily="34" charset="0"/>
+              <a:buChar char="•"/>
+              <a:defRPr sz="1800" kern="1200">
+                <a:solidFill>
+                  <a:schemeClr val="tx1"/>
+                </a:solidFill>
+                <a:latin typeface="+mn-lt"/>
+                <a:ea typeface="+mn-ea"/>
+                <a:cs typeface="+mn-cs"/>
+              </a:defRPr>
+            </a:lvl9pPr>
+          </a:lstStyle>
+          <a:p>
+            <a:pPr marL="0" indent="0">
+              <a:buNone/>
+            </a:pPr>
+            <a:r>
+              <a:rPr lang="en-GB" sz="2000" b="1" dirty="0">
+                <a:ea typeface="Palatino" pitchFamily="2" charset="77"/>
+              </a:rPr>
+              <a:t>Search bar</a:t>
+            </a:r>
+          </a:p>
+        </p:txBody>
+      </p:sp>
+      <p:sp>
+        <p:nvSpPr>
+          <p:cNvPr id="14" name="Content Placeholder 2">
+            <a:extLst>
+              <a:ext uri="{FF2B5EF4-FFF2-40B4-BE49-F238E27FC236}">
+                <a16:creationId xmlns:a16="http://schemas.microsoft.com/office/drawing/2014/main" id="{FFFA161A-6240-56A7-7A3C-9ABB2C9C490E}"/>
+              </a:ext>
+            </a:extLst>
+          </p:cNvPr>
+          <p:cNvSpPr txBox="1">
+            <a:spLocks/>
+          </p:cNvSpPr>
+          <p:nvPr/>
+        </p:nvSpPr>
+        <p:spPr>
+          <a:xfrm>
+            <a:off x="6495326" y="3467432"/>
+            <a:ext cx="2266800" cy="2059835"/>
+          </a:xfrm>
+          <a:prstGeom prst="rect">
+            <a:avLst/>
+          </a:prstGeom>
+        </p:spPr>
+        <p:txBody>
+          <a:bodyPr vert="horz" lIns="91440" tIns="45720" rIns="91440" bIns="45720" rtlCol="0">
+            <a:normAutofit/>
+          </a:bodyPr>
+          <a:lstStyle>
+            <a:lvl1pPr marL="342900" indent="-342900" algn="l" defTabSz="914400" rtl="0" eaLnBrk="1" latinLnBrk="0" hangingPunct="1">
+              <a:lnSpc>
+                <a:spcPct val="90000"/>
+              </a:lnSpc>
+              <a:spcBef>
+                <a:spcPts val="1000"/>
+              </a:spcBef>
+              <a:buClr>
+                <a:srgbClr val="00B050"/>
+              </a:buClr>
+              <a:buFont typeface="Wingdings" panose="05000000000000000000" pitchFamily="2" charset="2"/>
+              <a:buChar char="Ø"/>
+              <a:defRPr sz="2400" kern="1200">
+                <a:solidFill>
+                  <a:schemeClr val="tx1"/>
+                </a:solidFill>
+                <a:latin typeface="Palatino Linotype" panose="02040502050505030304" pitchFamily="18" charset="0"/>
+                <a:ea typeface="+mn-ea"/>
+                <a:cs typeface="+mn-cs"/>
+              </a:defRPr>
+            </a:lvl1pPr>
+            <a:lvl2pPr marL="685800" indent="-228600" algn="l" defTabSz="914400" rtl="0" eaLnBrk="1" latinLnBrk="0" hangingPunct="1">
+              <a:lnSpc>
+                <a:spcPct val="90000"/>
+              </a:lnSpc>
+              <a:spcBef>
+                <a:spcPts val="500"/>
+              </a:spcBef>
+              <a:buClr>
+                <a:srgbClr val="00B050"/>
+              </a:buClr>
+              <a:buFont typeface="Wingdings" panose="05000000000000000000" pitchFamily="2" charset="2"/>
+              <a:buChar char="§"/>
+              <a:defRPr sz="2000" kern="1200">
+                <a:solidFill>
+                  <a:schemeClr val="tx1"/>
+                </a:solidFill>
+                <a:latin typeface="Palatino Linotype" panose="02040502050505030304" pitchFamily="18" charset="0"/>
+                <a:ea typeface="+mn-ea"/>
+                <a:cs typeface="+mn-cs"/>
+              </a:defRPr>
+            </a:lvl2pPr>
+            <a:lvl3pPr marL="1143000" indent="-228600" algn="l" defTabSz="914400" rtl="0" eaLnBrk="1" latinLnBrk="0" hangingPunct="1">
+              <a:lnSpc>
+                <a:spcPct val="90000"/>
+              </a:lnSpc>
+              <a:spcBef>
+                <a:spcPts val="500"/>
+              </a:spcBef>
+              <a:buClr>
+                <a:srgbClr val="00B050"/>
+              </a:buClr>
+              <a:buFont typeface="Arial" panose="020B0604020202020204" pitchFamily="34" charset="0"/>
+              <a:buChar char="•"/>
+              <a:defRPr sz="1800" kern="1200">
+                <a:solidFill>
+                  <a:schemeClr val="tx1"/>
+                </a:solidFill>
+                <a:latin typeface="Palatino Linotype" panose="02040502050505030304" pitchFamily="18" charset="0"/>
+                <a:ea typeface="+mn-ea"/>
+                <a:cs typeface="+mn-cs"/>
+              </a:defRPr>
+            </a:lvl3pPr>
+            <a:lvl4pPr marL="1600200" indent="-228600" algn="l" defTabSz="914400" rtl="0" eaLnBrk="1" latinLnBrk="0" hangingPunct="1">
+              <a:lnSpc>
+                <a:spcPct val="90000"/>
+              </a:lnSpc>
+              <a:spcBef>
+                <a:spcPts val="500"/>
+              </a:spcBef>
+              <a:buClr>
+                <a:srgbClr val="00B050"/>
+              </a:buClr>
+              <a:buFont typeface="Courier New" panose="02070309020205020404" pitchFamily="49" charset="0"/>
+              <a:buChar char="o"/>
+              <a:defRPr sz="1600" kern="1200">
+                <a:solidFill>
+                  <a:schemeClr val="tx1"/>
+                </a:solidFill>
+                <a:latin typeface="Palatino Linotype" panose="02040502050505030304" pitchFamily="18" charset="0"/>
+                <a:ea typeface="+mn-ea"/>
+                <a:cs typeface="+mn-cs"/>
+              </a:defRPr>
+            </a:lvl4pPr>
+            <a:lvl5pPr marL="2057400" indent="-228600" algn="l" defTabSz="914400" rtl="0" eaLnBrk="1" latinLnBrk="0" hangingPunct="1">
+              <a:lnSpc>
+                <a:spcPct val="90000"/>
+              </a:lnSpc>
+              <a:spcBef>
+                <a:spcPts val="500"/>
+              </a:spcBef>
+              <a:buClr>
+                <a:srgbClr val="00B050"/>
+              </a:buClr>
+              <a:buFont typeface="Times New Roman" panose="02020603050405020304" pitchFamily="18" charset="0"/>
+              <a:buChar char="̶"/>
+              <a:defRPr sz="1600" kern="1200">
+                <a:solidFill>
+                  <a:schemeClr val="tx1"/>
+                </a:solidFill>
+                <a:latin typeface="Palatino Linotype" panose="02040502050505030304" pitchFamily="18" charset="0"/>
+                <a:ea typeface="+mn-ea"/>
+                <a:cs typeface="+mn-cs"/>
+              </a:defRPr>
+            </a:lvl5pPr>
+            <a:lvl6pPr marL="2514600" indent="-228600" algn="l" defTabSz="914400" rtl="0" eaLnBrk="1" latinLnBrk="0" hangingPunct="1">
+              <a:lnSpc>
+                <a:spcPct val="90000"/>
+              </a:lnSpc>
+              <a:spcBef>
+                <a:spcPts val="500"/>
+              </a:spcBef>
+              <a:buFont typeface="Arial" panose="020B0604020202020204" pitchFamily="34" charset="0"/>
+              <a:buChar char="•"/>
+              <a:defRPr sz="1800" kern="1200">
+                <a:solidFill>
+                  <a:schemeClr val="tx1"/>
+                </a:solidFill>
+                <a:latin typeface="+mn-lt"/>
+                <a:ea typeface="+mn-ea"/>
+                <a:cs typeface="+mn-cs"/>
+              </a:defRPr>
+            </a:lvl6pPr>
+            <a:lvl7pPr marL="2971800" indent="-228600" algn="l" defTabSz="914400" rtl="0" eaLnBrk="1" latinLnBrk="0" hangingPunct="1">
+              <a:lnSpc>
+                <a:spcPct val="90000"/>
+              </a:lnSpc>
+              <a:spcBef>
+                <a:spcPts val="500"/>
+              </a:spcBef>
+              <a:buFont typeface="Arial" panose="020B0604020202020204" pitchFamily="34" charset="0"/>
+              <a:buChar char="•"/>
+              <a:defRPr sz="1800" kern="1200">
+                <a:solidFill>
+                  <a:schemeClr val="tx1"/>
+                </a:solidFill>
+                <a:latin typeface="+mn-lt"/>
+                <a:ea typeface="+mn-ea"/>
+                <a:cs typeface="+mn-cs"/>
+              </a:defRPr>
+            </a:lvl7pPr>
+            <a:lvl8pPr marL="3429000" indent="-228600" algn="l" defTabSz="914400" rtl="0" eaLnBrk="1" latinLnBrk="0" hangingPunct="1">
+              <a:lnSpc>
+                <a:spcPct val="90000"/>
+              </a:lnSpc>
+              <a:spcBef>
+                <a:spcPts val="500"/>
+              </a:spcBef>
+              <a:buFont typeface="Arial" panose="020B0604020202020204" pitchFamily="34" charset="0"/>
+              <a:buChar char="•"/>
+              <a:defRPr sz="1800" kern="1200">
+                <a:solidFill>
+                  <a:schemeClr val="tx1"/>
+                </a:solidFill>
+                <a:latin typeface="+mn-lt"/>
+                <a:ea typeface="+mn-ea"/>
+                <a:cs typeface="+mn-cs"/>
+              </a:defRPr>
+            </a:lvl8pPr>
+            <a:lvl9pPr marL="3886200" indent="-228600" algn="l" defTabSz="914400" rtl="0" eaLnBrk="1" latinLnBrk="0" hangingPunct="1">
+              <a:lnSpc>
+                <a:spcPct val="90000"/>
+              </a:lnSpc>
+              <a:spcBef>
+                <a:spcPts val="500"/>
+              </a:spcBef>
+              <a:buFont typeface="Arial" panose="020B0604020202020204" pitchFamily="34" charset="0"/>
+              <a:buChar char="•"/>
+              <a:defRPr sz="1800" kern="1200">
+                <a:solidFill>
+                  <a:schemeClr val="tx1"/>
+                </a:solidFill>
+                <a:latin typeface="+mn-lt"/>
+                <a:ea typeface="+mn-ea"/>
+                <a:cs typeface="+mn-cs"/>
+              </a:defRPr>
+            </a:lvl9pPr>
+          </a:lstStyle>
+          <a:p>
+            <a:pPr marL="0" indent="0">
+              <a:buNone/>
+            </a:pPr>
+            <a:r>
+              <a:rPr lang="en-GB" sz="2000" b="1" dirty="0">
+                <a:ea typeface="Palatino" pitchFamily="2" charset="77"/>
+              </a:rPr>
+              <a:t>Flutter extension to be installed</a:t>
+            </a:r>
+          </a:p>
+        </p:txBody>
+      </p:sp>
+      <p:cxnSp>
+        <p:nvCxnSpPr>
+          <p:cNvPr id="16" name="Straight Arrow Connector 15">
+            <a:extLst>
+              <a:ext uri="{FF2B5EF4-FFF2-40B4-BE49-F238E27FC236}">
+                <a16:creationId xmlns:a16="http://schemas.microsoft.com/office/drawing/2014/main" id="{10C47781-8E6C-1C06-A77B-F5252A6531E2}"/>
+              </a:ext>
+            </a:extLst>
+          </p:cNvPr>
+          <p:cNvCxnSpPr/>
+          <p:nvPr/>
+        </p:nvCxnSpPr>
+        <p:spPr>
+          <a:xfrm flipV="1">
+            <a:off x="1780335" y="6088284"/>
+            <a:ext cx="656612" cy="126995"/>
+          </a:xfrm>
+          <a:prstGeom prst="straightConnector1">
+            <a:avLst/>
+          </a:prstGeom>
+          <a:ln>
+            <a:tailEnd type="triangle"/>
+          </a:ln>
+        </p:spPr>
+        <p:style>
+          <a:lnRef idx="1">
+            <a:schemeClr val="accent1"/>
+          </a:lnRef>
+          <a:fillRef idx="0">
+            <a:schemeClr val="accent1"/>
+          </a:fillRef>
+          <a:effectRef idx="0">
+            <a:schemeClr val="accent1"/>
+          </a:effectRef>
+          <a:fontRef idx="minor">
+            <a:schemeClr val="tx1"/>
+          </a:fontRef>
+        </p:style>
+      </p:cxnSp>
+      <p:cxnSp>
+        <p:nvCxnSpPr>
+          <p:cNvPr id="17" name="Straight Arrow Connector 16">
+            <a:extLst>
+              <a:ext uri="{FF2B5EF4-FFF2-40B4-BE49-F238E27FC236}">
+                <a16:creationId xmlns:a16="http://schemas.microsoft.com/office/drawing/2014/main" id="{A94E09C5-E6CA-A699-133D-B2F82AE21574}"/>
+              </a:ext>
+            </a:extLst>
+          </p:cNvPr>
+          <p:cNvCxnSpPr>
+            <a:cxnSpLocks/>
+          </p:cNvCxnSpPr>
+          <p:nvPr/>
+        </p:nvCxnSpPr>
+        <p:spPr>
+          <a:xfrm flipV="1">
+            <a:off x="1608881" y="4798165"/>
+            <a:ext cx="1362635" cy="213673"/>
+          </a:xfrm>
+          <a:prstGeom prst="straightConnector1">
+            <a:avLst/>
+          </a:prstGeom>
+          <a:ln>
+            <a:tailEnd type="triangle"/>
+          </a:ln>
+        </p:spPr>
+        <p:style>
+          <a:lnRef idx="1">
+            <a:schemeClr val="accent1"/>
+          </a:lnRef>
+          <a:fillRef idx="0">
+            <a:schemeClr val="accent1"/>
+          </a:fillRef>
+          <a:effectRef idx="0">
+            <a:schemeClr val="accent1"/>
+          </a:effectRef>
+          <a:fontRef idx="minor">
+            <a:schemeClr val="tx1"/>
+          </a:fontRef>
+        </p:style>
+      </p:cxnSp>
+      <p:cxnSp>
+        <p:nvCxnSpPr>
+          <p:cNvPr id="20" name="Straight Arrow Connector 19">
+            <a:extLst>
+              <a:ext uri="{FF2B5EF4-FFF2-40B4-BE49-F238E27FC236}">
+                <a16:creationId xmlns:a16="http://schemas.microsoft.com/office/drawing/2014/main" id="{5C5814A8-304F-6B43-056C-BCBFB5A547CF}"/>
+              </a:ext>
+            </a:extLst>
+          </p:cNvPr>
+          <p:cNvCxnSpPr>
+            <a:cxnSpLocks/>
+          </p:cNvCxnSpPr>
+          <p:nvPr/>
+        </p:nvCxnSpPr>
+        <p:spPr>
+          <a:xfrm flipH="1">
+            <a:off x="4930815" y="3968457"/>
+            <a:ext cx="1564511" cy="936544"/>
+          </a:xfrm>
+          <a:prstGeom prst="straightConnector1">
+            <a:avLst/>
+          </a:prstGeom>
+          <a:ln>
+            <a:tailEnd type="triangle"/>
+          </a:ln>
+        </p:spPr>
+        <p:style>
+          <a:lnRef idx="1">
+            <a:schemeClr val="accent1"/>
+          </a:lnRef>
+          <a:fillRef idx="0">
+            <a:schemeClr val="accent1"/>
+          </a:fillRef>
+          <a:effectRef idx="0">
+            <a:schemeClr val="accent1"/>
+          </a:effectRef>
+          <a:fontRef idx="minor">
+            <a:schemeClr val="tx1"/>
+          </a:fontRef>
+        </p:style>
+      </p:cxnSp>
+    </p:spTree>
+    <p:extLst>
+      <p:ext uri="{BB962C8B-B14F-4D97-AF65-F5344CB8AC3E}">
+        <p14:creationId xmlns:p14="http://schemas.microsoft.com/office/powerpoint/2010/main" val="3915638694"/>
+      </p:ext>
+    </p:extLst>
+  </p:cSld>
+  <p:clrMapOvr>
+    <a:masterClrMapping/>
+  </p:clrMapOvr>
+</p:sld>
+</file>
+
+<file path=ppt/slides/slide17.xml><?xml version="1.0" encoding="utf-8"?>
+<p:sld xmlns:a="http://schemas.openxmlformats.org/drawingml/2006/main" xmlns:r="http://schemas.openxmlformats.org/officeDocument/2006/relationships" xmlns:p="http://schemas.openxmlformats.org/presentationml/2006/main">
+  <p:cSld>
+    <p:spTree>
+      <p:nvGrpSpPr>
+        <p:cNvPr id="1" name=""/>
+        <p:cNvGrpSpPr/>
+        <p:nvPr/>
+      </p:nvGrpSpPr>
+      <p:grpSpPr>
+        <a:xfrm>
+          <a:off x="0" y="0"/>
+          <a:ext cx="0" cy="0"/>
+          <a:chOff x="0" y="0"/>
+          <a:chExt cx="0" cy="0"/>
+        </a:xfrm>
+      </p:grpSpPr>
+      <p:sp>
+        <p:nvSpPr>
+          <p:cNvPr id="2" name="Title 1">
+            <a:extLst>
+              <a:ext uri="{FF2B5EF4-FFF2-40B4-BE49-F238E27FC236}">
+                <a16:creationId xmlns:a16="http://schemas.microsoft.com/office/drawing/2014/main" id="{DCEB9E4F-F82C-A64F-809D-B943BB0A7B79}"/>
+              </a:ext>
+            </a:extLst>
+          </p:cNvPr>
+          <p:cNvSpPr>
+            <a:spLocks noGrp="1"/>
+          </p:cNvSpPr>
+          <p:nvPr>
+            <p:ph type="title"/>
+          </p:nvPr>
+        </p:nvSpPr>
+        <p:spPr/>
+        <p:txBody>
+          <a:bodyPr/>
+          <a:lstStyle/>
+          <a:p>
+            <a:r>
+              <a:rPr lang="en-US" dirty="0"/>
+              <a:t>(Windows) 3. Flutter</a:t>
+            </a:r>
+            <a:endParaRPr lang="en-IT" dirty="0"/>
+          </a:p>
+        </p:txBody>
+      </p:sp>
+      <p:sp>
+        <p:nvSpPr>
+          <p:cNvPr id="3" name="Content Placeholder 2">
+            <a:extLst>
+              <a:ext uri="{FF2B5EF4-FFF2-40B4-BE49-F238E27FC236}">
+                <a16:creationId xmlns:a16="http://schemas.microsoft.com/office/drawing/2014/main" id="{07EEA99A-73A7-F949-9D8F-EEED9045B6FA}"/>
+              </a:ext>
+            </a:extLst>
+          </p:cNvPr>
+          <p:cNvSpPr>
+            <a:spLocks noGrp="1"/>
+          </p:cNvSpPr>
+          <p:nvPr>
+            <p:ph sz="half" idx="1"/>
+          </p:nvPr>
+        </p:nvSpPr>
+        <p:spPr>
+          <a:xfrm>
+            <a:off x="428172" y="1364342"/>
+            <a:ext cx="10081642" cy="2918291"/>
+          </a:xfrm>
+        </p:spPr>
+        <p:txBody>
+          <a:bodyPr>
+            <a:normAutofit/>
+          </a:bodyPr>
+          <a:lstStyle/>
+          <a:p>
+            <a:pPr marL="457200" indent="-457200">
+              <a:buFont typeface="+mj-lt"/>
+              <a:buAutoNum type="arabicPeriod"/>
+            </a:pPr>
+            <a:r>
+              <a:rPr lang="en-GB" dirty="0">
+                <a:ea typeface="Palatino" pitchFamily="2" charset="77"/>
+              </a:rPr>
+              <a:t>Go to </a:t>
+            </a:r>
+            <a:r>
+              <a:rPr lang="en-GB" dirty="0">
+                <a:ea typeface="Palatino" pitchFamily="2" charset="77"/>
+                <a:hlinkClick r:id="rId2"/>
+              </a:rPr>
+              <a:t>https://docs.flutter.dev/get-started/install/windows/mobile?tab=vscode#install-the-flutter-sdk</a:t>
+            </a:r>
+            <a:r>
+              <a:rPr lang="en-GB" dirty="0">
+                <a:ea typeface="Palatino" pitchFamily="2" charset="77"/>
+              </a:rPr>
+              <a:t> </a:t>
+            </a:r>
+          </a:p>
+          <a:p>
+            <a:pPr marL="457200" indent="-457200">
+              <a:buFont typeface="+mj-lt"/>
+              <a:buAutoNum type="arabicPeriod"/>
+            </a:pPr>
+            <a:r>
+              <a:rPr lang="en-GB" dirty="0">
+                <a:ea typeface="Palatino" pitchFamily="2" charset="77"/>
+              </a:rPr>
+              <a:t>Follow the instructions of section ”Install the Flutter SDK”</a:t>
+            </a:r>
+          </a:p>
+        </p:txBody>
+      </p:sp>
+      <p:sp>
+        <p:nvSpPr>
+          <p:cNvPr id="4" name="Slide Number Placeholder 3">
+            <a:extLst>
+              <a:ext uri="{FF2B5EF4-FFF2-40B4-BE49-F238E27FC236}">
+                <a16:creationId xmlns:a16="http://schemas.microsoft.com/office/drawing/2014/main" id="{ED05C487-70B4-174B-A325-CCA9C11792FF}"/>
+              </a:ext>
+            </a:extLst>
+          </p:cNvPr>
+          <p:cNvSpPr>
+            <a:spLocks noGrp="1"/>
+          </p:cNvSpPr>
+          <p:nvPr>
+            <p:ph type="sldNum" sz="quarter" idx="12"/>
+          </p:nvPr>
+        </p:nvSpPr>
+        <p:spPr/>
+        <p:txBody>
+          <a:bodyPr/>
+          <a:lstStyle/>
+          <a:p>
+            <a:fld id="{31DE2C5B-556E-47B8-A792-024C2FCA4ACC}" type="slidenum">
+              <a:rPr lang="en-GB" smtClean="0"/>
+              <a:t>17</a:t>
+            </a:fld>
+            <a:endParaRPr lang="en-GB"/>
+          </a:p>
+        </p:txBody>
+      </p:sp>
+      <p:pic>
+        <p:nvPicPr>
+          <p:cNvPr id="5" name="Picture 4">
+            <a:extLst>
+              <a:ext uri="{FF2B5EF4-FFF2-40B4-BE49-F238E27FC236}">
+                <a16:creationId xmlns:a16="http://schemas.microsoft.com/office/drawing/2014/main" id="{1D36C4E0-C4CB-8076-FD87-58FD9783CC68}"/>
+              </a:ext>
+            </a:extLst>
+          </p:cNvPr>
+          <p:cNvPicPr>
+            <a:picLocks noChangeAspect="1"/>
+          </p:cNvPicPr>
+          <p:nvPr/>
+        </p:nvPicPr>
+        <p:blipFill rotWithShape="1">
+          <a:blip r:embed="rId3"/>
+          <a:srcRect t="9990"/>
+          <a:stretch/>
+        </p:blipFill>
+        <p:spPr>
+          <a:xfrm>
+            <a:off x="7277997" y="4182849"/>
+            <a:ext cx="1971933" cy="1774940"/>
+          </a:xfrm>
+          <a:prstGeom prst="rect">
+            <a:avLst/>
+          </a:prstGeom>
+        </p:spPr>
+      </p:pic>
+      <p:pic>
+        <p:nvPicPr>
+          <p:cNvPr id="6" name="Picture 5">
+            <a:extLst>
+              <a:ext uri="{FF2B5EF4-FFF2-40B4-BE49-F238E27FC236}">
+                <a16:creationId xmlns:a16="http://schemas.microsoft.com/office/drawing/2014/main" id="{D601EA09-AC09-6ACD-60D1-F045D94F67E8}"/>
+              </a:ext>
+            </a:extLst>
+          </p:cNvPr>
+          <p:cNvPicPr>
+            <a:picLocks noChangeAspect="1"/>
+          </p:cNvPicPr>
+          <p:nvPr/>
+        </p:nvPicPr>
+        <p:blipFill>
+          <a:blip r:embed="rId4"/>
+          <a:stretch>
+            <a:fillRect/>
+          </a:stretch>
+        </p:blipFill>
+        <p:spPr>
+          <a:xfrm>
+            <a:off x="9725698" y="4302097"/>
+            <a:ext cx="1266567" cy="1266567"/>
+          </a:xfrm>
+          <a:prstGeom prst="rect">
+            <a:avLst/>
+          </a:prstGeom>
+        </p:spPr>
+      </p:pic>
+    </p:spTree>
+    <p:extLst>
+      <p:ext uri="{BB962C8B-B14F-4D97-AF65-F5344CB8AC3E}">
+        <p14:creationId xmlns:p14="http://schemas.microsoft.com/office/powerpoint/2010/main" val="1562590499"/>
+      </p:ext>
+    </p:extLst>
+  </p:cSld>
+  <p:clrMapOvr>
+    <a:masterClrMapping/>
+  </p:clrMapOvr>
+</p:sld>
+</file>
+
+<file path=ppt/slides/slide18.xml><?xml version="1.0" encoding="utf-8"?>
+<p:sld xmlns:a="http://schemas.openxmlformats.org/drawingml/2006/main" xmlns:r="http://schemas.openxmlformats.org/officeDocument/2006/relationships" xmlns:p="http://schemas.openxmlformats.org/presentationml/2006/main">
+  <p:cSld>
+    <p:spTree>
+      <p:nvGrpSpPr>
+        <p:cNvPr id="1" name=""/>
+        <p:cNvGrpSpPr/>
+        <p:nvPr/>
+      </p:nvGrpSpPr>
+      <p:grpSpPr>
+        <a:xfrm>
+          <a:off x="0" y="0"/>
+          <a:ext cx="0" cy="0"/>
+          <a:chOff x="0" y="0"/>
+          <a:chExt cx="0" cy="0"/>
+        </a:xfrm>
+      </p:grpSpPr>
+      <p:sp>
+        <p:nvSpPr>
+          <p:cNvPr id="2" name="Title 1">
+            <a:extLst>
+              <a:ext uri="{FF2B5EF4-FFF2-40B4-BE49-F238E27FC236}">
+                <a16:creationId xmlns:a16="http://schemas.microsoft.com/office/drawing/2014/main" id="{DCEB9E4F-F82C-A64F-809D-B943BB0A7B79}"/>
+              </a:ext>
+            </a:extLst>
+          </p:cNvPr>
+          <p:cNvSpPr>
+            <a:spLocks noGrp="1"/>
+          </p:cNvSpPr>
+          <p:nvPr>
+            <p:ph type="title"/>
+          </p:nvPr>
+        </p:nvSpPr>
+        <p:spPr/>
+        <p:txBody>
+          <a:bodyPr/>
+          <a:lstStyle/>
+          <a:p>
+            <a:r>
+              <a:rPr lang="en-US" dirty="0"/>
+              <a:t>(Windows) 4. Android Studio</a:t>
+            </a:r>
+            <a:endParaRPr lang="en-IT" dirty="0"/>
+          </a:p>
+        </p:txBody>
+      </p:sp>
+      <p:sp>
+        <p:nvSpPr>
+          <p:cNvPr id="3" name="Content Placeholder 2">
+            <a:extLst>
+              <a:ext uri="{FF2B5EF4-FFF2-40B4-BE49-F238E27FC236}">
+                <a16:creationId xmlns:a16="http://schemas.microsoft.com/office/drawing/2014/main" id="{07EEA99A-73A7-F949-9D8F-EEED9045B6FA}"/>
+              </a:ext>
+            </a:extLst>
+          </p:cNvPr>
+          <p:cNvSpPr>
+            <a:spLocks noGrp="1"/>
+          </p:cNvSpPr>
+          <p:nvPr>
+            <p:ph sz="half" idx="1"/>
+          </p:nvPr>
+        </p:nvSpPr>
+        <p:spPr>
+          <a:xfrm>
+            <a:off x="428172" y="1364342"/>
+            <a:ext cx="10081642" cy="2918291"/>
+          </a:xfrm>
+        </p:spPr>
+        <p:txBody>
+          <a:bodyPr>
+            <a:normAutofit/>
+          </a:bodyPr>
+          <a:lstStyle/>
+          <a:p>
+            <a:pPr marL="457200" indent="-457200">
+              <a:buFont typeface="+mj-lt"/>
+              <a:buAutoNum type="arabicPeriod"/>
+            </a:pPr>
+            <a:r>
+              <a:rPr lang="en-GB" dirty="0">
+                <a:ea typeface="Palatino" pitchFamily="2" charset="77"/>
+              </a:rPr>
+              <a:t>Go to </a:t>
+            </a:r>
+            <a:r>
+              <a:rPr lang="en-GB" dirty="0">
+                <a:ea typeface="Palatino" pitchFamily="2" charset="77"/>
+                <a:hlinkClick r:id="rId2"/>
+              </a:rPr>
+              <a:t>https://developer.android.com/studio</a:t>
+            </a:r>
+            <a:r>
+              <a:rPr lang="en-GB" dirty="0">
+                <a:ea typeface="Palatino" pitchFamily="2" charset="77"/>
+              </a:rPr>
+              <a:t>, download Android Studio and install it </a:t>
+            </a:r>
+          </a:p>
+          <a:p>
+            <a:pPr marL="457200" indent="-457200">
+              <a:buFont typeface="+mj-lt"/>
+              <a:buAutoNum type="arabicPeriod"/>
+            </a:pPr>
+            <a:r>
+              <a:rPr lang="en-GB" dirty="0">
+                <a:ea typeface="Palatino" pitchFamily="2" charset="77"/>
+              </a:rPr>
+              <a:t>Go to </a:t>
+            </a:r>
+            <a:r>
+              <a:rPr lang="en-GB" dirty="0">
+                <a:ea typeface="Palatino" pitchFamily="2" charset="77"/>
+                <a:hlinkClick r:id="rId3"/>
+              </a:rPr>
+              <a:t>https://docs.flutter.dev/get-started/install/windows/mobile?tab=vscode#configure-android-development</a:t>
+            </a:r>
+            <a:r>
+              <a:rPr lang="en-GB" dirty="0">
+                <a:ea typeface="Palatino" pitchFamily="2" charset="77"/>
+              </a:rPr>
+              <a:t> </a:t>
+            </a:r>
+          </a:p>
+          <a:p>
+            <a:pPr marL="457200" indent="-457200">
+              <a:buFont typeface="+mj-lt"/>
+              <a:buAutoNum type="arabicPeriod"/>
+            </a:pPr>
+            <a:r>
+              <a:rPr lang="en-GB" dirty="0">
+                <a:ea typeface="Palatino" pitchFamily="2" charset="77"/>
+              </a:rPr>
+              <a:t>Follow the instructions from section ”Configure Android development” to the end </a:t>
+            </a:r>
+          </a:p>
+        </p:txBody>
+      </p:sp>
+      <p:sp>
+        <p:nvSpPr>
+          <p:cNvPr id="4" name="Slide Number Placeholder 3">
+            <a:extLst>
+              <a:ext uri="{FF2B5EF4-FFF2-40B4-BE49-F238E27FC236}">
+                <a16:creationId xmlns:a16="http://schemas.microsoft.com/office/drawing/2014/main" id="{ED05C487-70B4-174B-A325-CCA9C11792FF}"/>
+              </a:ext>
+            </a:extLst>
+          </p:cNvPr>
+          <p:cNvSpPr>
+            <a:spLocks noGrp="1"/>
+          </p:cNvSpPr>
+          <p:nvPr>
+            <p:ph type="sldNum" sz="quarter" idx="12"/>
+          </p:nvPr>
+        </p:nvSpPr>
+        <p:spPr/>
+        <p:txBody>
+          <a:bodyPr/>
+          <a:lstStyle/>
+          <a:p>
+            <a:fld id="{31DE2C5B-556E-47B8-A792-024C2FCA4ACC}" type="slidenum">
+              <a:rPr lang="en-GB" smtClean="0"/>
+              <a:t>18</a:t>
+            </a:fld>
+            <a:endParaRPr lang="en-GB"/>
+          </a:p>
+        </p:txBody>
+      </p:sp>
+      <p:pic>
+        <p:nvPicPr>
+          <p:cNvPr id="7" name="Picture 6">
+            <a:extLst>
+              <a:ext uri="{FF2B5EF4-FFF2-40B4-BE49-F238E27FC236}">
+                <a16:creationId xmlns:a16="http://schemas.microsoft.com/office/drawing/2014/main" id="{74F8412E-AD7D-F440-B9DC-40A7E6798B6B}"/>
+              </a:ext>
+            </a:extLst>
+          </p:cNvPr>
+          <p:cNvPicPr>
+            <a:picLocks noChangeAspect="1"/>
+          </p:cNvPicPr>
+          <p:nvPr/>
+        </p:nvPicPr>
+        <p:blipFill>
+          <a:blip r:embed="rId4"/>
+          <a:stretch>
+            <a:fillRect/>
+          </a:stretch>
+        </p:blipFill>
+        <p:spPr>
+          <a:xfrm>
+            <a:off x="8932649" y="3971823"/>
+            <a:ext cx="2017002" cy="2017002"/>
+          </a:xfrm>
+          <a:prstGeom prst="rect">
+            <a:avLst/>
+          </a:prstGeom>
+        </p:spPr>
+      </p:pic>
+    </p:spTree>
+    <p:extLst>
+      <p:ext uri="{BB962C8B-B14F-4D97-AF65-F5344CB8AC3E}">
+        <p14:creationId xmlns:p14="http://schemas.microsoft.com/office/powerpoint/2010/main" val="4143587887"/>
+      </p:ext>
+    </p:extLst>
+  </p:cSld>
+  <p:clrMapOvr>
+    <a:masterClrMapping/>
+  </p:clrMapOvr>
+</p:sld>
+</file>
+
+<file path=ppt/slides/slide2.xml><?xml version="1.0" encoding="utf-8"?>
+<p:sld xmlns:a="http://schemas.openxmlformats.org/drawingml/2006/main" xmlns:r="http://schemas.openxmlformats.org/officeDocument/2006/relationships" xmlns:p="http://schemas.openxmlformats.org/presentationml/2006/main">
+  <p:cSld>
+    <p:spTree>
+      <p:nvGrpSpPr>
+        <p:cNvPr id="1" name=""/>
+        <p:cNvGrpSpPr/>
+        <p:nvPr/>
+      </p:nvGrpSpPr>
+      <p:grpSpPr>
+        <a:xfrm>
+          <a:off x="0" y="0"/>
+          <a:ext cx="0" cy="0"/>
+          <a:chOff x="0" y="0"/>
+          <a:chExt cx="0" cy="0"/>
+        </a:xfrm>
+      </p:grpSpPr>
+      <p:sp>
+        <p:nvSpPr>
+          <p:cNvPr id="2" name="Title 1">
+            <a:extLst>
+              <a:ext uri="{FF2B5EF4-FFF2-40B4-BE49-F238E27FC236}">
+                <a16:creationId xmlns:a16="http://schemas.microsoft.com/office/drawing/2014/main" id="{DCEB9E4F-F82C-A64F-809D-B943BB0A7B79}"/>
+              </a:ext>
+            </a:extLst>
+          </p:cNvPr>
+          <p:cNvSpPr>
+            <a:spLocks noGrp="1"/>
+          </p:cNvSpPr>
+          <p:nvPr>
+            <p:ph type="title"/>
+          </p:nvPr>
+        </p:nvSpPr>
+        <p:spPr/>
+        <p:txBody>
+          <a:bodyPr/>
+          <a:lstStyle/>
+          <a:p>
+            <a:r>
+              <a:rPr lang="en-IT" dirty="0"/>
+              <a:t>We need some tools in our belt</a:t>
+            </a:r>
+          </a:p>
+        </p:txBody>
+      </p:sp>
+      <p:sp>
+        <p:nvSpPr>
+          <p:cNvPr id="3" name="Content Placeholder 2">
+            <a:extLst>
+              <a:ext uri="{FF2B5EF4-FFF2-40B4-BE49-F238E27FC236}">
+                <a16:creationId xmlns:a16="http://schemas.microsoft.com/office/drawing/2014/main" id="{07EEA99A-73A7-F949-9D8F-EEED9045B6FA}"/>
+              </a:ext>
+            </a:extLst>
+          </p:cNvPr>
+          <p:cNvSpPr>
+            <a:spLocks noGrp="1"/>
+          </p:cNvSpPr>
+          <p:nvPr>
+            <p:ph sz="half" idx="1"/>
+          </p:nvPr>
+        </p:nvSpPr>
+        <p:spPr>
+          <a:xfrm>
+            <a:off x="447782" y="1364343"/>
+            <a:ext cx="10445774" cy="5331731"/>
+          </a:xfrm>
+        </p:spPr>
+        <p:txBody>
+          <a:bodyPr>
+            <a:normAutofit lnSpcReduction="10000"/>
+          </a:bodyPr>
+          <a:lstStyle/>
+          <a:p>
+            <a:r>
+              <a:rPr lang="en-US" dirty="0">
+                <a:ea typeface="Palatino" pitchFamily="2" charset="77"/>
+              </a:rPr>
+              <a:t>Developing mobile apps requires some tools </a:t>
+            </a:r>
+          </a:p>
+          <a:p>
+            <a:endParaRPr lang="en-US" dirty="0">
+              <a:ea typeface="Palatino" pitchFamily="2" charset="77"/>
+            </a:endParaRPr>
+          </a:p>
+          <a:p>
+            <a:r>
+              <a:rPr lang="en-US" dirty="0">
+                <a:ea typeface="Palatino" pitchFamily="2" charset="77"/>
+              </a:rPr>
+              <a:t>As programmers, we need to setup our </a:t>
+            </a:r>
+            <a:r>
+              <a:rPr lang="en-US" b="1" dirty="0">
+                <a:ea typeface="Palatino" pitchFamily="2" charset="77"/>
+              </a:rPr>
+              <a:t>development environment </a:t>
+            </a:r>
+            <a:r>
+              <a:rPr lang="en-US" dirty="0">
+                <a:ea typeface="Palatino" pitchFamily="2" charset="77"/>
+              </a:rPr>
+              <a:t>in order to be able to write code, compile it, test its </a:t>
+            </a:r>
+            <a:r>
+              <a:rPr lang="en-US" dirty="0" err="1">
+                <a:ea typeface="Palatino" pitchFamily="2" charset="77"/>
+              </a:rPr>
+              <a:t>behaviour</a:t>
+            </a:r>
+            <a:r>
+              <a:rPr lang="en-US" dirty="0">
+                <a:ea typeface="Palatino" pitchFamily="2" charset="77"/>
+              </a:rPr>
+              <a:t>, and deploy it to the final user machine (in this case, a phone).</a:t>
+            </a:r>
+          </a:p>
+          <a:p>
+            <a:endParaRPr lang="en-US" dirty="0">
+              <a:ea typeface="Palatino" pitchFamily="2" charset="77"/>
+            </a:endParaRPr>
+          </a:p>
+          <a:p>
+            <a:r>
+              <a:rPr lang="en-US" dirty="0">
+                <a:ea typeface="Palatino" pitchFamily="2" charset="77"/>
+              </a:rPr>
+              <a:t>To do so, we need to:</a:t>
+            </a:r>
+          </a:p>
+          <a:p>
+            <a:pPr lvl="1"/>
+            <a:r>
+              <a:rPr lang="en-US" dirty="0">
+                <a:ea typeface="Palatino" pitchFamily="2" charset="77"/>
+              </a:rPr>
+              <a:t>Use some software to write the actual code </a:t>
+            </a:r>
+          </a:p>
+          <a:p>
+            <a:pPr lvl="1"/>
+            <a:r>
+              <a:rPr lang="en-US" dirty="0">
+                <a:ea typeface="Palatino" pitchFamily="2" charset="77"/>
+              </a:rPr>
+              <a:t>Choose a framework and the respective programming language</a:t>
+            </a:r>
+          </a:p>
+          <a:p>
+            <a:pPr lvl="1"/>
+            <a:r>
+              <a:rPr lang="en-US" dirty="0">
+                <a:ea typeface="Palatino" pitchFamily="2" charset="77"/>
+              </a:rPr>
+              <a:t>Have specific libraries in place to support the phone operating system</a:t>
+            </a:r>
+          </a:p>
+          <a:p>
+            <a:pPr lvl="1"/>
+            <a:r>
+              <a:rPr lang="en-US" dirty="0">
+                <a:ea typeface="Palatino" pitchFamily="2" charset="77"/>
+              </a:rPr>
+              <a:t>Have some tools to be able to work as a team</a:t>
+            </a:r>
+          </a:p>
+          <a:p>
+            <a:pPr lvl="1"/>
+            <a:endParaRPr lang="en-US" dirty="0">
+              <a:ea typeface="Palatino" pitchFamily="2" charset="77"/>
+            </a:endParaRPr>
+          </a:p>
+          <a:p>
+            <a:r>
+              <a:rPr lang="en-US" dirty="0">
+                <a:ea typeface="Palatino" pitchFamily="2" charset="77"/>
+              </a:rPr>
+              <a:t>This document will give an overview of the development environment we are going to use during this course and will tell what to do to prepare it.</a:t>
+            </a:r>
+          </a:p>
+        </p:txBody>
+      </p:sp>
+      <p:sp>
+        <p:nvSpPr>
+          <p:cNvPr id="4" name="Slide Number Placeholder 3">
+            <a:extLst>
+              <a:ext uri="{FF2B5EF4-FFF2-40B4-BE49-F238E27FC236}">
+                <a16:creationId xmlns:a16="http://schemas.microsoft.com/office/drawing/2014/main" id="{0B5E6889-29AD-4846-866A-18905E298D38}"/>
+              </a:ext>
+            </a:extLst>
+          </p:cNvPr>
+          <p:cNvSpPr>
+            <a:spLocks noGrp="1"/>
+          </p:cNvSpPr>
+          <p:nvPr>
+            <p:ph type="sldNum" sz="quarter" idx="12"/>
+          </p:nvPr>
+        </p:nvSpPr>
+        <p:spPr/>
+        <p:txBody>
+          <a:bodyPr/>
+          <a:lstStyle/>
+          <a:p>
+            <a:fld id="{31DE2C5B-556E-47B8-A792-024C2FCA4ACC}" type="slidenum">
+              <a:rPr lang="en-GB" smtClean="0"/>
+              <a:t>2</a:t>
+            </a:fld>
+            <a:endParaRPr lang="en-GB"/>
+          </a:p>
+        </p:txBody>
+      </p:sp>
+    </p:spTree>
+    <p:extLst>
+      <p:ext uri="{BB962C8B-B14F-4D97-AF65-F5344CB8AC3E}">
+        <p14:creationId xmlns:p14="http://schemas.microsoft.com/office/powerpoint/2010/main" val="2584505142"/>
+      </p:ext>
+    </p:extLst>
+  </p:cSld>
+  <p:clrMapOvr>
+    <a:masterClrMapping/>
+  </p:clrMapOvr>
+</p:sld>
+</file>
+
+<file path=ppt/slides/slide3.xml><?xml version="1.0" encoding="utf-8"?>
+<p:sld xmlns:a="http://schemas.openxmlformats.org/drawingml/2006/main" xmlns:r="http://schemas.openxmlformats.org/officeDocument/2006/relationships" xmlns:p="http://schemas.openxmlformats.org/presentationml/2006/main">
+  <p:cSld>
+    <p:spTree>
+      <p:nvGrpSpPr>
+        <p:cNvPr id="1" name=""/>
+        <p:cNvGrpSpPr/>
+        <p:nvPr/>
+      </p:nvGrpSpPr>
+      <p:grpSpPr>
+        <a:xfrm>
+          <a:off x="0" y="0"/>
+          <a:ext cx="0" cy="0"/>
+          <a:chOff x="0" y="0"/>
+          <a:chExt cx="0" cy="0"/>
+        </a:xfrm>
+      </p:grpSpPr>
+      <p:pic>
+        <p:nvPicPr>
+          <p:cNvPr id="6" name="Picture 5">
+            <a:extLst>
+              <a:ext uri="{FF2B5EF4-FFF2-40B4-BE49-F238E27FC236}">
+                <a16:creationId xmlns:a16="http://schemas.microsoft.com/office/drawing/2014/main" id="{23CA0548-EDBC-7E44-9649-C54923F9F9BC}"/>
+              </a:ext>
+            </a:extLst>
+          </p:cNvPr>
+          <p:cNvPicPr>
+            <a:picLocks noChangeAspect="1"/>
+          </p:cNvPicPr>
+          <p:nvPr/>
+        </p:nvPicPr>
+        <p:blipFill rotWithShape="1">
+          <a:blip r:embed="rId2"/>
+          <a:srcRect t="9990"/>
+          <a:stretch/>
+        </p:blipFill>
+        <p:spPr>
+          <a:xfrm>
+            <a:off x="5570706" y="1158944"/>
+            <a:ext cx="1971933" cy="1774940"/>
+          </a:xfrm>
+          <a:prstGeom prst="rect">
+            <a:avLst/>
+          </a:prstGeom>
+        </p:spPr>
+      </p:pic>
+      <p:pic>
+        <p:nvPicPr>
+          <p:cNvPr id="7" name="Picture 6">
+            <a:extLst>
+              <a:ext uri="{FF2B5EF4-FFF2-40B4-BE49-F238E27FC236}">
+                <a16:creationId xmlns:a16="http://schemas.microsoft.com/office/drawing/2014/main" id="{FA867F68-0812-714C-A241-83FE46A4BC40}"/>
+              </a:ext>
+            </a:extLst>
+          </p:cNvPr>
+          <p:cNvPicPr>
+            <a:picLocks noChangeAspect="1"/>
+          </p:cNvPicPr>
+          <p:nvPr/>
+        </p:nvPicPr>
+        <p:blipFill>
+          <a:blip r:embed="rId3"/>
+          <a:stretch>
+            <a:fillRect/>
+          </a:stretch>
+        </p:blipFill>
+        <p:spPr>
+          <a:xfrm>
+            <a:off x="7812590" y="1352219"/>
+            <a:ext cx="1266567" cy="1266567"/>
+          </a:xfrm>
+          <a:prstGeom prst="rect">
+            <a:avLst/>
+          </a:prstGeom>
+        </p:spPr>
+      </p:pic>
+      <p:sp>
+        <p:nvSpPr>
+          <p:cNvPr id="11" name="Content Placeholder 2">
+            <a:extLst>
+              <a:ext uri="{FF2B5EF4-FFF2-40B4-BE49-F238E27FC236}">
+                <a16:creationId xmlns:a16="http://schemas.microsoft.com/office/drawing/2014/main" id="{3BA6FA5F-9332-BB43-B9A8-1AC6345D4616}"/>
+              </a:ext>
+            </a:extLst>
+          </p:cNvPr>
+          <p:cNvSpPr txBox="1">
+            <a:spLocks/>
+          </p:cNvSpPr>
+          <p:nvPr/>
+        </p:nvSpPr>
+        <p:spPr>
+          <a:xfrm>
+            <a:off x="5898675" y="2763986"/>
+            <a:ext cx="3669101" cy="1415618"/>
+          </a:xfrm>
+          <a:prstGeom prst="rect">
+            <a:avLst/>
+          </a:prstGeom>
+        </p:spPr>
+        <p:txBody>
+          <a:bodyPr vert="horz" lIns="91440" tIns="45720" rIns="91440" bIns="45720" rtlCol="0">
+            <a:normAutofit/>
+          </a:bodyPr>
+          <a:lstStyle>
+            <a:lvl1pPr marL="342900" indent="-342900" algn="l" defTabSz="914400" rtl="0" eaLnBrk="1" latinLnBrk="0" hangingPunct="1">
+              <a:lnSpc>
+                <a:spcPct val="90000"/>
+              </a:lnSpc>
+              <a:spcBef>
+                <a:spcPts val="1000"/>
+              </a:spcBef>
+              <a:buClr>
+                <a:srgbClr val="00B050"/>
+              </a:buClr>
+              <a:buFont typeface="Wingdings" panose="05000000000000000000" pitchFamily="2" charset="2"/>
+              <a:buChar char="Ø"/>
+              <a:defRPr sz="2400" kern="1200">
+                <a:solidFill>
+                  <a:schemeClr val="tx1"/>
+                </a:solidFill>
+                <a:latin typeface="Palatino Linotype" panose="02040502050505030304" pitchFamily="18" charset="0"/>
+                <a:ea typeface="+mn-ea"/>
+                <a:cs typeface="+mn-cs"/>
+              </a:defRPr>
+            </a:lvl1pPr>
+            <a:lvl2pPr marL="685800" indent="-228600" algn="l" defTabSz="914400" rtl="0" eaLnBrk="1" latinLnBrk="0" hangingPunct="1">
+              <a:lnSpc>
+                <a:spcPct val="90000"/>
+              </a:lnSpc>
+              <a:spcBef>
+                <a:spcPts val="500"/>
+              </a:spcBef>
+              <a:buClr>
+                <a:srgbClr val="00B050"/>
+              </a:buClr>
+              <a:buFont typeface="Wingdings" panose="05000000000000000000" pitchFamily="2" charset="2"/>
+              <a:buChar char="§"/>
+              <a:defRPr sz="2000" kern="1200">
+                <a:solidFill>
+                  <a:schemeClr val="tx1"/>
+                </a:solidFill>
+                <a:latin typeface="Palatino Linotype" panose="02040502050505030304" pitchFamily="18" charset="0"/>
+                <a:ea typeface="+mn-ea"/>
+                <a:cs typeface="+mn-cs"/>
+              </a:defRPr>
+            </a:lvl2pPr>
+            <a:lvl3pPr marL="1143000" indent="-228600" algn="l" defTabSz="914400" rtl="0" eaLnBrk="1" latinLnBrk="0" hangingPunct="1">
+              <a:lnSpc>
+                <a:spcPct val="90000"/>
+              </a:lnSpc>
+              <a:spcBef>
+                <a:spcPts val="500"/>
+              </a:spcBef>
+              <a:buClr>
+                <a:srgbClr val="00B050"/>
+              </a:buClr>
+              <a:buFont typeface="Arial" panose="020B0604020202020204" pitchFamily="34" charset="0"/>
+              <a:buChar char="•"/>
+              <a:defRPr sz="1800" kern="1200">
+                <a:solidFill>
+                  <a:schemeClr val="tx1"/>
+                </a:solidFill>
+                <a:latin typeface="Palatino Linotype" panose="02040502050505030304" pitchFamily="18" charset="0"/>
+                <a:ea typeface="+mn-ea"/>
+                <a:cs typeface="+mn-cs"/>
+              </a:defRPr>
+            </a:lvl3pPr>
+            <a:lvl4pPr marL="1600200" indent="-228600" algn="l" defTabSz="914400" rtl="0" eaLnBrk="1" latinLnBrk="0" hangingPunct="1">
+              <a:lnSpc>
+                <a:spcPct val="90000"/>
+              </a:lnSpc>
+              <a:spcBef>
+                <a:spcPts val="500"/>
+              </a:spcBef>
+              <a:buClr>
+                <a:srgbClr val="00B050"/>
+              </a:buClr>
+              <a:buFont typeface="Courier New" panose="02070309020205020404" pitchFamily="49" charset="0"/>
+              <a:buChar char="o"/>
+              <a:defRPr sz="1600" kern="1200">
+                <a:solidFill>
+                  <a:schemeClr val="tx1"/>
+                </a:solidFill>
+                <a:latin typeface="Palatino Linotype" panose="02040502050505030304" pitchFamily="18" charset="0"/>
+                <a:ea typeface="+mn-ea"/>
+                <a:cs typeface="+mn-cs"/>
+              </a:defRPr>
+            </a:lvl4pPr>
+            <a:lvl5pPr marL="2057400" indent="-228600" algn="l" defTabSz="914400" rtl="0" eaLnBrk="1" latinLnBrk="0" hangingPunct="1">
+              <a:lnSpc>
+                <a:spcPct val="90000"/>
+              </a:lnSpc>
+              <a:spcBef>
+                <a:spcPts val="500"/>
+              </a:spcBef>
+              <a:buClr>
+                <a:srgbClr val="00B050"/>
+              </a:buClr>
+              <a:buFont typeface="Times New Roman" panose="02020603050405020304" pitchFamily="18" charset="0"/>
+              <a:buChar char="̶"/>
+              <a:defRPr sz="1600" kern="1200">
+                <a:solidFill>
+                  <a:schemeClr val="tx1"/>
+                </a:solidFill>
+                <a:latin typeface="Palatino Linotype" panose="02040502050505030304" pitchFamily="18" charset="0"/>
+                <a:ea typeface="+mn-ea"/>
+                <a:cs typeface="+mn-cs"/>
+              </a:defRPr>
+            </a:lvl5pPr>
+            <a:lvl6pPr marL="2514600" indent="-228600" algn="l" defTabSz="914400" rtl="0" eaLnBrk="1" latinLnBrk="0" hangingPunct="1">
+              <a:lnSpc>
+                <a:spcPct val="90000"/>
+              </a:lnSpc>
+              <a:spcBef>
+                <a:spcPts val="500"/>
+              </a:spcBef>
+              <a:buFont typeface="Arial" panose="020B0604020202020204" pitchFamily="34" charset="0"/>
+              <a:buChar char="•"/>
+              <a:defRPr sz="1800" kern="1200">
+                <a:solidFill>
+                  <a:schemeClr val="tx1"/>
+                </a:solidFill>
+                <a:latin typeface="+mn-lt"/>
+                <a:ea typeface="+mn-ea"/>
+                <a:cs typeface="+mn-cs"/>
+              </a:defRPr>
+            </a:lvl6pPr>
+            <a:lvl7pPr marL="2971800" indent="-228600" algn="l" defTabSz="914400" rtl="0" eaLnBrk="1" latinLnBrk="0" hangingPunct="1">
+              <a:lnSpc>
+                <a:spcPct val="90000"/>
+              </a:lnSpc>
+              <a:spcBef>
+                <a:spcPts val="500"/>
+              </a:spcBef>
+              <a:buFont typeface="Arial" panose="020B0604020202020204" pitchFamily="34" charset="0"/>
+              <a:buChar char="•"/>
+              <a:defRPr sz="1800" kern="1200">
+                <a:solidFill>
+                  <a:schemeClr val="tx1"/>
+                </a:solidFill>
+                <a:latin typeface="+mn-lt"/>
+                <a:ea typeface="+mn-ea"/>
+                <a:cs typeface="+mn-cs"/>
+              </a:defRPr>
+            </a:lvl7pPr>
+            <a:lvl8pPr marL="3429000" indent="-228600" algn="l" defTabSz="914400" rtl="0" eaLnBrk="1" latinLnBrk="0" hangingPunct="1">
+              <a:lnSpc>
+                <a:spcPct val="90000"/>
+              </a:lnSpc>
+              <a:spcBef>
+                <a:spcPts val="500"/>
+              </a:spcBef>
+              <a:buFont typeface="Arial" panose="020B0604020202020204" pitchFamily="34" charset="0"/>
+              <a:buChar char="•"/>
+              <a:defRPr sz="1800" kern="1200">
+                <a:solidFill>
+                  <a:schemeClr val="tx1"/>
+                </a:solidFill>
+                <a:latin typeface="+mn-lt"/>
+                <a:ea typeface="+mn-ea"/>
+                <a:cs typeface="+mn-cs"/>
+              </a:defRPr>
+            </a:lvl8pPr>
+            <a:lvl9pPr marL="3886200" indent="-228600" algn="l" defTabSz="914400" rtl="0" eaLnBrk="1" latinLnBrk="0" hangingPunct="1">
+              <a:lnSpc>
+                <a:spcPct val="90000"/>
+              </a:lnSpc>
+              <a:spcBef>
+                <a:spcPts val="500"/>
+              </a:spcBef>
+              <a:buFont typeface="Arial" panose="020B0604020202020204" pitchFamily="34" charset="0"/>
+              <a:buChar char="•"/>
+              <a:defRPr sz="1800" kern="1200">
+                <a:solidFill>
+                  <a:schemeClr val="tx1"/>
+                </a:solidFill>
+                <a:latin typeface="+mn-lt"/>
+                <a:ea typeface="+mn-ea"/>
+                <a:cs typeface="+mn-cs"/>
+              </a:defRPr>
+            </a:lvl9pPr>
+          </a:lstStyle>
+          <a:p>
             <a:pPr marL="0" indent="0" algn="ctr">
               <a:buFont typeface="Wingdings" panose="05000000000000000000" pitchFamily="2" charset="2"/>
               <a:buNone/>
@@ -4510,10 +7018,10 @@
       </p:pic>
       <p:pic>
         <p:nvPicPr>
-          <p:cNvPr id="8" name="Picture 7">
-            <a:extLst>
-              <a:ext uri="{FF2B5EF4-FFF2-40B4-BE49-F238E27FC236}">
-                <a16:creationId xmlns:a16="http://schemas.microsoft.com/office/drawing/2014/main" id="{33348893-4B2E-6A42-982F-BC50885E8404}"/>
+          <p:cNvPr id="9" name="Picture 8">
+            <a:extLst>
+              <a:ext uri="{FF2B5EF4-FFF2-40B4-BE49-F238E27FC236}">
+                <a16:creationId xmlns:a16="http://schemas.microsoft.com/office/drawing/2014/main" id="{FEAB71F4-9828-9243-8712-7928344BE74A}"/>
               </a:ext>
             </a:extLst>
           </p:cNvPr>
@@ -4524,36 +7032,6 @@
         </p:nvPicPr>
         <p:blipFill>
           <a:blip r:embed="rId5"/>
-          <a:stretch>
-            <a:fillRect/>
-          </a:stretch>
-        </p:blipFill>
-        <p:spPr>
-          <a:xfrm>
-            <a:off x="1519212" y="4071839"/>
-            <a:ext cx="1504083" cy="1504083"/>
-          </a:xfrm>
-          <a:prstGeom prst="rect">
-            <a:avLst/>
-          </a:prstGeom>
-        </p:spPr>
-      </p:pic>
-      <p:pic>
-        <p:nvPicPr>
-          <p:cNvPr id="9" name="Picture 8">
-            <a:extLst>
-              <a:ext uri="{FF2B5EF4-FFF2-40B4-BE49-F238E27FC236}">
-                <a16:creationId xmlns:a16="http://schemas.microsoft.com/office/drawing/2014/main" id="{FEAB71F4-9828-9243-8712-7928344BE74A}"/>
-              </a:ext>
-            </a:extLst>
-          </p:cNvPr>
-          <p:cNvPicPr>
-            <a:picLocks noChangeAspect="1"/>
-          </p:cNvPicPr>
-          <p:nvPr/>
-        </p:nvPicPr>
-        <p:blipFill>
-          <a:blip r:embed="rId6"/>
           <a:stretch>
             <a:fillRect/>
           </a:stretch>
@@ -4583,7 +7061,7 @@
           <p:nvPr/>
         </p:nvPicPr>
         <p:blipFill>
-          <a:blip r:embed="rId7"/>
+          <a:blip r:embed="rId6"/>
           <a:stretch>
             <a:fillRect/>
           </a:stretch>
@@ -5323,6 +7801,36 @@
           </a:p>
         </p:txBody>
       </p:sp>
+      <p:pic>
+        <p:nvPicPr>
+          <p:cNvPr id="15" name="Picture 14">
+            <a:extLst>
+              <a:ext uri="{FF2B5EF4-FFF2-40B4-BE49-F238E27FC236}">
+                <a16:creationId xmlns:a16="http://schemas.microsoft.com/office/drawing/2014/main" id="{FC9A9C51-2FB8-61B4-8708-C64C764455FB}"/>
+              </a:ext>
+            </a:extLst>
+          </p:cNvPr>
+          <p:cNvPicPr>
+            <a:picLocks noChangeAspect="1"/>
+          </p:cNvPicPr>
+          <p:nvPr/>
+        </p:nvPicPr>
+        <p:blipFill>
+          <a:blip r:embed="rId7"/>
+          <a:stretch>
+            <a:fillRect/>
+          </a:stretch>
+        </p:blipFill>
+        <p:spPr>
+          <a:xfrm>
+            <a:off x="1559575" y="4018122"/>
+            <a:ext cx="1556795" cy="1556795"/>
+          </a:xfrm>
+          <a:prstGeom prst="rect">
+            <a:avLst/>
+          </a:prstGeom>
+        </p:spPr>
+      </p:pic>
     </p:spTree>
     <p:extLst>
       <p:ext uri="{BB962C8B-B14F-4D97-AF65-F5344CB8AC3E}">
@@ -5625,7 +8133,7 @@
               <a:rPr lang="en-GB" b="1" dirty="0">
                 <a:ea typeface="Palatino" pitchFamily="2" charset="77"/>
               </a:rPr>
-              <a:t>write a single code base and compile to either iOS or Android</a:t>
+              <a:t>write a single code to create mobile app for either iOS or Android (but also desktop app for Windows, Mac, and Linux)</a:t>
             </a:r>
             <a:r>
               <a:rPr lang="en-GB" dirty="0">
@@ -5658,17 +8166,8 @@
               <a:rPr lang="en-GB" dirty="0">
                 <a:ea typeface="Palatino" pitchFamily="2" charset="77"/>
               </a:rPr>
-              <a:t>Developing time is </a:t>
-            </a:r>
-            <a:r>
-              <a:rPr lang="en-GB" dirty="0" err="1">
-                <a:ea typeface="Palatino" pitchFamily="2" charset="77"/>
-              </a:rPr>
-              <a:t>halven</a:t>
-            </a:r>
-            <a:endParaRPr lang="en-GB" dirty="0">
-              <a:ea typeface="Palatino" pitchFamily="2" charset="77"/>
-            </a:endParaRPr>
+              <a:t>Developing time is halved</a:t>
+            </a:r>
           </a:p>
         </p:txBody>
       </p:sp>
@@ -5917,7 +8416,7 @@
               <a:rPr lang="en-GB" dirty="0">
                 <a:ea typeface="Palatino" pitchFamily="2" charset="77"/>
               </a:rPr>
-              <a:t>A good way to chose the best option is: ok, I will have a virtual device, but at some point I would like to deploy my app to an actual phone. So, which physical device I am going to use?</a:t>
+              <a:t>A good way to choose the best option is: “Ok, I will have a virtual device, but at some point, I would like to deploy my app to an actual phone (my phone). What is the OS of my phone?</a:t>
             </a:r>
           </a:p>
           <a:p>
@@ -5930,7 +8429,7 @@
               <a:rPr lang="en-GB" dirty="0">
                 <a:ea typeface="Palatino" pitchFamily="2" charset="77"/>
               </a:rPr>
-              <a:t>Note that if you have an iPhone but you do not have a Mac, you need to go for Android (XCode is not available for PC)</a:t>
+              <a:t>Note that if you have an iPhone but you do not have a Mac, you need to go for Android since XCode is not available for Windows</a:t>
             </a:r>
           </a:p>
         </p:txBody>
@@ -6277,8 +8776,23 @@
               <a:rPr lang="en-IT" dirty="0">
                 <a:latin typeface="Palatino Linotype" panose="02040502050505030304" pitchFamily="18" charset="0"/>
               </a:rPr>
-              <a:t>OS of the physical device you are going to use for testing</a:t>
-            </a:r>
+              <a:t>OS </a:t>
+            </a:r>
+            <a:r>
+              <a:rPr lang="en-IT">
+                <a:latin typeface="Palatino Linotype" panose="02040502050505030304" pitchFamily="18" charset="0"/>
+              </a:rPr>
+              <a:t>of </a:t>
+            </a:r>
+            <a:r>
+              <a:rPr lang="en-US" dirty="0">
+                <a:latin typeface="Palatino Linotype" panose="02040502050505030304" pitchFamily="18" charset="0"/>
+              </a:rPr>
+              <a:t>your phone?</a:t>
+            </a:r>
+            <a:endParaRPr lang="en-IT" dirty="0">
+              <a:latin typeface="Palatino Linotype" panose="02040502050505030304" pitchFamily="18" charset="0"/>
+            </a:endParaRPr>
           </a:p>
         </p:txBody>
       </p:sp>
@@ -6734,7 +9248,7 @@
               <a:rPr lang="en-GB" dirty="0">
                 <a:ea typeface="Palatino" pitchFamily="2" charset="77"/>
               </a:rPr>
-              <a:t>As you will learn in the first lab lesson, the VCS is a software that allows to maintain and manage the various version of the code your are going to write and it will be fundamental to work as a team.</a:t>
+              <a:t>As you will learn in the first lab lesson, the VCS is a software that allows to maintain and manage the various version of the code you are going to write, and it will be fundamental to work as a team.</a:t>
             </a:r>
           </a:p>
           <a:p>
@@ -6871,9 +9385,10 @@
           <a:lstStyle/>
           <a:p>
             <a:r>
-              <a:rPr lang="en-IT" dirty="0"/>
-              <a:t>The environment: Git-Bash (for Windows users)</a:t>
-            </a:r>
+              <a:rPr lang="en-US" dirty="0"/>
+              <a:t>Instructions</a:t>
+            </a:r>
+            <a:endParaRPr lang="en-IT" dirty="0"/>
           </a:p>
         </p:txBody>
       </p:sp>
@@ -6895,8 +9410,8 @@
         </p:nvSpPr>
         <p:spPr>
           <a:xfrm>
-            <a:off x="428172" y="1364343"/>
-            <a:ext cx="7976526" cy="4812620"/>
+            <a:off x="312425" y="1536251"/>
+            <a:ext cx="10093216" cy="4957146"/>
           </a:xfrm>
         </p:spPr>
         <p:txBody>
@@ -6909,118 +9424,161 @@
               <a:rPr lang="en-GB" dirty="0">
                 <a:ea typeface="Palatino" pitchFamily="2" charset="77"/>
               </a:rPr>
-              <a:t>You will work with GIT from the command line: </a:t>
-            </a:r>
-          </a:p>
-          <a:p>
-            <a:pPr lvl="1"/>
+              <a:t>Mac Users need to install the following: </a:t>
+            </a:r>
+          </a:p>
+          <a:p>
+            <a:pPr marL="914400" lvl="1" indent="-457200">
+              <a:buFont typeface="+mj-lt"/>
+              <a:buAutoNum type="arabicPeriod"/>
+            </a:pPr>
             <a:r>
               <a:rPr lang="en-GB" dirty="0">
                 <a:ea typeface="Palatino" pitchFamily="2" charset="77"/>
               </a:rPr>
-              <a:t>”</a:t>
+              <a:t>XCode </a:t>
+            </a:r>
+          </a:p>
+          <a:p>
+            <a:pPr marL="914400" lvl="1" indent="-457200">
+              <a:buFont typeface="+mj-lt"/>
+              <a:buAutoNum type="arabicPeriod"/>
+            </a:pPr>
+            <a:r>
+              <a:rPr lang="en-GB" dirty="0">
+                <a:ea typeface="Palatino" pitchFamily="2" charset="77"/>
+              </a:rPr>
+              <a:t>Rosetta (if you have an Apple Silicon)</a:t>
+            </a:r>
+          </a:p>
+          <a:p>
+            <a:pPr marL="914400" lvl="1" indent="-457200">
+              <a:buFont typeface="+mj-lt"/>
+              <a:buAutoNum type="arabicPeriod"/>
+            </a:pPr>
+            <a:r>
+              <a:rPr lang="en-GB" dirty="0">
+                <a:ea typeface="Palatino" pitchFamily="2" charset="77"/>
+              </a:rPr>
+              <a:t>VS Code </a:t>
+            </a:r>
+          </a:p>
+          <a:p>
+            <a:pPr marL="914400" lvl="1" indent="-457200">
+              <a:buFont typeface="+mj-lt"/>
+              <a:buAutoNum type="arabicPeriod"/>
+            </a:pPr>
+            <a:r>
+              <a:rPr lang="en-GB" dirty="0">
+                <a:ea typeface="Palatino" pitchFamily="2" charset="77"/>
+              </a:rPr>
+              <a:t>Flutter and </a:t>
             </a:r>
             <a:r>
               <a:rPr lang="en-GB" dirty="0" err="1">
                 <a:ea typeface="Palatino" pitchFamily="2" charset="77"/>
               </a:rPr>
-              <a:t>cmd</a:t>
-            </a:r>
-            <a:r>
-              <a:rPr lang="en-GB" dirty="0">
-                <a:ea typeface="Palatino" pitchFamily="2" charset="77"/>
-              </a:rPr>
-              <a:t>” in Windows</a:t>
-            </a:r>
-          </a:p>
-          <a:p>
-            <a:pPr lvl="1"/>
-            <a:r>
-              <a:rPr lang="en-GB" dirty="0">
-                <a:ea typeface="Palatino" pitchFamily="2" charset="77"/>
-              </a:rPr>
-              <a:t>“Terminal” in UNIX systems (Mac and Linux)</a:t>
-            </a:r>
-          </a:p>
-          <a:p>
+              <a:t>Cocoapods</a:t>
+            </a:r>
             <a:endParaRPr lang="en-GB" dirty="0">
               <a:ea typeface="Palatino" pitchFamily="2" charset="77"/>
             </a:endParaRPr>
           </a:p>
           <a:p>
+            <a:pPr marL="914400" lvl="1" indent="-457200">
+              <a:buFont typeface="+mj-lt"/>
+              <a:buAutoNum type="arabicPeriod"/>
+            </a:pPr>
             <a:r>
               <a:rPr lang="en-GB" dirty="0">
                 <a:ea typeface="Palatino" pitchFamily="2" charset="77"/>
               </a:rPr>
-              <a:t>Some commands differs between </a:t>
-            </a:r>
-            <a:r>
-              <a:rPr lang="en-GB" dirty="0" err="1">
-                <a:ea typeface="Palatino" pitchFamily="2" charset="77"/>
-              </a:rPr>
-              <a:t>cmd</a:t>
-            </a:r>
-            <a:r>
-              <a:rPr lang="en-GB" dirty="0">
-                <a:ea typeface="Palatino" pitchFamily="2" charset="77"/>
-              </a:rPr>
-              <a:t> and Terminal. So to “unify” this set of commands, </a:t>
-            </a:r>
-            <a:r>
-              <a:rPr lang="en-GB" dirty="0">
-                <a:highlight>
-                  <a:srgbClr val="FFFF00"/>
-                </a:highlight>
-                <a:ea typeface="Palatino" pitchFamily="2" charset="77"/>
-              </a:rPr>
-              <a:t>Windows users should install and use </a:t>
-            </a:r>
-            <a:r>
-              <a:rPr lang="en-GB" b="1" dirty="0">
-                <a:highlight>
-                  <a:srgbClr val="FFFF00"/>
-                </a:highlight>
-                <a:ea typeface="Palatino" pitchFamily="2" charset="77"/>
-              </a:rPr>
-              <a:t>git-bash</a:t>
-            </a:r>
-            <a:r>
-              <a:rPr lang="en-GB" dirty="0">
-                <a:highlight>
-                  <a:srgbClr val="FFFF00"/>
-                </a:highlight>
-                <a:ea typeface="Palatino" pitchFamily="2" charset="77"/>
-              </a:rPr>
-              <a:t> instead of cmd</a:t>
-            </a:r>
-            <a:r>
-              <a:rPr lang="en-GB" dirty="0">
-                <a:ea typeface="Palatino" pitchFamily="2" charset="77"/>
-              </a:rPr>
-              <a:t>. </a:t>
-            </a:r>
-          </a:p>
-          <a:p>
-            <a:endParaRPr lang="en-GB" dirty="0">
-              <a:ea typeface="Palatino" pitchFamily="2" charset="77"/>
-            </a:endParaRPr>
-          </a:p>
-          <a:p>
-            <a:r>
-              <a:rPr lang="en-GB" dirty="0">
-                <a:ea typeface="Palatino" pitchFamily="2" charset="77"/>
-              </a:rPr>
-              <a:t>Using git-bash you will be able to use the same commands of Terminal. </a:t>
-            </a:r>
-          </a:p>
-          <a:p>
-            <a:pPr marL="0" indent="0">
-              <a:buNone/>
+              <a:t>Android Studio (if Android support is necessary)</a:t>
+            </a:r>
+          </a:p>
+          <a:p>
+            <a:pPr marL="914400" lvl="1" indent="-457200">
+              <a:buFont typeface="+mj-lt"/>
+              <a:buAutoNum type="arabicPeriod"/>
             </a:pPr>
             <a:endParaRPr lang="en-GB" dirty="0">
               <a:ea typeface="Palatino" pitchFamily="2" charset="77"/>
             </a:endParaRPr>
           </a:p>
+          <a:p>
+            <a:pPr marL="914400" lvl="1" indent="-457200">
+              <a:buFont typeface="+mj-lt"/>
+              <a:buAutoNum type="arabicPeriod"/>
+            </a:pPr>
+            <a:endParaRPr lang="en-GB" dirty="0">
+              <a:ea typeface="Palatino" pitchFamily="2" charset="77"/>
+            </a:endParaRPr>
+          </a:p>
+          <a:p>
+            <a:r>
+              <a:rPr lang="en-GB" dirty="0">
+                <a:ea typeface="Palatino" pitchFamily="2" charset="77"/>
+              </a:rPr>
+              <a:t>Windows Users need to install the following: </a:t>
+            </a:r>
+          </a:p>
+          <a:p>
+            <a:pPr marL="914400" lvl="1" indent="-457200">
+              <a:buFont typeface="+mj-lt"/>
+              <a:buAutoNum type="arabicPeriod"/>
+            </a:pPr>
+            <a:r>
+              <a:rPr lang="en-GB" dirty="0">
+                <a:ea typeface="Palatino" pitchFamily="2" charset="77"/>
+              </a:rPr>
+              <a:t>Git </a:t>
+            </a:r>
+          </a:p>
+          <a:p>
+            <a:pPr marL="914400" lvl="1" indent="-457200">
+              <a:buFont typeface="+mj-lt"/>
+              <a:buAutoNum type="arabicPeriod"/>
+            </a:pPr>
+            <a:r>
+              <a:rPr lang="en-GB" dirty="0">
+                <a:ea typeface="Palatino" pitchFamily="2" charset="77"/>
+              </a:rPr>
+              <a:t>VS Code </a:t>
+            </a:r>
+          </a:p>
+          <a:p>
+            <a:pPr marL="914400" lvl="1" indent="-457200">
+              <a:buFont typeface="+mj-lt"/>
+              <a:buAutoNum type="arabicPeriod"/>
+            </a:pPr>
+            <a:r>
+              <a:rPr lang="en-GB" dirty="0">
+                <a:ea typeface="Palatino" pitchFamily="2" charset="77"/>
+              </a:rPr>
+              <a:t>Flutter</a:t>
+            </a:r>
+          </a:p>
+          <a:p>
+            <a:pPr marL="914400" lvl="1" indent="-457200">
+              <a:buFont typeface="+mj-lt"/>
+              <a:buAutoNum type="arabicPeriod"/>
+            </a:pPr>
+            <a:r>
+              <a:rPr lang="en-GB" dirty="0">
+                <a:ea typeface="Palatino" pitchFamily="2" charset="77"/>
+              </a:rPr>
+              <a:t>Android Studio</a:t>
+            </a:r>
+          </a:p>
+          <a:p>
+            <a:pPr marL="914400" lvl="1" indent="-457200">
+              <a:buFont typeface="+mj-lt"/>
+              <a:buAutoNum type="arabicPeriod"/>
+            </a:pPr>
+            <a:endParaRPr lang="en-GB" dirty="0">
+              <a:ea typeface="Palatino" pitchFamily="2" charset="77"/>
+            </a:endParaRPr>
+          </a:p>
         </p:txBody>
       </p:sp>
       <p:sp>
@@ -7028,7 +9586,7 @@
           <p:cNvPr id="4" name="Slide Number Placeholder 3">
             <a:extLst>
               <a:ext uri="{FF2B5EF4-FFF2-40B4-BE49-F238E27FC236}">
-                <a16:creationId xmlns:a16="http://schemas.microsoft.com/office/drawing/2014/main" id="{01545332-2D31-9D4F-B4BB-B8BF57928CC2}"/>
+                <a16:creationId xmlns:a16="http://schemas.microsoft.com/office/drawing/2014/main" id="{ED05C487-70B4-174B-A325-CCA9C11792FF}"/>
               </a:ext>
             </a:extLst>
           </p:cNvPr>
@@ -7054,10 +9612,10 @@
       </p:sp>
       <p:pic>
         <p:nvPicPr>
-          <p:cNvPr id="5" name="Picture 4">
-            <a:extLst>
-              <a:ext uri="{FF2B5EF4-FFF2-40B4-BE49-F238E27FC236}">
-                <a16:creationId xmlns:a16="http://schemas.microsoft.com/office/drawing/2014/main" id="{09B9EEF9-42D0-C546-A26E-EA554195EEA7}"/>
+          <p:cNvPr id="24" name="Picture 23">
+            <a:extLst>
+              <a:ext uri="{FF2B5EF4-FFF2-40B4-BE49-F238E27FC236}">
+                <a16:creationId xmlns:a16="http://schemas.microsoft.com/office/drawing/2014/main" id="{3B21ACDF-EA58-8891-AE4A-C95DCA221C39}"/>
               </a:ext>
             </a:extLst>
           </p:cNvPr>
@@ -7067,25 +9625,190 @@
           <p:nvPr/>
         </p:nvPicPr>
         <p:blipFill>
-          <a:blip r:embed="rId3"/>
+          <a:blip r:embed="rId2"/>
           <a:stretch>
             <a:fillRect/>
           </a:stretch>
         </p:blipFill>
         <p:spPr>
           <a:xfrm>
-            <a:off x="8610600" y="1877421"/>
-            <a:ext cx="2857500" cy="2857500"/>
+            <a:off x="8814850" y="1621731"/>
+            <a:ext cx="1880433" cy="1880433"/>
           </a:xfrm>
           <a:prstGeom prst="rect">
             <a:avLst/>
           </a:prstGeom>
         </p:spPr>
       </p:pic>
+      <p:pic>
+        <p:nvPicPr>
+          <p:cNvPr id="25" name="Picture 24">
+            <a:extLst>
+              <a:ext uri="{FF2B5EF4-FFF2-40B4-BE49-F238E27FC236}">
+                <a16:creationId xmlns:a16="http://schemas.microsoft.com/office/drawing/2014/main" id="{E718415E-B05E-D8FA-5F18-65C215D9400D}"/>
+              </a:ext>
+            </a:extLst>
+          </p:cNvPr>
+          <p:cNvPicPr>
+            <a:picLocks noChangeAspect="1"/>
+          </p:cNvPicPr>
+          <p:nvPr/>
+        </p:nvPicPr>
+        <p:blipFill rotWithShape="1">
+          <a:blip r:embed="rId3"/>
+          <a:srcRect l="24827" t="25392" r="25392" b="22240"/>
+          <a:stretch/>
+        </p:blipFill>
+        <p:spPr>
+          <a:xfrm>
+            <a:off x="8696526" y="4101726"/>
+            <a:ext cx="2013461" cy="2118099"/>
+          </a:xfrm>
+          <a:prstGeom prst="rect">
+            <a:avLst/>
+          </a:prstGeom>
+        </p:spPr>
+      </p:pic>
+      <p:sp>
+        <p:nvSpPr>
+          <p:cNvPr id="26" name="Rectangle 25">
+            <a:extLst>
+              <a:ext uri="{FF2B5EF4-FFF2-40B4-BE49-F238E27FC236}">
+                <a16:creationId xmlns:a16="http://schemas.microsoft.com/office/drawing/2014/main" id="{89E10288-9F00-61D9-DBB3-53EAEB6E1163}"/>
+              </a:ext>
+            </a:extLst>
+          </p:cNvPr>
+          <p:cNvSpPr/>
+          <p:nvPr/>
+        </p:nvSpPr>
+        <p:spPr>
+          <a:xfrm>
+            <a:off x="6158628" y="2326513"/>
+            <a:ext cx="1880432" cy="470867"/>
+          </a:xfrm>
+          <a:prstGeom prst="rect">
+            <a:avLst/>
+          </a:prstGeom>
+          <a:solidFill>
+            <a:srgbClr val="FFFF00"/>
+          </a:solidFill>
+          <a:ln w="28575">
+            <a:solidFill>
+              <a:srgbClr val="C00000"/>
+            </a:solidFill>
+          </a:ln>
+        </p:spPr>
+        <p:style>
+          <a:lnRef idx="2">
+            <a:schemeClr val="accent1">
+              <a:shade val="15000"/>
+            </a:schemeClr>
+          </a:lnRef>
+          <a:fillRef idx="1">
+            <a:schemeClr val="accent1"/>
+          </a:fillRef>
+          <a:effectRef idx="0">
+            <a:schemeClr val="accent1"/>
+          </a:effectRef>
+          <a:fontRef idx="minor">
+            <a:schemeClr val="lt1"/>
+          </a:fontRef>
+        </p:style>
+        <p:txBody>
+          <a:bodyPr rtlCol="0" anchor="ctr"/>
+          <a:lstStyle/>
+          <a:p>
+            <a:pPr algn="ctr"/>
+            <a:r>
+              <a:rPr lang="en-US" sz="2400" b="1" dirty="0">
+                <a:solidFill>
+                  <a:schemeClr val="tx1"/>
+                </a:solidFill>
+                <a:latin typeface="Palatino Linotype" panose="02040502050505030304" pitchFamily="18" charset="0"/>
+              </a:rPr>
+              <a:t>Slides 10-14</a:t>
+            </a:r>
+            <a:endParaRPr lang="en-IT" sz="2400" b="1" dirty="0">
+              <a:solidFill>
+                <a:schemeClr val="tx1"/>
+              </a:solidFill>
+              <a:latin typeface="Palatino Linotype" panose="02040502050505030304" pitchFamily="18" charset="0"/>
+            </a:endParaRPr>
+          </a:p>
+        </p:txBody>
+      </p:sp>
+      <p:sp>
+        <p:nvSpPr>
+          <p:cNvPr id="27" name="Rectangle 26">
+            <a:extLst>
+              <a:ext uri="{FF2B5EF4-FFF2-40B4-BE49-F238E27FC236}">
+                <a16:creationId xmlns:a16="http://schemas.microsoft.com/office/drawing/2014/main" id="{78FA2A89-D1CA-CB9C-D4AA-5378DFA6B76F}"/>
+              </a:ext>
+            </a:extLst>
+          </p:cNvPr>
+          <p:cNvSpPr/>
+          <p:nvPr/>
+        </p:nvSpPr>
+        <p:spPr>
+          <a:xfrm>
+            <a:off x="6163261" y="5216884"/>
+            <a:ext cx="1880432" cy="470867"/>
+          </a:xfrm>
+          <a:prstGeom prst="rect">
+            <a:avLst/>
+          </a:prstGeom>
+          <a:solidFill>
+            <a:srgbClr val="FFFF00"/>
+          </a:solidFill>
+          <a:ln w="28575">
+            <a:solidFill>
+              <a:srgbClr val="C00000"/>
+            </a:solidFill>
+          </a:ln>
+        </p:spPr>
+        <p:style>
+          <a:lnRef idx="2">
+            <a:schemeClr val="accent1">
+              <a:shade val="15000"/>
+            </a:schemeClr>
+          </a:lnRef>
+          <a:fillRef idx="1">
+            <a:schemeClr val="accent1"/>
+          </a:fillRef>
+          <a:effectRef idx="0">
+            <a:schemeClr val="accent1"/>
+          </a:effectRef>
+          <a:fontRef idx="minor">
+            <a:schemeClr val="lt1"/>
+          </a:fontRef>
+        </p:style>
+        <p:txBody>
+          <a:bodyPr rtlCol="0" anchor="ctr"/>
+          <a:lstStyle/>
+          <a:p>
+            <a:pPr algn="ctr"/>
+            <a:r>
+              <a:rPr lang="en-US" sz="2400" b="1" dirty="0">
+                <a:solidFill>
+                  <a:schemeClr val="tx1"/>
+                </a:solidFill>
+                <a:latin typeface="Palatino Linotype" panose="02040502050505030304" pitchFamily="18" charset="0"/>
+              </a:rPr>
+              <a:t>Slides 15-18</a:t>
+            </a:r>
+            <a:endParaRPr lang="en-IT" sz="2400" b="1" dirty="0">
+              <a:solidFill>
+                <a:schemeClr val="tx1"/>
+              </a:solidFill>
+              <a:latin typeface="Palatino Linotype" panose="02040502050505030304" pitchFamily="18" charset="0"/>
+            </a:endParaRPr>
+          </a:p>
+        </p:txBody>
+      </p:sp>
     </p:spTree>
     <p:extLst>
       <p:ext uri="{BB962C8B-B14F-4D97-AF65-F5344CB8AC3E}">
-        <p14:creationId xmlns:p14="http://schemas.microsoft.com/office/powerpoint/2010/main" val="3940510233"/>
+        <p14:creationId xmlns:p14="http://schemas.microsoft.com/office/powerpoint/2010/main" val="3147511355"/>
       </p:ext>
     </p:extLst>
   </p:cSld>

--- a/guides/setup_development_environment.pptx
+++ b/guides/setup_development_environment.pptx
@@ -217,7 +217,7 @@
           <a:p>
             <a:fld id="{81C4B3FE-0320-8142-8396-5C3025C019EC}" type="datetimeFigureOut">
               <a:rPr lang="en-IT" smtClean="0"/>
-              <a:t>1/16/24</a:t>
+              <a:t>2/11/25</a:t>
             </a:fld>
             <a:endParaRPr lang="en-IT"/>
           </a:p>
@@ -1435,7 +1435,9 @@
           <a:lstStyle>
             <a:lvl1pPr marL="0" indent="0" algn="ctr">
               <a:buNone/>
-              <a:defRPr sz="4800" b="1"/>
+              <a:defRPr sz="4800" b="1">
+                <a:latin typeface="Aptos" panose="020B0004020202020204" pitchFamily="34" charset="0"/>
+              </a:defRPr>
             </a:lvl1pPr>
             <a:lvl2pPr marL="457200" indent="0" algn="ctr">
               <a:buNone/>
@@ -1521,7 +1523,9 @@
           <a:lstStyle/>
           <a:p>
             <a:pPr algn="ctr"/>
-            <a:endParaRPr lang="en-GB" dirty="0"/>
+            <a:endParaRPr lang="en-GB" dirty="0">
+              <a:latin typeface="Aptos" panose="020B0004020202020204" pitchFamily="34" charset="0"/>
+            </a:endParaRPr>
           </a:p>
         </p:txBody>
       </p:sp>
@@ -1571,7 +1575,9 @@
           <a:lstStyle/>
           <a:p>
             <a:pPr algn="ctr"/>
-            <a:endParaRPr lang="en-GB" dirty="0"/>
+            <a:endParaRPr lang="en-GB" dirty="0">
+              <a:latin typeface="Aptos" panose="020B0004020202020204" pitchFamily="34" charset="0"/>
+            </a:endParaRPr>
           </a:p>
         </p:txBody>
       </p:sp>
@@ -1617,36 +1623,52 @@
           </a:lstStyle>
           <a:p>
             <a:r>
-              <a:rPr lang="it-IT" sz="2800" b="0" dirty="0" err="1"/>
+              <a:rPr lang="it-IT" sz="2800" b="0" dirty="0" err="1">
+                <a:latin typeface="Aptos" panose="020B0004020202020204" pitchFamily="34" charset="0"/>
+              </a:rPr>
               <a:t>Biomedical</a:t>
             </a:r>
             <a:r>
-              <a:rPr lang="it-IT" sz="2800" b="0" dirty="0"/>
+              <a:rPr lang="it-IT" sz="2800" b="0" dirty="0">
+                <a:latin typeface="Aptos" panose="020B0004020202020204" pitchFamily="34" charset="0"/>
+              </a:rPr>
               <a:t> </a:t>
             </a:r>
             <a:r>
-              <a:rPr lang="it-IT" sz="2800" b="0" dirty="0" err="1"/>
+              <a:rPr lang="it-IT" sz="2800" b="0" dirty="0" err="1">
+                <a:latin typeface="Aptos" panose="020B0004020202020204" pitchFamily="34" charset="0"/>
+              </a:rPr>
               <a:t>Wearable</a:t>
             </a:r>
             <a:r>
-              <a:rPr lang="it-IT" sz="2800" b="0" dirty="0"/>
+              <a:rPr lang="it-IT" sz="2800" b="0" dirty="0">
+                <a:latin typeface="Aptos" panose="020B0004020202020204" pitchFamily="34" charset="0"/>
+              </a:rPr>
               <a:t> Technologies </a:t>
             </a:r>
           </a:p>
           <a:p>
             <a:r>
-              <a:rPr lang="it-IT" sz="2800" b="0" dirty="0"/>
+              <a:rPr lang="it-IT" sz="2800" b="0" dirty="0">
+                <a:latin typeface="Aptos" panose="020B0004020202020204" pitchFamily="34" charset="0"/>
+              </a:rPr>
               <a:t>for Healthcare and </a:t>
             </a:r>
             <a:r>
-              <a:rPr lang="it-IT" sz="2800" b="0" dirty="0" err="1"/>
+              <a:rPr lang="it-IT" sz="2800" b="0" dirty="0" err="1">
+                <a:latin typeface="Aptos" panose="020B0004020202020204" pitchFamily="34" charset="0"/>
+              </a:rPr>
               <a:t>Wellbeing</a:t>
             </a:r>
             <a:r>
-              <a:rPr lang="it-IT" sz="2800" b="0" dirty="0"/>
+              <a:rPr lang="it-IT" sz="2800" b="0" dirty="0">
+                <a:latin typeface="Aptos" panose="020B0004020202020204" pitchFamily="34" charset="0"/>
+              </a:rPr>
               <a:t>  </a:t>
             </a:r>
-            <a:endParaRPr lang="en-GB" sz="2800" b="0" dirty="0"/>
+            <a:endParaRPr lang="en-GB" sz="2800" b="0" dirty="0">
+              <a:latin typeface="Aptos" panose="020B0004020202020204" pitchFamily="34" charset="0"/>
+            </a:endParaRPr>
           </a:p>
         </p:txBody>
       </p:sp>
@@ -1697,8 +1719,10 @@
               </a:spcAft>
             </a:pPr>
             <a:r>
-              <a:rPr lang="it-IT" sz="2800" dirty="0"/>
-              <a:t>A.Y. 2023-2024</a:t>
+              <a:rPr lang="it-IT" sz="2800" dirty="0">
+                <a:latin typeface="Aptos" panose="020B0004020202020204" pitchFamily="34" charset="0"/>
+              </a:rPr>
+              <a:t>A.Y. 2024-2025</a:t>
             </a:r>
           </a:p>
         </p:txBody>
@@ -1737,7 +1761,7 @@
                 <a:effectLst/>
                 <a:uLnTx/>
                 <a:uFillTx/>
-                <a:latin typeface="Palatino Linotype" panose="02040502050505030304" pitchFamily="18" charset="0"/>
+                <a:latin typeface="Aptos" panose="020B0004020202020204" pitchFamily="34" charset="0"/>
                 <a:ea typeface="+mj-ea"/>
                 <a:cs typeface="+mj-cs"/>
               </a:rPr>
@@ -1754,7 +1778,7 @@
                 <a:effectLst/>
                 <a:uLnTx/>
                 <a:uFillTx/>
-                <a:latin typeface="Palatino Linotype" panose="02040502050505030304" pitchFamily="18" charset="0"/>
+                <a:latin typeface="Aptos" panose="020B0004020202020204" pitchFamily="34" charset="0"/>
                 <a:ea typeface="+mj-ea"/>
                 <a:cs typeface="+mj-cs"/>
               </a:rPr>
@@ -1771,7 +1795,7 @@
                 <a:effectLst/>
                 <a:uLnTx/>
                 <a:uFillTx/>
-                <a:latin typeface="Palatino Linotype" panose="02040502050505030304" pitchFamily="18" charset="0"/>
+                <a:latin typeface="Aptos" panose="020B0004020202020204" pitchFamily="34" charset="0"/>
                 <a:ea typeface="+mj-ea"/>
                 <a:cs typeface="+mj-cs"/>
               </a:rPr>
@@ -1787,7 +1811,7 @@
                 <a:effectLst/>
                 <a:uLnTx/>
                 <a:uFillTx/>
-                <a:latin typeface="Palatino Linotype" panose="02040502050505030304" pitchFamily="18" charset="0"/>
+                <a:latin typeface="Aptos" panose="020B0004020202020204" pitchFamily="34" charset="0"/>
                 <a:ea typeface="+mj-ea"/>
                 <a:cs typeface="+mj-cs"/>
               </a:rPr>
@@ -1804,7 +1828,7 @@
                 <a:effectLst/>
                 <a:uLnTx/>
                 <a:uFillTx/>
-                <a:latin typeface="Palatino Linotype" panose="02040502050505030304" pitchFamily="18" charset="0"/>
+                <a:latin typeface="Aptos" panose="020B0004020202020204" pitchFamily="34" charset="0"/>
                 <a:ea typeface="+mj-ea"/>
                 <a:cs typeface="+mj-cs"/>
               </a:rPr>
@@ -1821,13 +1845,15 @@
                 <a:effectLst/>
                 <a:uLnTx/>
                 <a:uFillTx/>
-                <a:latin typeface="Palatino Linotype" panose="02040502050505030304" pitchFamily="18" charset="0"/>
+                <a:latin typeface="Aptos" panose="020B0004020202020204" pitchFamily="34" charset="0"/>
                 <a:ea typeface="+mj-ea"/>
                 <a:cs typeface="+mj-cs"/>
               </a:rPr>
               <a:t>Engineering</a:t>
             </a:r>
-            <a:endParaRPr lang="en-GB" sz="1100" cap="small" baseline="0" dirty="0"/>
+            <a:endParaRPr lang="en-GB" sz="1100" cap="small" baseline="0" dirty="0">
+              <a:latin typeface="Aptos" panose="020B0004020202020204" pitchFamily="34" charset="0"/>
+            </a:endParaRPr>
           </a:p>
         </p:txBody>
       </p:sp>
@@ -1937,7 +1963,9 @@
           </a:bodyPr>
           <a:lstStyle>
             <a:lvl1pPr>
-              <a:defRPr sz="3200"/>
+              <a:defRPr sz="3200">
+                <a:latin typeface="Aptos" panose="020B0004020202020204" pitchFamily="34" charset="0"/>
+              </a:defRPr>
             </a:lvl1pPr>
           </a:lstStyle>
           <a:p>
@@ -1967,10 +1995,17 @@
         <p:spPr/>
         <p:txBody>
           <a:bodyPr/>
-          <a:lstStyle/>
+          <a:lstStyle>
+            <a:lvl1pPr>
+              <a:defRPr>
+                <a:latin typeface="Aptos" panose="020B0004020202020204" pitchFamily="34" charset="0"/>
+              </a:defRPr>
+            </a:lvl1pPr>
+          </a:lstStyle>
           <a:p>
             <a:fld id="{31DE2C5B-556E-47B8-A792-024C2FCA4ACC}" type="slidenum">
               <a:rPr lang="en-GB" smtClean="0"/>
+              <a:pPr/>
               <a:t>‹#›</a:t>
             </a:fld>
             <a:endParaRPr lang="en-GB"/>
@@ -2366,12 +2401,14 @@
                     <a:tint val="75000"/>
                   </a:schemeClr>
                 </a:solidFill>
+                <a:latin typeface="Aptos" panose="020B0004020202020204" pitchFamily="34" charset="0"/>
               </a:defRPr>
             </a:lvl1pPr>
           </a:lstStyle>
           <a:p>
             <a:fld id="{31DE2C5B-556E-47B8-A792-024C2FCA4ACC}" type="slidenum">
               <a:rPr lang="en-GB" smtClean="0"/>
+              <a:pPr/>
               <a:t>‹#›</a:t>
             </a:fld>
             <a:endParaRPr lang="en-GB"/>
@@ -2407,7 +2444,7 @@
           <a:solidFill>
             <a:schemeClr val="tx1"/>
           </a:solidFill>
-          <a:latin typeface="Palatino Linotype" panose="02040502050505030304" pitchFamily="18" charset="0"/>
+          <a:latin typeface="Aptos" panose="020B0004020202020204" pitchFamily="34" charset="0"/>
           <a:ea typeface="+mj-ea"/>
           <a:cs typeface="+mj-cs"/>
         </a:defRPr>
@@ -2430,7 +2467,7 @@
           <a:solidFill>
             <a:schemeClr val="tx1"/>
           </a:solidFill>
-          <a:latin typeface="Palatino Linotype" panose="02040502050505030304" pitchFamily="18" charset="0"/>
+          <a:latin typeface="Aptos" panose="020B0004020202020204" pitchFamily="34" charset="0"/>
           <a:ea typeface="+mn-ea"/>
           <a:cs typeface="+mn-cs"/>
         </a:defRPr>
@@ -2451,7 +2488,7 @@
           <a:solidFill>
             <a:schemeClr val="tx1"/>
           </a:solidFill>
-          <a:latin typeface="Palatino Linotype" panose="02040502050505030304" pitchFamily="18" charset="0"/>
+          <a:latin typeface="Aptos" panose="020B0004020202020204" pitchFamily="34" charset="0"/>
           <a:ea typeface="+mn-ea"/>
           <a:cs typeface="+mn-cs"/>
         </a:defRPr>
@@ -2472,7 +2509,7 @@
           <a:solidFill>
             <a:schemeClr val="tx1"/>
           </a:solidFill>
-          <a:latin typeface="Palatino Linotype" panose="02040502050505030304" pitchFamily="18" charset="0"/>
+          <a:latin typeface="Aptos" panose="020B0004020202020204" pitchFamily="34" charset="0"/>
           <a:ea typeface="+mn-ea"/>
           <a:cs typeface="+mn-cs"/>
         </a:defRPr>
@@ -2493,7 +2530,7 @@
           <a:solidFill>
             <a:schemeClr val="tx1"/>
           </a:solidFill>
-          <a:latin typeface="Palatino Linotype" panose="02040502050505030304" pitchFamily="18" charset="0"/>
+          <a:latin typeface="Aptos" panose="020B0004020202020204" pitchFamily="34" charset="0"/>
           <a:ea typeface="+mn-ea"/>
           <a:cs typeface="+mn-cs"/>
         </a:defRPr>
@@ -2514,7 +2551,7 @@
           <a:solidFill>
             <a:schemeClr val="tx1"/>
           </a:solidFill>
-          <a:latin typeface="Palatino Linotype" panose="02040502050505030304" pitchFamily="18" charset="0"/>
+          <a:latin typeface="Aptos" panose="020B0004020202020204" pitchFamily="34" charset="0"/>
           <a:ea typeface="+mn-ea"/>
           <a:cs typeface="+mn-cs"/>
         </a:defRPr>
@@ -3706,6 +3743,7 @@
             </a:pPr>
             <a:r>
               <a:rPr lang="en-GB" sz="2000" b="1" dirty="0">
+                <a:latin typeface="Aptos" panose="020B0004020202020204" pitchFamily="34" charset="0"/>
                 <a:ea typeface="Palatino" pitchFamily="2" charset="77"/>
               </a:rPr>
               <a:t>‘Extension’ tab</a:t>
@@ -3925,6 +3963,7 @@
             </a:pPr>
             <a:r>
               <a:rPr lang="en-GB" sz="2000" b="1" dirty="0">
+                <a:latin typeface="Aptos" panose="020B0004020202020204" pitchFamily="34" charset="0"/>
                 <a:ea typeface="Palatino" pitchFamily="2" charset="77"/>
               </a:rPr>
               <a:t>Search bar</a:t>
@@ -4144,6 +4183,7 @@
             </a:pPr>
             <a:r>
               <a:rPr lang="en-GB" sz="2000" b="1" dirty="0">
+                <a:latin typeface="Aptos" panose="020B0004020202020204" pitchFamily="34" charset="0"/>
                 <a:ea typeface="Palatino" pitchFamily="2" charset="77"/>
               </a:rPr>
               <a:t>Flutter extension to be installed</a:t>
@@ -5374,6 +5414,7 @@
             </a:pPr>
             <a:r>
               <a:rPr lang="en-GB" sz="2000" b="1" dirty="0">
+                <a:latin typeface="Aptos" panose="020B0004020202020204" pitchFamily="34" charset="0"/>
                 <a:ea typeface="Palatino" pitchFamily="2" charset="77"/>
               </a:rPr>
               <a:t>‘Extension’ tab</a:t>
@@ -5593,6 +5634,7 @@
             </a:pPr>
             <a:r>
               <a:rPr lang="en-GB" sz="2000" b="1" dirty="0">
+                <a:latin typeface="Aptos" panose="020B0004020202020204" pitchFamily="34" charset="0"/>
                 <a:ea typeface="Palatino" pitchFamily="2" charset="77"/>
               </a:rPr>
               <a:t>Search bar</a:t>
@@ -5812,6 +5854,7 @@
             </a:pPr>
             <a:r>
               <a:rPr lang="en-GB" sz="2000" b="1" dirty="0">
+                <a:latin typeface="Aptos" panose="020B0004020202020204" pitchFamily="34" charset="0"/>
                 <a:ea typeface="Palatino" pitchFamily="2" charset="77"/>
               </a:rPr>
               <a:t>Flutter extension to be installed</a:t>
@@ -8624,7 +8667,7 @@
             <a:pPr algn="ctr"/>
             <a:r>
               <a:rPr lang="en-IT" dirty="0">
-                <a:latin typeface="Palatino Linotype" panose="02040502050505030304" pitchFamily="18" charset="0"/>
+                <a:latin typeface="Aptos" panose="020B0004020202020204" pitchFamily="34" charset="0"/>
               </a:rPr>
               <a:t>Do you have a Mac?</a:t>
             </a:r>
@@ -8674,7 +8717,7 @@
             <a:pPr algn="ctr"/>
             <a:r>
               <a:rPr lang="en-IT" dirty="0">
-                <a:latin typeface="Palatino Linotype" panose="02040502050505030304" pitchFamily="18" charset="0"/>
+                <a:latin typeface="Aptos" panose="020B0004020202020204" pitchFamily="34" charset="0"/>
               </a:rPr>
               <a:t>iOS support or both</a:t>
             </a:r>
@@ -8724,7 +8767,7 @@
             <a:pPr algn="ctr"/>
             <a:r>
               <a:rPr lang="en-IT" dirty="0">
-                <a:latin typeface="Palatino Linotype" panose="02040502050505030304" pitchFamily="18" charset="0"/>
+                <a:latin typeface="Aptos" panose="020B0004020202020204" pitchFamily="34" charset="0"/>
               </a:rPr>
               <a:t>Android support</a:t>
             </a:r>
@@ -8774,24 +8817,24 @@
             <a:pPr algn="ctr"/>
             <a:r>
               <a:rPr lang="en-IT" dirty="0">
-                <a:latin typeface="Palatino Linotype" panose="02040502050505030304" pitchFamily="18" charset="0"/>
+                <a:latin typeface="Aptos" panose="020B0004020202020204" pitchFamily="34" charset="0"/>
               </a:rPr>
               <a:t>OS </a:t>
             </a:r>
             <a:r>
               <a:rPr lang="en-IT">
-                <a:latin typeface="Palatino Linotype" panose="02040502050505030304" pitchFamily="18" charset="0"/>
+                <a:latin typeface="Aptos" panose="020B0004020202020204" pitchFamily="34" charset="0"/>
               </a:rPr>
               <a:t>of </a:t>
             </a:r>
             <a:r>
               <a:rPr lang="en-US" dirty="0">
-                <a:latin typeface="Palatino Linotype" panose="02040502050505030304" pitchFamily="18" charset="0"/>
+                <a:latin typeface="Aptos" panose="020B0004020202020204" pitchFamily="34" charset="0"/>
               </a:rPr>
               <a:t>your phone?</a:t>
             </a:r>
             <a:endParaRPr lang="en-IT" dirty="0">
-              <a:latin typeface="Palatino Linotype" panose="02040502050505030304" pitchFamily="18" charset="0"/>
+              <a:latin typeface="Aptos" panose="020B0004020202020204" pitchFamily="34" charset="0"/>
             </a:endParaRPr>
           </a:p>
         </p:txBody>
@@ -8939,8 +8982,8 @@
         </p:nvSpPr>
         <p:spPr>
           <a:xfrm>
-            <a:off x="7345258" y="2626151"/>
-            <a:ext cx="505268" cy="369332"/>
+            <a:off x="7355678" y="2626151"/>
+            <a:ext cx="484428" cy="369332"/>
           </a:xfrm>
           <a:prstGeom prst="rect">
             <a:avLst/>
@@ -8955,7 +8998,7 @@
             <a:pPr algn="ctr"/>
             <a:r>
               <a:rPr lang="en-IT" b="1" dirty="0">
-                <a:latin typeface="Palatino Linotype" panose="02040502050505030304" pitchFamily="18" charset="0"/>
+                <a:latin typeface="Aptos" panose="020B0004020202020204" pitchFamily="34" charset="0"/>
               </a:rPr>
               <a:t>No</a:t>
             </a:r>
@@ -8976,8 +9019,8 @@
         </p:nvSpPr>
         <p:spPr>
           <a:xfrm>
-            <a:off x="4942537" y="2559890"/>
-            <a:ext cx="539443" cy="369332"/>
+            <a:off x="4937215" y="2559890"/>
+            <a:ext cx="550087" cy="369332"/>
           </a:xfrm>
           <a:prstGeom prst="rect">
             <a:avLst/>
@@ -8992,7 +9035,7 @@
             <a:pPr algn="ctr"/>
             <a:r>
               <a:rPr lang="en-IT" b="1" dirty="0">
-                <a:latin typeface="Palatino Linotype" panose="02040502050505030304" pitchFamily="18" charset="0"/>
+                <a:latin typeface="Aptos" panose="020B0004020202020204" pitchFamily="34" charset="0"/>
               </a:rPr>
               <a:t>Yes</a:t>
             </a:r>
@@ -9013,8 +9056,8 @@
         </p:nvSpPr>
         <p:spPr>
           <a:xfrm>
-            <a:off x="2601687" y="4466944"/>
-            <a:ext cx="595036" cy="369332"/>
+            <a:off x="2621725" y="4466944"/>
+            <a:ext cx="554960" cy="369332"/>
           </a:xfrm>
           <a:prstGeom prst="rect">
             <a:avLst/>
@@ -9029,7 +9072,7 @@
             <a:pPr algn="ctr"/>
             <a:r>
               <a:rPr lang="en-IT" b="1" dirty="0">
-                <a:latin typeface="Palatino Linotype" panose="02040502050505030304" pitchFamily="18" charset="0"/>
+                <a:latin typeface="Aptos" panose="020B0004020202020204" pitchFamily="34" charset="0"/>
               </a:rPr>
               <a:t>iOS</a:t>
             </a:r>
@@ -9050,8 +9093,8 @@
         </p:nvSpPr>
         <p:spPr>
           <a:xfrm>
-            <a:off x="6360490" y="4358722"/>
-            <a:ext cx="1082349" cy="369332"/>
+            <a:off x="6397841" y="4358722"/>
+            <a:ext cx="1007647" cy="369332"/>
           </a:xfrm>
           <a:prstGeom prst="rect">
             <a:avLst/>
@@ -9066,7 +9109,7 @@
             <a:pPr algn="ctr"/>
             <a:r>
               <a:rPr lang="en-IT" b="1" dirty="0">
-                <a:latin typeface="Palatino Linotype" panose="02040502050505030304" pitchFamily="18" charset="0"/>
+                <a:latin typeface="Aptos" panose="020B0004020202020204" pitchFamily="34" charset="0"/>
               </a:rPr>
               <a:t>Android</a:t>
             </a:r>
@@ -9724,7 +9767,7 @@
                 <a:solidFill>
                   <a:schemeClr val="tx1"/>
                 </a:solidFill>
-                <a:latin typeface="Palatino Linotype" panose="02040502050505030304" pitchFamily="18" charset="0"/>
+                <a:latin typeface="Aptos" panose="020B0004020202020204" pitchFamily="34" charset="0"/>
               </a:rPr>
               <a:t>Slides 10-14</a:t>
             </a:r>
@@ -9732,7 +9775,7 @@
               <a:solidFill>
                 <a:schemeClr val="tx1"/>
               </a:solidFill>
-              <a:latin typeface="Palatino Linotype" panose="02040502050505030304" pitchFamily="18" charset="0"/>
+              <a:latin typeface="Aptos" panose="020B0004020202020204" pitchFamily="34" charset="0"/>
             </a:endParaRPr>
           </a:p>
         </p:txBody>
@@ -9792,7 +9835,7 @@
                 <a:solidFill>
                   <a:schemeClr val="tx1"/>
                 </a:solidFill>
-                <a:latin typeface="Palatino Linotype" panose="02040502050505030304" pitchFamily="18" charset="0"/>
+                <a:latin typeface="Aptos" panose="020B0004020202020204" pitchFamily="34" charset="0"/>
               </a:rPr>
               <a:t>Slides 15-18</a:t>
             </a:r>
@@ -9800,7 +9843,7 @@
               <a:solidFill>
                 <a:schemeClr val="tx1"/>
               </a:solidFill>
-              <a:latin typeface="Palatino Linotype" panose="02040502050505030304" pitchFamily="18" charset="0"/>
+              <a:latin typeface="Aptos" panose="020B0004020202020204" pitchFamily="34" charset="0"/>
             </a:endParaRPr>
           </a:p>
         </p:txBody>
